--- a/Part 3 - Solving the problems/Powerpoint Slides/3-2_Pure_Saturation_Envelopes.pptx
+++ b/Part 3 - Solving the problems/Powerpoint Slides/3-2_Pure_Saturation_Envelopes.pptx
@@ -5,10 +5,10 @@
     <p:sldMasterId id="2147483648" r:id="rId1"/>
   </p:sldMasterIdLst>
   <p:notesMasterIdLst>
-    <p:notesMasterId r:id="rId17"/>
+    <p:notesMasterId r:id="rId24"/>
   </p:notesMasterIdLst>
   <p:handoutMasterIdLst>
-    <p:handoutMasterId r:id="rId18"/>
+    <p:handoutMasterId r:id="rId25"/>
   </p:handoutMasterIdLst>
   <p:sldIdLst>
     <p:sldId id="364" r:id="rId2"/>
@@ -18,14 +18,21 @@
     <p:sldId id="368" r:id="rId6"/>
     <p:sldId id="369" r:id="rId7"/>
     <p:sldId id="370" r:id="rId8"/>
-    <p:sldId id="371" r:id="rId9"/>
-    <p:sldId id="372" r:id="rId10"/>
-    <p:sldId id="374" r:id="rId11"/>
-    <p:sldId id="376" r:id="rId12"/>
-    <p:sldId id="380" r:id="rId13"/>
-    <p:sldId id="381" r:id="rId14"/>
-    <p:sldId id="385" r:id="rId15"/>
-    <p:sldId id="384" r:id="rId16"/>
+    <p:sldId id="393" r:id="rId9"/>
+    <p:sldId id="371" r:id="rId10"/>
+    <p:sldId id="392" r:id="rId11"/>
+    <p:sldId id="372" r:id="rId12"/>
+    <p:sldId id="374" r:id="rId13"/>
+    <p:sldId id="376" r:id="rId14"/>
+    <p:sldId id="380" r:id="rId15"/>
+    <p:sldId id="387" r:id="rId16"/>
+    <p:sldId id="391" r:id="rId17"/>
+    <p:sldId id="386" r:id="rId18"/>
+    <p:sldId id="388" r:id="rId19"/>
+    <p:sldId id="389" r:id="rId20"/>
+    <p:sldId id="390" r:id="rId21"/>
+    <p:sldId id="385" r:id="rId22"/>
+    <p:sldId id="384" r:id="rId23"/>
   </p:sldIdLst>
   <p:sldSz cx="9144000" cy="6858000" type="screen4x3"/>
   <p:notesSz cx="6858000" cy="9144000"/>
@@ -160,7 +167,7 @@
 <file path=ppt/revisionInfo.xml><?xml version="1.0" encoding="utf-8"?>
 <p1510:revInfo xmlns:a="http://schemas.openxmlformats.org/drawingml/2006/main" xmlns:r="http://schemas.openxmlformats.org/officeDocument/2006/relationships" xmlns:p1510="http://schemas.microsoft.com/office/powerpoint/2015/10/main">
   <p1510:revLst>
-    <p1510:client id="{4CB1334A-862F-4E16-8EF2-2F2329C69559}" v="2" dt="2022-08-22T02:11:40.542"/>
+    <p1510:client id="{7FCD76CA-95A8-4C0F-87E4-8CCC65371031}" v="316" dt="2022-09-02T07:09:37.478"/>
   </p1510:revLst>
 </p1510:revInfo>
 </file>
@@ -246,6 +253,252 @@
         <pc:sldMkLst>
           <pc:docMk/>
           <pc:sldMk cId="62162705" sldId="383"/>
+        </pc:sldMkLst>
+      </pc:sldChg>
+    </pc:docChg>
+  </pc:docChgLst>
+  <pc:docChgLst>
+    <pc:chgData name="Luc Paoli" userId="28bcbf778cf7ff89" providerId="LiveId" clId="{7FCD76CA-95A8-4C0F-87E4-8CCC65371031}"/>
+    <pc:docChg chg="undo custSel addSld delSld modSld sldOrd">
+      <pc:chgData name="Luc Paoli" userId="28bcbf778cf7ff89" providerId="LiveId" clId="{7FCD76CA-95A8-4C0F-87E4-8CCC65371031}" dt="2022-09-02T07:10:13.519" v="1057" actId="20577"/>
+      <pc:docMkLst>
+        <pc:docMk/>
+      </pc:docMkLst>
+      <pc:sldChg chg="modSp mod">
+        <pc:chgData name="Luc Paoli" userId="28bcbf778cf7ff89" providerId="LiveId" clId="{7FCD76CA-95A8-4C0F-87E4-8CCC65371031}" dt="2022-09-02T06:53:37.035" v="0" actId="20577"/>
+        <pc:sldMkLst>
+          <pc:docMk/>
+          <pc:sldMk cId="4141028454" sldId="365"/>
+        </pc:sldMkLst>
+        <pc:spChg chg="mod">
+          <ac:chgData name="Luc Paoli" userId="28bcbf778cf7ff89" providerId="LiveId" clId="{7FCD76CA-95A8-4C0F-87E4-8CCC65371031}" dt="2022-09-02T06:53:37.035" v="0" actId="20577"/>
+          <ac:spMkLst>
+            <pc:docMk/>
+            <pc:sldMk cId="4141028454" sldId="365"/>
+            <ac:spMk id="3" creationId="{3EE6E6B6-5CA5-F662-72EF-7D2A45172B54}"/>
+          </ac:spMkLst>
+        </pc:spChg>
+      </pc:sldChg>
+      <pc:sldChg chg="modSp mod">
+        <pc:chgData name="Luc Paoli" userId="28bcbf778cf7ff89" providerId="LiveId" clId="{7FCD76CA-95A8-4C0F-87E4-8CCC65371031}" dt="2022-09-02T06:54:10.999" v="87" actId="20577"/>
+        <pc:sldMkLst>
+          <pc:docMk/>
+          <pc:sldMk cId="2652613095" sldId="366"/>
+        </pc:sldMkLst>
+        <pc:spChg chg="mod">
+          <ac:chgData name="Luc Paoli" userId="28bcbf778cf7ff89" providerId="LiveId" clId="{7FCD76CA-95A8-4C0F-87E4-8CCC65371031}" dt="2022-09-02T06:54:10.999" v="87" actId="20577"/>
+          <ac:spMkLst>
+            <pc:docMk/>
+            <pc:sldMk cId="2652613095" sldId="366"/>
+            <ac:spMk id="3" creationId="{390E49BC-6CB9-7142-4785-158E21D3EA26}"/>
+          </ac:spMkLst>
+        </pc:spChg>
+      </pc:sldChg>
+      <pc:sldChg chg="modSp mod modNotesTx">
+        <pc:chgData name="Luc Paoli" userId="28bcbf778cf7ff89" providerId="LiveId" clId="{7FCD76CA-95A8-4C0F-87E4-8CCC65371031}" dt="2022-09-02T06:54:53.507" v="236" actId="20577"/>
+        <pc:sldMkLst>
+          <pc:docMk/>
+          <pc:sldMk cId="3413624992" sldId="367"/>
+        </pc:sldMkLst>
+        <pc:spChg chg="mod">
+          <ac:chgData name="Luc Paoli" userId="28bcbf778cf7ff89" providerId="LiveId" clId="{7FCD76CA-95A8-4C0F-87E4-8CCC65371031}" dt="2022-09-02T06:54:53.507" v="236" actId="20577"/>
+          <ac:spMkLst>
+            <pc:docMk/>
+            <pc:sldMk cId="3413624992" sldId="367"/>
+            <ac:spMk id="3" creationId="{91D904F1-2A75-11B0-BF6C-E6BC70FBC748}"/>
+          </ac:spMkLst>
+        </pc:spChg>
+      </pc:sldChg>
+      <pc:sldChg chg="modSp mod">
+        <pc:chgData name="Luc Paoli" userId="28bcbf778cf7ff89" providerId="LiveId" clId="{7FCD76CA-95A8-4C0F-87E4-8CCC65371031}" dt="2022-09-02T07:08:17.219" v="1048" actId="20577"/>
+        <pc:sldMkLst>
+          <pc:docMk/>
+          <pc:sldMk cId="1309187651" sldId="370"/>
+        </pc:sldMkLst>
+        <pc:spChg chg="mod">
+          <ac:chgData name="Luc Paoli" userId="28bcbf778cf7ff89" providerId="LiveId" clId="{7FCD76CA-95A8-4C0F-87E4-8CCC65371031}" dt="2022-09-02T07:08:17.219" v="1048" actId="20577"/>
+          <ac:spMkLst>
+            <pc:docMk/>
+            <pc:sldMk cId="1309187651" sldId="370"/>
+            <ac:spMk id="3" creationId="{4334CBD5-99FD-1EF7-18B0-03CFE0E94E80}"/>
+          </ac:spMkLst>
+        </pc:spChg>
+      </pc:sldChg>
+      <pc:sldChg chg="modSp mod">
+        <pc:chgData name="Luc Paoli" userId="28bcbf778cf7ff89" providerId="LiveId" clId="{7FCD76CA-95A8-4C0F-87E4-8CCC65371031}" dt="2022-09-02T07:08:35.038" v="1052" actId="20577"/>
+        <pc:sldMkLst>
+          <pc:docMk/>
+          <pc:sldMk cId="1695441006" sldId="371"/>
+        </pc:sldMkLst>
+        <pc:spChg chg="mod">
+          <ac:chgData name="Luc Paoli" userId="28bcbf778cf7ff89" providerId="LiveId" clId="{7FCD76CA-95A8-4C0F-87E4-8CCC65371031}" dt="2022-09-02T07:08:35.038" v="1052" actId="20577"/>
+          <ac:spMkLst>
+            <pc:docMk/>
+            <pc:sldMk cId="1695441006" sldId="371"/>
+            <ac:spMk id="3" creationId="{E8BF9775-7587-F951-7A8A-5E1088CC0870}"/>
+          </ac:spMkLst>
+        </pc:spChg>
+      </pc:sldChg>
+      <pc:sldChg chg="modNotesTx">
+        <pc:chgData name="Luc Paoli" userId="28bcbf778cf7ff89" providerId="LiveId" clId="{7FCD76CA-95A8-4C0F-87E4-8CCC65371031}" dt="2022-09-02T07:09:46.540" v="1053"/>
+        <pc:sldMkLst>
+          <pc:docMk/>
+          <pc:sldMk cId="368433562" sldId="374"/>
+        </pc:sldMkLst>
+      </pc:sldChg>
+      <pc:sldChg chg="modSp mod">
+        <pc:chgData name="Luc Paoli" userId="28bcbf778cf7ff89" providerId="LiveId" clId="{7FCD76CA-95A8-4C0F-87E4-8CCC65371031}" dt="2022-09-02T06:55:23.056" v="240" actId="21"/>
+        <pc:sldMkLst>
+          <pc:docMk/>
+          <pc:sldMk cId="3987220405" sldId="380"/>
+        </pc:sldMkLst>
+        <pc:spChg chg="mod">
+          <ac:chgData name="Luc Paoli" userId="28bcbf778cf7ff89" providerId="LiveId" clId="{7FCD76CA-95A8-4C0F-87E4-8CCC65371031}" dt="2022-09-02T06:55:23.056" v="240" actId="21"/>
+          <ac:spMkLst>
+            <pc:docMk/>
+            <pc:sldMk cId="3987220405" sldId="380"/>
+            <ac:spMk id="3" creationId="{BB8437F6-48BE-89D1-7FA2-8ADFA1FFE4E6}"/>
+          </ac:spMkLst>
+        </pc:spChg>
+      </pc:sldChg>
+      <pc:sldChg chg="del">
+        <pc:chgData name="Luc Paoli" userId="28bcbf778cf7ff89" providerId="LiveId" clId="{7FCD76CA-95A8-4C0F-87E4-8CCC65371031}" dt="2022-09-02T07:02:31.919" v="939" actId="2696"/>
+        <pc:sldMkLst>
+          <pc:docMk/>
+          <pc:sldMk cId="2498101713" sldId="381"/>
+        </pc:sldMkLst>
+      </pc:sldChg>
+      <pc:sldChg chg="modSp mod">
+        <pc:chgData name="Luc Paoli" userId="28bcbf778cf7ff89" providerId="LiveId" clId="{7FCD76CA-95A8-4C0F-87E4-8CCC65371031}" dt="2022-09-02T07:04:48.105" v="980" actId="20577"/>
+        <pc:sldMkLst>
+          <pc:docMk/>
+          <pc:sldMk cId="354491302" sldId="384"/>
+        </pc:sldMkLst>
+        <pc:spChg chg="mod">
+          <ac:chgData name="Luc Paoli" userId="28bcbf778cf7ff89" providerId="LiveId" clId="{7FCD76CA-95A8-4C0F-87E4-8CCC65371031}" dt="2022-09-02T07:04:48.105" v="980" actId="20577"/>
+          <ac:spMkLst>
+            <pc:docMk/>
+            <pc:sldMk cId="354491302" sldId="384"/>
+            <ac:spMk id="3" creationId="{16496A15-4443-D22F-5422-754A37A353D6}"/>
+          </ac:spMkLst>
+        </pc:spChg>
+      </pc:sldChg>
+      <pc:sldChg chg="modNotesTx">
+        <pc:chgData name="Luc Paoli" userId="28bcbf778cf7ff89" providerId="LiveId" clId="{7FCD76CA-95A8-4C0F-87E4-8CCC65371031}" dt="2022-09-02T07:10:13.519" v="1057" actId="20577"/>
+        <pc:sldMkLst>
+          <pc:docMk/>
+          <pc:sldMk cId="2166540629" sldId="385"/>
+        </pc:sldMkLst>
+      </pc:sldChg>
+      <pc:sldChg chg="modSp add mod ord">
+        <pc:chgData name="Luc Paoli" userId="28bcbf778cf7ff89" providerId="LiveId" clId="{7FCD76CA-95A8-4C0F-87E4-8CCC65371031}" dt="2022-09-02T06:56:22.269" v="408"/>
+        <pc:sldMkLst>
+          <pc:docMk/>
+          <pc:sldMk cId="1242818904" sldId="386"/>
+        </pc:sldMkLst>
+        <pc:spChg chg="mod">
+          <ac:chgData name="Luc Paoli" userId="28bcbf778cf7ff89" providerId="LiveId" clId="{7FCD76CA-95A8-4C0F-87E4-8CCC65371031}" dt="2022-09-02T06:55:36.162" v="245" actId="20577"/>
+          <ac:spMkLst>
+            <pc:docMk/>
+            <pc:sldMk cId="1242818904" sldId="386"/>
+            <ac:spMk id="3" creationId="{BB8437F6-48BE-89D1-7FA2-8ADFA1FFE4E6}"/>
+          </ac:spMkLst>
+        </pc:spChg>
+      </pc:sldChg>
+      <pc:sldChg chg="modSp add mod modNotesTx">
+        <pc:chgData name="Luc Paoli" userId="28bcbf778cf7ff89" providerId="LiveId" clId="{7FCD76CA-95A8-4C0F-87E4-8CCC65371031}" dt="2022-09-02T06:56:35.652" v="456" actId="20577"/>
+        <pc:sldMkLst>
+          <pc:docMk/>
+          <pc:sldMk cId="355214491" sldId="387"/>
+        </pc:sldMkLst>
+        <pc:spChg chg="mod">
+          <ac:chgData name="Luc Paoli" userId="28bcbf778cf7ff89" providerId="LiveId" clId="{7FCD76CA-95A8-4C0F-87E4-8CCC65371031}" dt="2022-09-02T06:55:41.329" v="247" actId="20577"/>
+          <ac:spMkLst>
+            <pc:docMk/>
+            <pc:sldMk cId="355214491" sldId="387"/>
+            <ac:spMk id="3" creationId="{BB8437F6-48BE-89D1-7FA2-8ADFA1FFE4E6}"/>
+          </ac:spMkLst>
+        </pc:spChg>
+      </pc:sldChg>
+      <pc:sldChg chg="modSp add mod ord">
+        <pc:chgData name="Luc Paoli" userId="28bcbf778cf7ff89" providerId="LiveId" clId="{7FCD76CA-95A8-4C0F-87E4-8CCC65371031}" dt="2022-09-02T06:59:22.892" v="736" actId="27636"/>
+        <pc:sldMkLst>
+          <pc:docMk/>
+          <pc:sldMk cId="1196781641" sldId="388"/>
+        </pc:sldMkLst>
+        <pc:spChg chg="mod">
+          <ac:chgData name="Luc Paoli" userId="28bcbf778cf7ff89" providerId="LiveId" clId="{7FCD76CA-95A8-4C0F-87E4-8CCC65371031}" dt="2022-09-02T06:59:22.892" v="736" actId="27636"/>
+          <ac:spMkLst>
+            <pc:docMk/>
+            <pc:sldMk cId="1196781641" sldId="388"/>
+            <ac:spMk id="3" creationId="{3AFDDCBE-FD6B-2C4D-6D14-D3889DA57A35}"/>
+          </ac:spMkLst>
+        </pc:spChg>
+      </pc:sldChg>
+      <pc:sldChg chg="modSp add mod">
+        <pc:chgData name="Luc Paoli" userId="28bcbf778cf7ff89" providerId="LiveId" clId="{7FCD76CA-95A8-4C0F-87E4-8CCC65371031}" dt="2022-09-02T07:01:18.273" v="938" actId="313"/>
+        <pc:sldMkLst>
+          <pc:docMk/>
+          <pc:sldMk cId="356637696" sldId="389"/>
+        </pc:sldMkLst>
+        <pc:spChg chg="mod">
+          <ac:chgData name="Luc Paoli" userId="28bcbf778cf7ff89" providerId="LiveId" clId="{7FCD76CA-95A8-4C0F-87E4-8CCC65371031}" dt="2022-09-02T07:01:18.273" v="938" actId="313"/>
+          <ac:spMkLst>
+            <pc:docMk/>
+            <pc:sldMk cId="356637696" sldId="389"/>
+            <ac:spMk id="3" creationId="{3AFDDCBE-FD6B-2C4D-6D14-D3889DA57A35}"/>
+          </ac:spMkLst>
+        </pc:spChg>
+      </pc:sldChg>
+      <pc:sldChg chg="modSp add mod">
+        <pc:chgData name="Luc Paoli" userId="28bcbf778cf7ff89" providerId="LiveId" clId="{7FCD76CA-95A8-4C0F-87E4-8CCC65371031}" dt="2022-09-02T07:05:13.826" v="1043" actId="20577"/>
+        <pc:sldMkLst>
+          <pc:docMk/>
+          <pc:sldMk cId="1027450089" sldId="390"/>
+        </pc:sldMkLst>
+        <pc:spChg chg="mod">
+          <ac:chgData name="Luc Paoli" userId="28bcbf778cf7ff89" providerId="LiveId" clId="{7FCD76CA-95A8-4C0F-87E4-8CCC65371031}" dt="2022-09-02T07:05:13.826" v="1043" actId="20577"/>
+          <ac:spMkLst>
+            <pc:docMk/>
+            <pc:sldMk cId="1027450089" sldId="390"/>
+            <ac:spMk id="3" creationId="{3AFDDCBE-FD6B-2C4D-6D14-D3889DA57A35}"/>
+          </ac:spMkLst>
+        </pc:spChg>
+      </pc:sldChg>
+      <pc:sldChg chg="new del">
+        <pc:chgData name="Luc Paoli" userId="28bcbf778cf7ff89" providerId="LiveId" clId="{7FCD76CA-95A8-4C0F-87E4-8CCC65371031}" dt="2022-09-02T06:59:58.475" v="751" actId="680"/>
+        <pc:sldMkLst>
+          <pc:docMk/>
+          <pc:sldMk cId="1322066301" sldId="390"/>
+        </pc:sldMkLst>
+      </pc:sldChg>
+      <pc:sldChg chg="modSp add mod">
+        <pc:chgData name="Luc Paoli" userId="28bcbf778cf7ff89" providerId="LiveId" clId="{7FCD76CA-95A8-4C0F-87E4-8CCC65371031}" dt="2022-09-02T07:06:39.669" v="1045" actId="20577"/>
+        <pc:sldMkLst>
+          <pc:docMk/>
+          <pc:sldMk cId="876386361" sldId="391"/>
+        </pc:sldMkLst>
+        <pc:spChg chg="mod">
+          <ac:chgData name="Luc Paoli" userId="28bcbf778cf7ff89" providerId="LiveId" clId="{7FCD76CA-95A8-4C0F-87E4-8CCC65371031}" dt="2022-09-02T07:06:39.669" v="1045" actId="20577"/>
+          <ac:spMkLst>
+            <pc:docMk/>
+            <pc:sldMk cId="876386361" sldId="391"/>
+            <ac:spMk id="3" creationId="{BB8437F6-48BE-89D1-7FA2-8ADFA1FFE4E6}"/>
+          </ac:spMkLst>
+        </pc:spChg>
+      </pc:sldChg>
+      <pc:sldChg chg="add">
+        <pc:chgData name="Luc Paoli" userId="28bcbf778cf7ff89" providerId="LiveId" clId="{7FCD76CA-95A8-4C0F-87E4-8CCC65371031}" dt="2022-09-02T07:08:01.167" v="1046" actId="2890"/>
+        <pc:sldMkLst>
+          <pc:docMk/>
+          <pc:sldMk cId="4071788350" sldId="392"/>
+        </pc:sldMkLst>
+      </pc:sldChg>
+      <pc:sldChg chg="add">
+        <pc:chgData name="Luc Paoli" userId="28bcbf778cf7ff89" providerId="LiveId" clId="{7FCD76CA-95A8-4C0F-87E4-8CCC65371031}" dt="2022-09-02T07:08:13.753" v="1047" actId="2890"/>
+        <pc:sldMkLst>
+          <pc:docMk/>
+          <pc:sldMk cId="461386003" sldId="393"/>
         </pc:sldMkLst>
       </pc:sldChg>
     </pc:docChg>
@@ -898,7 +1151,7 @@
           <a:p>
             <a:fld id="{6D2CC9D1-B559-0843-AD36-897B157130C2}" type="datetimeFigureOut">
               <a:rPr lang="en-US" smtClean="0"/>
-              <a:t>8/22/2022</a:t>
+              <a:t>9/2/2022</a:t>
             </a:fld>
             <a:endParaRPr lang="en-US"/>
           </a:p>
@@ -1065,7 +1318,7 @@
             <a:fld id="{21E07F8B-42E5-8848-9418-61648E606395}" type="datetimeFigureOut">
               <a:rPr lang="en-US" smtClean="0"/>
               <a:pPr/>
-              <a:t>8/22/2022</a:t>
+              <a:t>9/2/2022</a:t>
             </a:fld>
             <a:endParaRPr lang="en-US"/>
           </a:p>
@@ -1334,6 +1587,691 @@
     </a:lvl9pPr>
   </p:notesStyle>
 </p:notesMaster>
+</file>
+
+<file path=ppt/notesSlides/notesSlide1.xml><?xml version="1.0" encoding="utf-8"?>
+<p:notes xmlns:a="http://schemas.openxmlformats.org/drawingml/2006/main" xmlns:r="http://schemas.openxmlformats.org/officeDocument/2006/relationships" xmlns:p="http://schemas.openxmlformats.org/presentationml/2006/main">
+  <p:cSld>
+    <p:spTree>
+      <p:nvGrpSpPr>
+        <p:cNvPr id="1" name=""/>
+        <p:cNvGrpSpPr/>
+        <p:nvPr/>
+      </p:nvGrpSpPr>
+      <p:grpSpPr>
+        <a:xfrm>
+          <a:off x="0" y="0"/>
+          <a:ext cx="0" cy="0"/>
+          <a:chOff x="0" y="0"/>
+          <a:chExt cx="0" cy="0"/>
+        </a:xfrm>
+      </p:grpSpPr>
+      <p:sp>
+        <p:nvSpPr>
+          <p:cNvPr id="2" name="Slide Image Placeholder 1"/>
+          <p:cNvSpPr>
+            <a:spLocks noGrp="1" noRot="1" noChangeAspect="1"/>
+          </p:cNvSpPr>
+          <p:nvPr>
+            <p:ph type="sldImg"/>
+          </p:nvPr>
+        </p:nvSpPr>
+        <p:spPr/>
+      </p:sp>
+      <p:sp>
+        <p:nvSpPr>
+          <p:cNvPr id="3" name="Notes Placeholder 2"/>
+          <p:cNvSpPr>
+            <a:spLocks noGrp="1"/>
+          </p:cNvSpPr>
+          <p:nvPr>
+            <p:ph type="body" idx="1"/>
+          </p:nvPr>
+        </p:nvSpPr>
+        <p:spPr/>
+        <p:txBody>
+          <a:bodyPr/>
+          <a:lstStyle/>
+          <a:p>
+            <a:r>
+              <a:rPr lang="en-GB" dirty="0"/>
+              <a:t>Draw a picture of a saturation curve and show the solver converging from either side using the volume</a:t>
+            </a:r>
+          </a:p>
+        </p:txBody>
+      </p:sp>
+      <p:sp>
+        <p:nvSpPr>
+          <p:cNvPr id="4" name="Slide Number Placeholder 3"/>
+          <p:cNvSpPr>
+            <a:spLocks noGrp="1"/>
+          </p:cNvSpPr>
+          <p:nvPr>
+            <p:ph type="sldNum" sz="quarter" idx="5"/>
+          </p:nvPr>
+        </p:nvSpPr>
+        <p:spPr/>
+        <p:txBody>
+          <a:bodyPr/>
+          <a:lstStyle/>
+          <a:p>
+            <a:fld id="{03652605-0564-D447-8592-4B3916BD2E72}" type="slidenum">
+              <a:rPr lang="en-US" smtClean="0"/>
+              <a:pPr/>
+              <a:t>4</a:t>
+            </a:fld>
+            <a:endParaRPr lang="en-US"/>
+          </a:p>
+        </p:txBody>
+      </p:sp>
+    </p:spTree>
+    <p:extLst>
+      <p:ext uri="{BB962C8B-B14F-4D97-AF65-F5344CB8AC3E}">
+        <p14:creationId xmlns:p14="http://schemas.microsoft.com/office/powerpoint/2010/main" val="3799096200"/>
+      </p:ext>
+    </p:extLst>
+  </p:cSld>
+  <p:clrMapOvr>
+    <a:masterClrMapping/>
+  </p:clrMapOvr>
+</p:notes>
+</file>
+
+<file path=ppt/notesSlides/notesSlide2.xml><?xml version="1.0" encoding="utf-8"?>
+<p:notes xmlns:a="http://schemas.openxmlformats.org/drawingml/2006/main" xmlns:r="http://schemas.openxmlformats.org/officeDocument/2006/relationships" xmlns:p="http://schemas.openxmlformats.org/presentationml/2006/main">
+  <p:cSld>
+    <p:spTree>
+      <p:nvGrpSpPr>
+        <p:cNvPr id="1" name=""/>
+        <p:cNvGrpSpPr/>
+        <p:nvPr/>
+      </p:nvGrpSpPr>
+      <p:grpSpPr>
+        <a:xfrm>
+          <a:off x="0" y="0"/>
+          <a:ext cx="0" cy="0"/>
+          <a:chOff x="0" y="0"/>
+          <a:chExt cx="0" cy="0"/>
+        </a:xfrm>
+      </p:grpSpPr>
+      <p:sp>
+        <p:nvSpPr>
+          <p:cNvPr id="2" name="Slide Image Placeholder 1"/>
+          <p:cNvSpPr>
+            <a:spLocks noGrp="1" noRot="1" noChangeAspect="1"/>
+          </p:cNvSpPr>
+          <p:nvPr>
+            <p:ph type="sldImg"/>
+          </p:nvPr>
+        </p:nvSpPr>
+        <p:spPr/>
+      </p:sp>
+      <p:sp>
+        <p:nvSpPr>
+          <p:cNvPr id="3" name="Notes Placeholder 2"/>
+          <p:cNvSpPr>
+            <a:spLocks noGrp="1"/>
+          </p:cNvSpPr>
+          <p:nvPr>
+            <p:ph type="body" idx="1"/>
+          </p:nvPr>
+        </p:nvSpPr>
+        <p:spPr/>
+        <p:txBody>
+          <a:bodyPr/>
+          <a:lstStyle/>
+          <a:p>
+            <a:r>
+              <a:rPr lang="en-GB" dirty="0" err="1"/>
+              <a:t>Jfx</a:t>
+            </a:r>
+            <a:r>
+              <a:rPr lang="en-GB" dirty="0"/>
+              <a:t> = </a:t>
+            </a:r>
+            <a:r>
+              <a:rPr lang="en-GB" dirty="0" err="1"/>
+              <a:t>Jf</a:t>
+            </a:r>
+            <a:r>
+              <a:rPr lang="en-GB" dirty="0"/>
+              <a:t>(</a:t>
+            </a:r>
+            <a:r>
+              <a:rPr lang="en-GB" dirty="0" err="1"/>
+              <a:t>logV</a:t>
+            </a:r>
+            <a:r>
+              <a:rPr lang="en-GB" dirty="0"/>
+              <a:t>) # Calculate the </a:t>
+            </a:r>
+            <a:r>
+              <a:rPr lang="en-GB" dirty="0" err="1"/>
+              <a:t>jacobian</a:t>
+            </a:r>
+            <a:endParaRPr lang="en-GB" dirty="0"/>
+          </a:p>
+          <a:p>
+            <a:r>
+              <a:rPr lang="en-GB" dirty="0" err="1"/>
+              <a:t>fx</a:t>
+            </a:r>
+            <a:r>
+              <a:rPr lang="en-GB" dirty="0"/>
+              <a:t> = f(</a:t>
+            </a:r>
+            <a:r>
+              <a:rPr lang="en-GB" dirty="0" err="1"/>
+              <a:t>logV</a:t>
+            </a:r>
+            <a:r>
+              <a:rPr lang="en-GB" dirty="0"/>
+              <a:t>) # Calculate the value of f at V</a:t>
+            </a:r>
+          </a:p>
+          <a:p>
+            <a:r>
+              <a:rPr lang="en-GB" dirty="0"/>
+              <a:t>d = -</a:t>
+            </a:r>
+            <a:r>
+              <a:rPr lang="en-GB" dirty="0" err="1"/>
+              <a:t>Jfx</a:t>
+            </a:r>
+            <a:r>
+              <a:rPr lang="en-GB" dirty="0"/>
+              <a:t>\</a:t>
+            </a:r>
+            <a:r>
+              <a:rPr lang="en-GB" dirty="0" err="1"/>
+              <a:t>fx</a:t>
+            </a:r>
+            <a:r>
+              <a:rPr lang="en-GB" dirty="0"/>
+              <a:t> # Calculate the newton step</a:t>
+            </a:r>
+          </a:p>
+          <a:p>
+            <a:r>
+              <a:rPr lang="en-GB" dirty="0" err="1"/>
+              <a:t>logVold</a:t>
+            </a:r>
+            <a:r>
+              <a:rPr lang="en-GB" dirty="0"/>
+              <a:t> = </a:t>
+            </a:r>
+            <a:r>
+              <a:rPr lang="en-GB" dirty="0" err="1"/>
+              <a:t>logV</a:t>
+            </a:r>
+            <a:r>
+              <a:rPr lang="en-GB" dirty="0"/>
+              <a:t> # Store current iteration</a:t>
+            </a:r>
+          </a:p>
+          <a:p>
+            <a:r>
+              <a:rPr lang="en-GB" dirty="0" err="1"/>
+              <a:t>logV</a:t>
+            </a:r>
+            <a:r>
+              <a:rPr lang="en-GB" dirty="0"/>
+              <a:t> = </a:t>
+            </a:r>
+            <a:r>
+              <a:rPr lang="en-GB" dirty="0" err="1"/>
+              <a:t>logV</a:t>
+            </a:r>
+            <a:r>
+              <a:rPr lang="en-GB" dirty="0"/>
+              <a:t> .+ d # Take newton step	</a:t>
+            </a:r>
+          </a:p>
+          <a:p>
+            <a:r>
+              <a:rPr lang="en-GB" dirty="0" err="1"/>
+              <a:t>iters</a:t>
+            </a:r>
+            <a:r>
+              <a:rPr lang="en-GB" dirty="0"/>
+              <a:t> += 1 # Increment our iteration counter</a:t>
+            </a:r>
+          </a:p>
+          <a:p>
+            <a:endParaRPr lang="en-GB" dirty="0"/>
+          </a:p>
+        </p:txBody>
+      </p:sp>
+      <p:sp>
+        <p:nvSpPr>
+          <p:cNvPr id="4" name="Slide Number Placeholder 3"/>
+          <p:cNvSpPr>
+            <a:spLocks noGrp="1"/>
+          </p:cNvSpPr>
+          <p:nvPr>
+            <p:ph type="sldNum" sz="quarter" idx="5"/>
+          </p:nvPr>
+        </p:nvSpPr>
+        <p:spPr/>
+        <p:txBody>
+          <a:bodyPr/>
+          <a:lstStyle/>
+          <a:p>
+            <a:fld id="{03652605-0564-D447-8592-4B3916BD2E72}" type="slidenum">
+              <a:rPr lang="en-US" smtClean="0"/>
+              <a:pPr/>
+              <a:t>12</a:t>
+            </a:fld>
+            <a:endParaRPr lang="en-US"/>
+          </a:p>
+        </p:txBody>
+      </p:sp>
+    </p:spTree>
+    <p:extLst>
+      <p:ext uri="{BB962C8B-B14F-4D97-AF65-F5344CB8AC3E}">
+        <p14:creationId xmlns:p14="http://schemas.microsoft.com/office/powerpoint/2010/main" val="2073995066"/>
+      </p:ext>
+    </p:extLst>
+  </p:cSld>
+  <p:clrMapOvr>
+    <a:masterClrMapping/>
+  </p:clrMapOvr>
+</p:notes>
+</file>
+
+<file path=ppt/notesSlides/notesSlide3.xml><?xml version="1.0" encoding="utf-8"?>
+<p:notes xmlns:a="http://schemas.openxmlformats.org/drawingml/2006/main" xmlns:r="http://schemas.openxmlformats.org/officeDocument/2006/relationships" xmlns:p="http://schemas.openxmlformats.org/presentationml/2006/main">
+  <p:cSld>
+    <p:spTree>
+      <p:nvGrpSpPr>
+        <p:cNvPr id="1" name=""/>
+        <p:cNvGrpSpPr/>
+        <p:nvPr/>
+      </p:nvGrpSpPr>
+      <p:grpSpPr>
+        <a:xfrm>
+          <a:off x="0" y="0"/>
+          <a:ext cx="0" cy="0"/>
+          <a:chOff x="0" y="0"/>
+          <a:chExt cx="0" cy="0"/>
+        </a:xfrm>
+      </p:grpSpPr>
+      <p:sp>
+        <p:nvSpPr>
+          <p:cNvPr id="2" name="Slide Image Placeholder 1"/>
+          <p:cNvSpPr>
+            <a:spLocks noGrp="1" noRot="1" noChangeAspect="1"/>
+          </p:cNvSpPr>
+          <p:nvPr>
+            <p:ph type="sldImg"/>
+          </p:nvPr>
+        </p:nvSpPr>
+        <p:spPr/>
+      </p:sp>
+      <p:sp>
+        <p:nvSpPr>
+          <p:cNvPr id="3" name="Notes Placeholder 2"/>
+          <p:cNvSpPr>
+            <a:spLocks noGrp="1"/>
+          </p:cNvSpPr>
+          <p:nvPr>
+            <p:ph type="body" idx="1"/>
+          </p:nvPr>
+        </p:nvSpPr>
+        <p:spPr/>
+        <p:txBody>
+          <a:bodyPr/>
+          <a:lstStyle/>
+          <a:p>
+            <a:r>
+              <a:rPr lang="en-GB" dirty="0"/>
+              <a:t>Anecdote about Andrew describing to me how they used to manually locate the critical point by interpolating by hand between the vapour and liquid phases </a:t>
+            </a:r>
+          </a:p>
+        </p:txBody>
+      </p:sp>
+      <p:sp>
+        <p:nvSpPr>
+          <p:cNvPr id="4" name="Slide Number Placeholder 3"/>
+          <p:cNvSpPr>
+            <a:spLocks noGrp="1"/>
+          </p:cNvSpPr>
+          <p:nvPr>
+            <p:ph type="sldNum" sz="quarter" idx="5"/>
+          </p:nvPr>
+        </p:nvSpPr>
+        <p:spPr/>
+        <p:txBody>
+          <a:bodyPr/>
+          <a:lstStyle/>
+          <a:p>
+            <a:fld id="{03652605-0564-D447-8592-4B3916BD2E72}" type="slidenum">
+              <a:rPr lang="en-US" smtClean="0"/>
+              <a:pPr/>
+              <a:t>15</a:t>
+            </a:fld>
+            <a:endParaRPr lang="en-US"/>
+          </a:p>
+        </p:txBody>
+      </p:sp>
+    </p:spTree>
+    <p:extLst>
+      <p:ext uri="{BB962C8B-B14F-4D97-AF65-F5344CB8AC3E}">
+        <p14:creationId xmlns:p14="http://schemas.microsoft.com/office/powerpoint/2010/main" val="892221491"/>
+      </p:ext>
+    </p:extLst>
+  </p:cSld>
+  <p:clrMapOvr>
+    <a:masterClrMapping/>
+  </p:clrMapOvr>
+</p:notes>
+</file>
+
+<file path=ppt/notesSlides/notesSlide4.xml><?xml version="1.0" encoding="utf-8"?>
+<p:notes xmlns:a="http://schemas.openxmlformats.org/drawingml/2006/main" xmlns:r="http://schemas.openxmlformats.org/officeDocument/2006/relationships" xmlns:p="http://schemas.openxmlformats.org/presentationml/2006/main">
+  <p:cSld>
+    <p:spTree>
+      <p:nvGrpSpPr>
+        <p:cNvPr id="1" name=""/>
+        <p:cNvGrpSpPr/>
+        <p:nvPr/>
+      </p:nvGrpSpPr>
+      <p:grpSpPr>
+        <a:xfrm>
+          <a:off x="0" y="0"/>
+          <a:ext cx="0" cy="0"/>
+          <a:chOff x="0" y="0"/>
+          <a:chExt cx="0" cy="0"/>
+        </a:xfrm>
+      </p:grpSpPr>
+      <p:sp>
+        <p:nvSpPr>
+          <p:cNvPr id="2" name="Slide Image Placeholder 1"/>
+          <p:cNvSpPr>
+            <a:spLocks noGrp="1" noRot="1" noChangeAspect="1"/>
+          </p:cNvSpPr>
+          <p:nvPr>
+            <p:ph type="sldImg"/>
+          </p:nvPr>
+        </p:nvSpPr>
+        <p:spPr/>
+      </p:sp>
+      <p:sp>
+        <p:nvSpPr>
+          <p:cNvPr id="3" name="Notes Placeholder 2"/>
+          <p:cNvSpPr>
+            <a:spLocks noGrp="1"/>
+          </p:cNvSpPr>
+          <p:nvPr>
+            <p:ph type="body" idx="1"/>
+          </p:nvPr>
+        </p:nvSpPr>
+        <p:spPr/>
+        <p:txBody>
+          <a:bodyPr/>
+          <a:lstStyle/>
+          <a:p>
+            <a:r>
+              <a:rPr lang="en-GB" dirty="0"/>
+              <a:t>Anecdote about Andrew describing to me how they used to manually locate the critical point by interpolating by hand between the vapour and liquid phases </a:t>
+            </a:r>
+          </a:p>
+        </p:txBody>
+      </p:sp>
+      <p:sp>
+        <p:nvSpPr>
+          <p:cNvPr id="4" name="Slide Number Placeholder 3"/>
+          <p:cNvSpPr>
+            <a:spLocks noGrp="1"/>
+          </p:cNvSpPr>
+          <p:nvPr>
+            <p:ph type="sldNum" sz="quarter" idx="5"/>
+          </p:nvPr>
+        </p:nvSpPr>
+        <p:spPr/>
+        <p:txBody>
+          <a:bodyPr/>
+          <a:lstStyle/>
+          <a:p>
+            <a:fld id="{03652605-0564-D447-8592-4B3916BD2E72}" type="slidenum">
+              <a:rPr lang="en-US" smtClean="0"/>
+              <a:pPr/>
+              <a:t>16</a:t>
+            </a:fld>
+            <a:endParaRPr lang="en-US"/>
+          </a:p>
+        </p:txBody>
+      </p:sp>
+    </p:spTree>
+    <p:extLst>
+      <p:ext uri="{BB962C8B-B14F-4D97-AF65-F5344CB8AC3E}">
+        <p14:creationId xmlns:p14="http://schemas.microsoft.com/office/powerpoint/2010/main" val="661119714"/>
+      </p:ext>
+    </p:extLst>
+  </p:cSld>
+  <p:clrMapOvr>
+    <a:masterClrMapping/>
+  </p:clrMapOvr>
+</p:notes>
+</file>
+
+<file path=ppt/notesSlides/notesSlide5.xml><?xml version="1.0" encoding="utf-8"?>
+<p:notes xmlns:a="http://schemas.openxmlformats.org/drawingml/2006/main" xmlns:r="http://schemas.openxmlformats.org/officeDocument/2006/relationships" xmlns:p="http://schemas.openxmlformats.org/presentationml/2006/main">
+  <p:cSld>
+    <p:spTree>
+      <p:nvGrpSpPr>
+        <p:cNvPr id="1" name=""/>
+        <p:cNvGrpSpPr/>
+        <p:nvPr/>
+      </p:nvGrpSpPr>
+      <p:grpSpPr>
+        <a:xfrm>
+          <a:off x="0" y="0"/>
+          <a:ext cx="0" cy="0"/>
+          <a:chOff x="0" y="0"/>
+          <a:chExt cx="0" cy="0"/>
+        </a:xfrm>
+      </p:grpSpPr>
+      <p:sp>
+        <p:nvSpPr>
+          <p:cNvPr id="2" name="Slide Image Placeholder 1"/>
+          <p:cNvSpPr>
+            <a:spLocks noGrp="1" noRot="1" noChangeAspect="1"/>
+          </p:cNvSpPr>
+          <p:nvPr>
+            <p:ph type="sldImg"/>
+          </p:nvPr>
+        </p:nvSpPr>
+        <p:spPr/>
+      </p:sp>
+      <p:sp>
+        <p:nvSpPr>
+          <p:cNvPr id="3" name="Notes Placeholder 2"/>
+          <p:cNvSpPr>
+            <a:spLocks noGrp="1"/>
+          </p:cNvSpPr>
+          <p:nvPr>
+            <p:ph type="body" idx="1"/>
+          </p:nvPr>
+        </p:nvSpPr>
+        <p:spPr/>
+        <p:txBody>
+          <a:bodyPr/>
+          <a:lstStyle/>
+          <a:p>
+            <a:endParaRPr lang="en-GB" dirty="0"/>
+          </a:p>
+        </p:txBody>
+      </p:sp>
+      <p:sp>
+        <p:nvSpPr>
+          <p:cNvPr id="4" name="Slide Number Placeholder 3"/>
+          <p:cNvSpPr>
+            <a:spLocks noGrp="1"/>
+          </p:cNvSpPr>
+          <p:nvPr>
+            <p:ph type="sldNum" sz="quarter" idx="5"/>
+          </p:nvPr>
+        </p:nvSpPr>
+        <p:spPr/>
+        <p:txBody>
+          <a:bodyPr/>
+          <a:lstStyle/>
+          <a:p>
+            <a:fld id="{03652605-0564-D447-8592-4B3916BD2E72}" type="slidenum">
+              <a:rPr lang="en-US" smtClean="0"/>
+              <a:pPr/>
+              <a:t>20</a:t>
+            </a:fld>
+            <a:endParaRPr lang="en-US"/>
+          </a:p>
+        </p:txBody>
+      </p:sp>
+    </p:spTree>
+    <p:extLst>
+      <p:ext uri="{BB962C8B-B14F-4D97-AF65-F5344CB8AC3E}">
+        <p14:creationId xmlns:p14="http://schemas.microsoft.com/office/powerpoint/2010/main" val="2138571460"/>
+      </p:ext>
+    </p:extLst>
+  </p:cSld>
+  <p:clrMapOvr>
+    <a:masterClrMapping/>
+  </p:clrMapOvr>
+</p:notes>
+</file>
+
+<file path=ppt/notesSlides/notesSlide6.xml><?xml version="1.0" encoding="utf-8"?>
+<p:notes xmlns:a="http://schemas.openxmlformats.org/drawingml/2006/main" xmlns:r="http://schemas.openxmlformats.org/officeDocument/2006/relationships" xmlns:p="http://schemas.openxmlformats.org/presentationml/2006/main">
+  <p:cSld>
+    <p:spTree>
+      <p:nvGrpSpPr>
+        <p:cNvPr id="1" name=""/>
+        <p:cNvGrpSpPr/>
+        <p:nvPr/>
+      </p:nvGrpSpPr>
+      <p:grpSpPr>
+        <a:xfrm>
+          <a:off x="0" y="0"/>
+          <a:ext cx="0" cy="0"/>
+          <a:chOff x="0" y="0"/>
+          <a:chExt cx="0" cy="0"/>
+        </a:xfrm>
+      </p:grpSpPr>
+      <p:sp>
+        <p:nvSpPr>
+          <p:cNvPr id="2" name="Slide Image Placeholder 1"/>
+          <p:cNvSpPr>
+            <a:spLocks noGrp="1" noRot="1" noChangeAspect="1"/>
+          </p:cNvSpPr>
+          <p:nvPr>
+            <p:ph type="sldImg"/>
+          </p:nvPr>
+        </p:nvSpPr>
+        <p:spPr/>
+      </p:sp>
+      <p:sp>
+        <p:nvSpPr>
+          <p:cNvPr id="3" name="Notes Placeholder 2"/>
+          <p:cNvSpPr>
+            <a:spLocks noGrp="1"/>
+          </p:cNvSpPr>
+          <p:nvPr>
+            <p:ph type="body" idx="1"/>
+          </p:nvPr>
+        </p:nvSpPr>
+        <p:spPr/>
+        <p:txBody>
+          <a:bodyPr/>
+          <a:lstStyle/>
+          <a:p>
+            <a:r>
+              <a:rPr lang="en-GB" dirty="0"/>
+              <a:t># Solve system for </a:t>
+            </a:r>
+            <a:r>
+              <a:rPr lang="en-GB"/>
+              <a:t>critical point</a:t>
+            </a:r>
+          </a:p>
+          <a:p>
+            <a:r>
+              <a:rPr lang="en-GB"/>
+              <a:t>res </a:t>
+            </a:r>
+            <a:r>
+              <a:rPr lang="en-GB" dirty="0"/>
+              <a:t>= </a:t>
+            </a:r>
+            <a:r>
+              <a:rPr lang="en-GB" dirty="0" err="1"/>
+              <a:t>nlsolve</a:t>
+            </a:r>
+            <a:r>
+              <a:rPr lang="en-GB" dirty="0"/>
+              <a:t>((F, x) -&gt; </a:t>
+            </a:r>
+            <a:r>
+              <a:rPr lang="en-GB" dirty="0" err="1"/>
+              <a:t>critical_objective</a:t>
+            </a:r>
+            <a:r>
+              <a:rPr lang="en-GB" dirty="0"/>
+              <a:t>!(model, F, [exp10(x[1]), Ts*x[2]]), x0, </a:t>
+            </a:r>
+            <a:r>
+              <a:rPr lang="en-GB" dirty="0" err="1"/>
+              <a:t>autodiff</a:t>
+            </a:r>
+            <a:r>
+              <a:rPr lang="en-GB" dirty="0"/>
+              <a:t> = :forward, </a:t>
+            </a:r>
+            <a:r>
+              <a:rPr lang="en-GB" dirty="0" err="1"/>
+              <a:t>xtol</a:t>
+            </a:r>
+            <a:r>
+              <a:rPr lang="en-GB" dirty="0"/>
+              <a:t>=1e-9, method=:newton)	</a:t>
+            </a:r>
+          </a:p>
+        </p:txBody>
+      </p:sp>
+      <p:sp>
+        <p:nvSpPr>
+          <p:cNvPr id="4" name="Slide Number Placeholder 3"/>
+          <p:cNvSpPr>
+            <a:spLocks noGrp="1"/>
+          </p:cNvSpPr>
+          <p:nvPr>
+            <p:ph type="sldNum" sz="quarter" idx="5"/>
+          </p:nvPr>
+        </p:nvSpPr>
+        <p:spPr/>
+        <p:txBody>
+          <a:bodyPr/>
+          <a:lstStyle/>
+          <a:p>
+            <a:fld id="{03652605-0564-D447-8592-4B3916BD2E72}" type="slidenum">
+              <a:rPr lang="en-US" smtClean="0"/>
+              <a:pPr/>
+              <a:t>21</a:t>
+            </a:fld>
+            <a:endParaRPr lang="en-US"/>
+          </a:p>
+        </p:txBody>
+      </p:sp>
+    </p:spTree>
+    <p:extLst>
+      <p:ext uri="{BB962C8B-B14F-4D97-AF65-F5344CB8AC3E}">
+        <p14:creationId xmlns:p14="http://schemas.microsoft.com/office/powerpoint/2010/main" val="1636404561"/>
+      </p:ext>
+    </p:extLst>
+  </p:cSld>
+  <p:clrMapOvr>
+    <a:masterClrMapping/>
+  </p:clrMapOvr>
+</p:notes>
 </file>
 
 <file path=ppt/slideLayouts/slideLayout1.xml><?xml version="1.0" encoding="utf-8"?>
@@ -5839,7 +6777,7 @@
           <p:cNvPr id="2" name="Title 1">
             <a:extLst>
               <a:ext uri="{FF2B5EF4-FFF2-40B4-BE49-F238E27FC236}">
-                <a16:creationId xmlns:a16="http://schemas.microsoft.com/office/drawing/2014/main" id="{26501470-2826-16C1-D1BC-EF73A08D57D2}"/>
+                <a16:creationId xmlns:a16="http://schemas.microsoft.com/office/drawing/2014/main" id="{2FF9772F-9BD3-2314-0A91-E51ED6D9AC91}"/>
               </a:ext>
             </a:extLst>
           </p:cNvPr>
@@ -5857,8 +6795,21 @@
           <a:p>
             <a:r>
               <a:rPr lang="en-GB" dirty="0"/>
-              <a:t>Implementation</a:t>
-            </a:r>
+              <a:t>Solution to </a:t>
+            </a:r>
+            <a:r>
+              <a:rPr lang="en-GB" dirty="0" err="1"/>
+              <a:t>vdW</a:t>
+            </a:r>
+            <a:r>
+              <a:rPr lang="en-GB" dirty="0"/>
+              <a:t> </a:t>
+            </a:r>
+            <a:r>
+              <a:rPr lang="en-GB" dirty="0" err="1"/>
+              <a:t>EoS</a:t>
+            </a:r>
+            <a:endParaRPr lang="en-GB" dirty="0"/>
           </a:p>
         </p:txBody>
       </p:sp>
@@ -5867,7 +6818,7 @@
           <p:cNvPr id="3" name="Content Placeholder 2">
             <a:extLst>
               <a:ext uri="{FF2B5EF4-FFF2-40B4-BE49-F238E27FC236}">
-                <a16:creationId xmlns:a16="http://schemas.microsoft.com/office/drawing/2014/main" id="{DB8CB770-CB5A-32B9-D645-ED5FBEFF4D45}"/>
+                <a16:creationId xmlns:a16="http://schemas.microsoft.com/office/drawing/2014/main" id="{E8BF9775-7587-F951-7A8A-5E1088CC0870}"/>
               </a:ext>
             </a:extLst>
           </p:cNvPr>
@@ -5885,14 +6836,44 @@
           <a:p>
             <a:r>
               <a:rPr lang="en-GB" b="0" dirty="0"/>
-              <a:t>To solve this, we use Newton’s method and derivatives provided by automatic differentiation</a:t>
-            </a:r>
-          </a:p>
-          <a:p>
-            <a:endParaRPr lang="en-GB" b="0" dirty="0"/>
-          </a:p>
-          <a:p>
-            <a:endParaRPr lang="en-GB" b="0" dirty="0"/>
+              <a:t>From the van der Waals equation of state we can obtain an expression for the saturation curve in terms of the </a:t>
+            </a:r>
+            <a:r>
+              <a:rPr lang="en-GB" dirty="0"/>
+              <a:t>reduced temperature </a:t>
+            </a:r>
+            <a:r>
+              <a:rPr lang="en-GB" b="0" dirty="0"/>
+              <a:t>and </a:t>
+            </a:r>
+            <a:r>
+              <a:rPr lang="en-GB" dirty="0"/>
+              <a:t>pressure</a:t>
+            </a:r>
+          </a:p>
+          <a:p>
+            <a:pPr lvl="1"/>
+            <a:r>
+              <a:rPr lang="en-GB" dirty="0"/>
+              <a:t>This relates to the </a:t>
+            </a:r>
+            <a:r>
+              <a:rPr lang="en-GB" b="1" dirty="0"/>
+              <a:t>theory of corresponding states</a:t>
+            </a:r>
+            <a:endParaRPr lang="en-GB" dirty="0"/>
+          </a:p>
+          <a:p>
+            <a:r>
+              <a:rPr lang="en-GB" b="0" dirty="0"/>
+              <a:t>We can exploit this to use as our initial guess</a:t>
+            </a:r>
+          </a:p>
+          <a:p>
+            <a:r>
+              <a:rPr lang="en-GB" b="0" dirty="0"/>
+              <a:t>We use a fitted approximation to the numerical solution</a:t>
+            </a:r>
           </a:p>
         </p:txBody>
       </p:sp>
@@ -5901,7 +6882,7 @@
           <p:cNvPr id="4" name="Footer Placeholder 3">
             <a:extLst>
               <a:ext uri="{FF2B5EF4-FFF2-40B4-BE49-F238E27FC236}">
-                <a16:creationId xmlns:a16="http://schemas.microsoft.com/office/drawing/2014/main" id="{81AD62EB-BA51-5EE8-295F-2814DD12448B}"/>
+                <a16:creationId xmlns:a16="http://schemas.microsoft.com/office/drawing/2014/main" id="{F6ED9B5F-EDF1-37C2-ED28-21810DCD4E8B}"/>
               </a:ext>
             </a:extLst>
           </p:cNvPr>
@@ -5930,7 +6911,7 @@
           <p:cNvPr id="5" name="Slide Number Placeholder 4">
             <a:extLst>
               <a:ext uri="{FF2B5EF4-FFF2-40B4-BE49-F238E27FC236}">
-                <a16:creationId xmlns:a16="http://schemas.microsoft.com/office/drawing/2014/main" id="{AFA4E083-AE64-9AA1-5820-48D12CC9EE89}"/>
+                <a16:creationId xmlns:a16="http://schemas.microsoft.com/office/drawing/2014/main" id="{FFCFAC2B-1039-3E98-4AA9-663C9EB876E7}"/>
               </a:ext>
             </a:extLst>
           </p:cNvPr>
@@ -5960,54 +6941,10 @@
           </a:p>
         </p:txBody>
       </p:sp>
-      <p:sp>
-        <p:nvSpPr>
-          <p:cNvPr id="6" name="TextBox 5">
-            <a:extLst>
-              <a:ext uri="{FF2B5EF4-FFF2-40B4-BE49-F238E27FC236}">
-                <a16:creationId xmlns:a16="http://schemas.microsoft.com/office/drawing/2014/main" id="{9030EB0F-7B14-5686-F867-E96DC249C0B3}"/>
-              </a:ext>
-            </a:extLst>
-          </p:cNvPr>
-          <p:cNvSpPr txBox="1"/>
-          <p:nvPr/>
-        </p:nvSpPr>
-        <p:spPr>
-          <a:xfrm>
-            <a:off x="3296992" y="3928056"/>
-            <a:ext cx="3438659" cy="646331"/>
-          </a:xfrm>
-          <a:prstGeom prst="rect">
-            <a:avLst/>
-          </a:prstGeom>
-          <a:noFill/>
-          <a:ln>
-            <a:solidFill>
-              <a:srgbClr val="010000"/>
-            </a:solidFill>
-          </a:ln>
-        </p:spPr>
-        <p:txBody>
-          <a:bodyPr wrap="square" rtlCol="0">
-            <a:spAutoFit/>
-          </a:bodyPr>
-          <a:lstStyle/>
-          <a:p>
-            <a:pPr algn="ctr"/>
-            <a:r>
-              <a:rPr lang="en-GB" dirty="0">
-                <a:latin typeface="Arial"/>
-                <a:cs typeface="Arial"/>
-              </a:rPr>
-              <a:t>Switch to notebook and show live implementation</a:t>
-            </a:r>
-          </a:p>
-        </p:txBody>
-      </p:sp>
     </p:spTree>
     <p:extLst>
       <p:ext uri="{BB962C8B-B14F-4D97-AF65-F5344CB8AC3E}">
-        <p14:creationId xmlns:p14="http://schemas.microsoft.com/office/powerpoint/2010/main" val="368433562"/>
+        <p14:creationId xmlns:p14="http://schemas.microsoft.com/office/powerpoint/2010/main" val="4071788350"/>
       </p:ext>
     </p:extLst>
   </p:cSld>
@@ -6018,7 +6955,7 @@
 </file>
 
 <file path=ppt/slides/slide11.xml><?xml version="1.0" encoding="utf-8"?>
-<p:sld xmlns:a="http://schemas.openxmlformats.org/drawingml/2006/main" xmlns:r="http://schemas.openxmlformats.org/officeDocument/2006/relationships" xmlns:p="http://schemas.openxmlformats.org/presentationml/2006/main">
+<p:sld xmlns:a="http://schemas.openxmlformats.org/drawingml/2006/main" xmlns:r="http://schemas.openxmlformats.org/officeDocument/2006/relationships" xmlns:p="http://schemas.openxmlformats.org/presentationml/2006/main" show="0">
   <p:cSld>
     <p:spTree>
       <p:nvGrpSpPr>
@@ -6039,7 +6976,7 @@
           <p:cNvPr id="2" name="Title 1">
             <a:extLst>
               <a:ext uri="{FF2B5EF4-FFF2-40B4-BE49-F238E27FC236}">
-                <a16:creationId xmlns:a16="http://schemas.microsoft.com/office/drawing/2014/main" id="{0BEDFF79-F354-EA38-5D85-51F1060BB93D}"/>
+                <a16:creationId xmlns:a16="http://schemas.microsoft.com/office/drawing/2014/main" id="{D033DF0A-C1B5-E627-4E90-84B4BC037076}"/>
               </a:ext>
             </a:extLst>
           </p:cNvPr>
@@ -6057,17 +6994,30 @@
           <a:p>
             <a:r>
               <a:rPr lang="en-GB" dirty="0"/>
-              <a:t>Building phase diagrams</a:t>
-            </a:r>
-          </a:p>
-        </p:txBody>
-      </p:sp>
-      <p:sp>
-        <p:nvSpPr>
-          <p:cNvPr id="3" name="Content Placeholder 2">
+              <a:t>Solution to </a:t>
+            </a:r>
+            <a:r>
+              <a:rPr lang="en-GB" dirty="0" err="1"/>
+              <a:t>vdW</a:t>
+            </a:r>
+            <a:r>
+              <a:rPr lang="en-GB" dirty="0"/>
+              <a:t> </a:t>
+            </a:r>
+            <a:r>
+              <a:rPr lang="en-GB" dirty="0" err="1"/>
+              <a:t>EoS</a:t>
+            </a:r>
+            <a:endParaRPr lang="en-GB" dirty="0"/>
+          </a:p>
+        </p:txBody>
+      </p:sp>
+      <p:sp>
+        <p:nvSpPr>
+          <p:cNvPr id="4" name="Footer Placeholder 3">
             <a:extLst>
               <a:ext uri="{FF2B5EF4-FFF2-40B4-BE49-F238E27FC236}">
-                <a16:creationId xmlns:a16="http://schemas.microsoft.com/office/drawing/2014/main" id="{0710499C-5B19-8269-3875-C2B3B9D8FB0B}"/>
+                <a16:creationId xmlns:a16="http://schemas.microsoft.com/office/drawing/2014/main" id="{AD97FFF1-08E4-D135-4168-2A4C47861FBA}"/>
               </a:ext>
             </a:extLst>
           </p:cNvPr>
@@ -6075,60 +7025,6 @@
             <a:spLocks noGrp="1"/>
           </p:cNvSpPr>
           <p:nvPr>
-            <p:ph idx="1"/>
-          </p:nvPr>
-        </p:nvSpPr>
-        <p:spPr/>
-        <p:txBody>
-          <a:bodyPr/>
-          <a:lstStyle/>
-          <a:p>
-            <a:r>
-              <a:rPr lang="en-GB" dirty="0"/>
-              <a:t>This is much the same as the saturation pressure solver, however:</a:t>
-            </a:r>
-          </a:p>
-          <a:p>
-            <a:r>
-              <a:rPr lang="en-GB" b="0" dirty="0"/>
-              <a:t>Initial guesses become very challenging as we approach the critical point</a:t>
-            </a:r>
-          </a:p>
-          <a:p>
-            <a:r>
-              <a:rPr lang="en-GB" b="0" dirty="0"/>
-              <a:t>To avoid this, we </a:t>
-            </a:r>
-            <a:r>
-              <a:rPr lang="en-GB" dirty="0"/>
-              <a:t>reuse previous solutions</a:t>
-            </a:r>
-            <a:r>
-              <a:rPr lang="en-GB" b="0" dirty="0"/>
-              <a:t> as initial guesses for the next point</a:t>
-            </a:r>
-          </a:p>
-          <a:p>
-            <a:r>
-              <a:rPr lang="en-GB" b="0" dirty="0"/>
-              <a:t>This approach is relevant beyond this application – many times we will have a previous iteration or solution that can act as a starting point for our algorithms</a:t>
-            </a:r>
-          </a:p>
-        </p:txBody>
-      </p:sp>
-      <p:sp>
-        <p:nvSpPr>
-          <p:cNvPr id="4" name="Footer Placeholder 3">
-            <a:extLst>
-              <a:ext uri="{FF2B5EF4-FFF2-40B4-BE49-F238E27FC236}">
-                <a16:creationId xmlns:a16="http://schemas.microsoft.com/office/drawing/2014/main" id="{6CE72830-C61E-CB22-884D-26B3C10B90DF}"/>
-              </a:ext>
-            </a:extLst>
-          </p:cNvPr>
-          <p:cNvSpPr>
-            <a:spLocks noGrp="1"/>
-          </p:cNvSpPr>
-          <p:nvPr>
             <p:ph type="ftr" sz="quarter" idx="3"/>
           </p:nvPr>
         </p:nvSpPr>
@@ -6150,7 +7046,7 @@
           <p:cNvPr id="5" name="Slide Number Placeholder 4">
             <a:extLst>
               <a:ext uri="{FF2B5EF4-FFF2-40B4-BE49-F238E27FC236}">
-                <a16:creationId xmlns:a16="http://schemas.microsoft.com/office/drawing/2014/main" id="{9523151C-DC60-C7F9-14E9-3BE9E459C21C}"/>
+                <a16:creationId xmlns:a16="http://schemas.microsoft.com/office/drawing/2014/main" id="{BA0B29D9-DB40-CB9A-FC7B-D401BB354378}"/>
               </a:ext>
             </a:extLst>
           </p:cNvPr>
@@ -6180,10 +7076,99 @@
           </a:p>
         </p:txBody>
       </p:sp>
+      <p:sp>
+        <p:nvSpPr>
+          <p:cNvPr id="6" name="TextBox 5">
+            <a:extLst>
+              <a:ext uri="{FF2B5EF4-FFF2-40B4-BE49-F238E27FC236}">
+                <a16:creationId xmlns:a16="http://schemas.microsoft.com/office/drawing/2014/main" id="{BC17E248-97E2-C46A-1240-1616B34D834E}"/>
+              </a:ext>
+            </a:extLst>
+          </p:cNvPr>
+          <p:cNvSpPr txBox="1"/>
+          <p:nvPr/>
+        </p:nvSpPr>
+        <p:spPr>
+          <a:xfrm>
+            <a:off x="2917065" y="3036194"/>
+            <a:ext cx="3309870" cy="1477328"/>
+          </a:xfrm>
+          <a:prstGeom prst="rect">
+            <a:avLst/>
+          </a:prstGeom>
+          <a:noFill/>
+          <a:ln>
+            <a:solidFill>
+              <a:srgbClr val="010000"/>
+            </a:solidFill>
+          </a:ln>
+        </p:spPr>
+        <p:txBody>
+          <a:bodyPr wrap="square" rtlCol="0">
+            <a:spAutoFit/>
+          </a:bodyPr>
+          <a:lstStyle/>
+          <a:p>
+            <a:pPr algn="ctr"/>
+            <a:r>
+              <a:rPr lang="en-GB" dirty="0">
+                <a:latin typeface="Arial"/>
+                <a:cs typeface="Arial"/>
+              </a:rPr>
+              <a:t>Saturation envelope for </a:t>
+            </a:r>
+            <a:r>
+              <a:rPr lang="en-GB" dirty="0" err="1">
+                <a:latin typeface="Arial"/>
+                <a:cs typeface="Arial"/>
+              </a:rPr>
+              <a:t>vdW</a:t>
+            </a:r>
+            <a:r>
+              <a:rPr lang="en-GB" dirty="0">
+                <a:latin typeface="Arial"/>
+                <a:cs typeface="Arial"/>
+              </a:rPr>
+              <a:t> in reduced variables</a:t>
+            </a:r>
+          </a:p>
+          <a:p>
+            <a:pPr algn="ctr"/>
+            <a:endParaRPr lang="en-GB" dirty="0">
+              <a:latin typeface="Arial"/>
+              <a:cs typeface="Arial"/>
+            </a:endParaRPr>
+          </a:p>
+          <a:p>
+            <a:pPr algn="ctr"/>
+            <a:r>
+              <a:rPr lang="en-GB" dirty="0">
+                <a:latin typeface="Arial"/>
+                <a:cs typeface="Arial"/>
+              </a:rPr>
+              <a:t>Compare to other </a:t>
+            </a:r>
+            <a:r>
+              <a:rPr lang="en-GB" dirty="0" err="1">
+                <a:latin typeface="Arial"/>
+                <a:cs typeface="Arial"/>
+              </a:rPr>
+              <a:t>EoS</a:t>
+            </a:r>
+            <a:r>
+              <a:rPr lang="en-GB" dirty="0">
+                <a:latin typeface="Arial"/>
+                <a:cs typeface="Arial"/>
+              </a:rPr>
+              <a:t> for specific compounds</a:t>
+            </a:r>
+          </a:p>
+        </p:txBody>
+      </p:sp>
     </p:spTree>
     <p:extLst>
       <p:ext uri="{BB962C8B-B14F-4D97-AF65-F5344CB8AC3E}">
-        <p14:creationId xmlns:p14="http://schemas.microsoft.com/office/powerpoint/2010/main" val="2342060066"/>
+        <p14:creationId xmlns:p14="http://schemas.microsoft.com/office/powerpoint/2010/main" val="2249861449"/>
       </p:ext>
     </p:extLst>
   </p:cSld>
@@ -6215,7 +7200,7 @@
           <p:cNvPr id="2" name="Title 1">
             <a:extLst>
               <a:ext uri="{FF2B5EF4-FFF2-40B4-BE49-F238E27FC236}">
-                <a16:creationId xmlns:a16="http://schemas.microsoft.com/office/drawing/2014/main" id="{9D00F6A5-F80F-A63A-77AF-6522ACCF1DCD}"/>
+                <a16:creationId xmlns:a16="http://schemas.microsoft.com/office/drawing/2014/main" id="{26501470-2826-16C1-D1BC-EF73A08D57D2}"/>
               </a:ext>
             </a:extLst>
           </p:cNvPr>
@@ -6233,7 +7218,7 @@
           <a:p>
             <a:r>
               <a:rPr lang="en-GB" dirty="0"/>
-              <a:t>Critical point solver</a:t>
+              <a:t>Implementation</a:t>
             </a:r>
           </a:p>
         </p:txBody>
@@ -6243,7 +7228,7 @@
           <p:cNvPr id="3" name="Content Placeholder 2">
             <a:extLst>
               <a:ext uri="{FF2B5EF4-FFF2-40B4-BE49-F238E27FC236}">
-                <a16:creationId xmlns:a16="http://schemas.microsoft.com/office/drawing/2014/main" id="{BB8437F6-48BE-89D1-7FA2-8ADFA1FFE4E6}"/>
+                <a16:creationId xmlns:a16="http://schemas.microsoft.com/office/drawing/2014/main" id="{DB8CB770-CB5A-32B9-D645-ED5FBEFF4D45}"/>
               </a:ext>
             </a:extLst>
           </p:cNvPr>
@@ -6261,58 +7246,14 @@
           <a:p>
             <a:r>
               <a:rPr lang="en-GB" b="0" dirty="0"/>
-              <a:t>For cubic </a:t>
-            </a:r>
-            <a:r>
-              <a:rPr lang="en-GB" b="0" dirty="0" err="1"/>
-              <a:t>EoS</a:t>
-            </a:r>
-            <a:r>
-              <a:rPr lang="en-GB" b="0" dirty="0"/>
-              <a:t>, the critical point is an input, so we always know this</a:t>
-            </a:r>
-          </a:p>
-          <a:p>
-            <a:r>
-              <a:rPr lang="en-GB" b="0" dirty="0"/>
-              <a:t>How do we know the critical point for SAFT / other </a:t>
-            </a:r>
-            <a:r>
-              <a:rPr lang="en-GB" b="0" dirty="0" err="1"/>
-              <a:t>EoS</a:t>
-            </a:r>
-            <a:r>
-              <a:rPr lang="en-GB" b="0" dirty="0"/>
-              <a:t>? </a:t>
-            </a:r>
-            <a:r>
-              <a:rPr lang="en-GB" dirty="0"/>
-              <a:t>We need to solve for it</a:t>
-            </a:r>
-          </a:p>
-          <a:p>
-            <a:r>
-              <a:rPr lang="en-GB" b="0" dirty="0"/>
-              <a:t>A “standard” way of doing this would be to march our saturation solver upwards until it fails, then interpolate between the vapour and liquid saturation curves</a:t>
-            </a:r>
-          </a:p>
-          <a:p>
-            <a:r>
-              <a:rPr lang="en-GB" b="0" dirty="0"/>
-              <a:t>However, thanks to </a:t>
-            </a:r>
-            <a:r>
-              <a:rPr lang="en-GB" b="0" dirty="0" err="1"/>
-              <a:t>autodiff</a:t>
-            </a:r>
-            <a:r>
-              <a:rPr lang="en-GB" b="0" dirty="0"/>
-              <a:t>, </a:t>
-            </a:r>
-            <a:r>
-              <a:rPr lang="en-GB" dirty="0"/>
-              <a:t>we can solve for this directly!</a:t>
-            </a:r>
+              <a:t>To solve this, we use Newton’s method and derivatives provided by automatic differentiation</a:t>
+            </a:r>
+          </a:p>
+          <a:p>
+            <a:endParaRPr lang="en-GB" b="0" dirty="0"/>
+          </a:p>
+          <a:p>
+            <a:endParaRPr lang="en-GB" b="0" dirty="0"/>
           </a:p>
         </p:txBody>
       </p:sp>
@@ -6321,7 +7262,7 @@
           <p:cNvPr id="4" name="Footer Placeholder 3">
             <a:extLst>
               <a:ext uri="{FF2B5EF4-FFF2-40B4-BE49-F238E27FC236}">
-                <a16:creationId xmlns:a16="http://schemas.microsoft.com/office/drawing/2014/main" id="{9EA6BB26-3ECC-7DE2-9A53-A035F36BA5DE}"/>
+                <a16:creationId xmlns:a16="http://schemas.microsoft.com/office/drawing/2014/main" id="{81AD62EB-BA51-5EE8-295F-2814DD12448B}"/>
               </a:ext>
             </a:extLst>
           </p:cNvPr>
@@ -6350,7 +7291,7 @@
           <p:cNvPr id="5" name="Slide Number Placeholder 4">
             <a:extLst>
               <a:ext uri="{FF2B5EF4-FFF2-40B4-BE49-F238E27FC236}">
-                <a16:creationId xmlns:a16="http://schemas.microsoft.com/office/drawing/2014/main" id="{08A74582-4D1D-FA2D-9403-55A915D47AB5}"/>
+                <a16:creationId xmlns:a16="http://schemas.microsoft.com/office/drawing/2014/main" id="{AFA4E083-AE64-9AA1-5820-48D12CC9EE89}"/>
               </a:ext>
             </a:extLst>
           </p:cNvPr>
@@ -6380,10 +7321,54 @@
           </a:p>
         </p:txBody>
       </p:sp>
+      <p:sp>
+        <p:nvSpPr>
+          <p:cNvPr id="6" name="TextBox 5">
+            <a:extLst>
+              <a:ext uri="{FF2B5EF4-FFF2-40B4-BE49-F238E27FC236}">
+                <a16:creationId xmlns:a16="http://schemas.microsoft.com/office/drawing/2014/main" id="{9030EB0F-7B14-5686-F867-E96DC249C0B3}"/>
+              </a:ext>
+            </a:extLst>
+          </p:cNvPr>
+          <p:cNvSpPr txBox="1"/>
+          <p:nvPr/>
+        </p:nvSpPr>
+        <p:spPr>
+          <a:xfrm>
+            <a:off x="3296992" y="3928056"/>
+            <a:ext cx="3438659" cy="646331"/>
+          </a:xfrm>
+          <a:prstGeom prst="rect">
+            <a:avLst/>
+          </a:prstGeom>
+          <a:noFill/>
+          <a:ln>
+            <a:solidFill>
+              <a:srgbClr val="010000"/>
+            </a:solidFill>
+          </a:ln>
+        </p:spPr>
+        <p:txBody>
+          <a:bodyPr wrap="square" rtlCol="0">
+            <a:spAutoFit/>
+          </a:bodyPr>
+          <a:lstStyle/>
+          <a:p>
+            <a:pPr algn="ctr"/>
+            <a:r>
+              <a:rPr lang="en-GB" dirty="0">
+                <a:latin typeface="Arial"/>
+                <a:cs typeface="Arial"/>
+              </a:rPr>
+              <a:t>Switch to notebook and show live implementation</a:t>
+            </a:r>
+          </a:p>
+        </p:txBody>
+      </p:sp>
     </p:spTree>
     <p:extLst>
       <p:ext uri="{BB962C8B-B14F-4D97-AF65-F5344CB8AC3E}">
-        <p14:creationId xmlns:p14="http://schemas.microsoft.com/office/powerpoint/2010/main" val="3987220405"/>
+        <p14:creationId xmlns:p14="http://schemas.microsoft.com/office/powerpoint/2010/main" val="368433562"/>
       </p:ext>
     </p:extLst>
   </p:cSld>
@@ -6415,7 +7400,7 @@
           <p:cNvPr id="2" name="Title 1">
             <a:extLst>
               <a:ext uri="{FF2B5EF4-FFF2-40B4-BE49-F238E27FC236}">
-                <a16:creationId xmlns:a16="http://schemas.microsoft.com/office/drawing/2014/main" id="{8A4CB961-F91F-1033-0AE0-BF33EFD71AF6}"/>
+                <a16:creationId xmlns:a16="http://schemas.microsoft.com/office/drawing/2014/main" id="{0BEDFF79-F354-EA38-5D85-51F1060BB93D}"/>
               </a:ext>
             </a:extLst>
           </p:cNvPr>
@@ -6433,506 +7418,71 @@
           <a:p>
             <a:r>
               <a:rPr lang="en-GB" dirty="0"/>
-              <a:t>Critical point solver</a:t>
-            </a:r>
-          </a:p>
-        </p:txBody>
-      </p:sp>
-      <mc:AlternateContent xmlns:mc="http://schemas.openxmlformats.org/markup-compatibility/2006" xmlns:a14="http://schemas.microsoft.com/office/drawing/2010/main">
-        <mc:Choice Requires="a14">
-          <p:sp>
-            <p:nvSpPr>
-              <p:cNvPr id="3" name="Content Placeholder 2">
-                <a:extLst>
-                  <a:ext uri="{FF2B5EF4-FFF2-40B4-BE49-F238E27FC236}">
-                    <a16:creationId xmlns:a16="http://schemas.microsoft.com/office/drawing/2014/main" id="{3AFDDCBE-FD6B-2C4D-6D14-D3889DA57A35}"/>
-                  </a:ext>
-                </a:extLst>
-              </p:cNvPr>
-              <p:cNvSpPr>
-                <a:spLocks noGrp="1"/>
-              </p:cNvSpPr>
-              <p:nvPr>
-                <p:ph idx="1"/>
-              </p:nvPr>
-            </p:nvSpPr>
-            <p:spPr/>
-            <p:txBody>
-              <a:bodyPr/>
-              <a:lstStyle/>
-              <a:p>
-                <a:r>
-                  <a:rPr lang="en-GB" b="0" dirty="0"/>
-                  <a:t>The critical point for a pure phase diagram is defined as</a:t>
-                </a:r>
-                <a:br>
-                  <a:rPr lang="en-GB" b="0" dirty="0"/>
-                </a:br>
-                <a14:m>
-                  <m:oMath xmlns:m="http://schemas.openxmlformats.org/officeDocument/2006/math">
-                    <m:sSub>
-                      <m:sSubPr>
-                        <m:ctrlPr>
-                          <a:rPr lang="en-GB" b="0" i="1" smtClean="0">
-                            <a:latin typeface="Cambria Math" panose="02040503050406030204" pitchFamily="18" charset="0"/>
-                          </a:rPr>
-                        </m:ctrlPr>
-                      </m:sSubPr>
-                      <m:e>
-                        <m:r>
-                          <a:rPr lang="en-GB" b="0" i="1">
-                            <a:latin typeface="Cambria Math" panose="02040503050406030204" pitchFamily="18" charset="0"/>
-                          </a:rPr>
-                          <m:t>𝐹</m:t>
-                        </m:r>
-                      </m:e>
-                      <m:sub>
-                        <m:r>
-                          <a:rPr lang="en-GB" b="0" i="1" smtClean="0">
-                            <a:latin typeface="Cambria Math" panose="02040503050406030204" pitchFamily="18" charset="0"/>
-                          </a:rPr>
-                          <m:t>1</m:t>
-                        </m:r>
-                      </m:sub>
-                    </m:sSub>
-                    <m:d>
-                      <m:dPr>
-                        <m:ctrlPr>
-                          <a:rPr lang="en-GB" b="0" i="1" smtClean="0">
-                            <a:latin typeface="Cambria Math" panose="02040503050406030204" pitchFamily="18" charset="0"/>
-                          </a:rPr>
-                        </m:ctrlPr>
-                      </m:dPr>
-                      <m:e>
-                        <m:r>
-                          <a:rPr lang="en-GB" b="0" i="1" smtClean="0">
-                            <a:latin typeface="Cambria Math" panose="02040503050406030204" pitchFamily="18" charset="0"/>
-                          </a:rPr>
-                          <m:t>𝑣</m:t>
-                        </m:r>
-                        <m:r>
-                          <a:rPr lang="en-GB" b="0" i="1" smtClean="0">
-                            <a:latin typeface="Cambria Math" panose="02040503050406030204" pitchFamily="18" charset="0"/>
-                          </a:rPr>
-                          <m:t>, </m:t>
-                        </m:r>
-                        <m:r>
-                          <a:rPr lang="en-GB" b="0" i="1" smtClean="0">
-                            <a:latin typeface="Cambria Math" panose="02040503050406030204" pitchFamily="18" charset="0"/>
-                          </a:rPr>
-                          <m:t>𝑇</m:t>
-                        </m:r>
-                      </m:e>
-                    </m:d>
-                    <m:r>
-                      <a:rPr lang="en-GB" b="0" i="0" smtClean="0">
-                        <a:latin typeface="Cambria Math" panose="02040503050406030204" pitchFamily="18" charset="0"/>
-                      </a:rPr>
-                      <m:t>=</m:t>
-                    </m:r>
-                    <m:sSub>
-                      <m:sSubPr>
-                        <m:ctrlPr>
-                          <a:rPr lang="en-GB" b="0" i="1" smtClean="0">
-                            <a:latin typeface="Cambria Math" panose="02040503050406030204" pitchFamily="18" charset="0"/>
-                          </a:rPr>
-                        </m:ctrlPr>
-                      </m:sSubPr>
-                      <m:e>
-                        <m:d>
-                          <m:dPr>
-                            <m:ctrlPr>
-                              <a:rPr lang="en-GB" b="0" i="1" smtClean="0">
-                                <a:latin typeface="Cambria Math" panose="02040503050406030204" pitchFamily="18" charset="0"/>
-                              </a:rPr>
-                            </m:ctrlPr>
-                          </m:dPr>
-                          <m:e>
-                            <m:f>
-                              <m:fPr>
-                                <m:ctrlPr>
-                                  <a:rPr lang="en-GB" b="0" i="1" smtClean="0">
-                                    <a:latin typeface="Cambria Math" panose="02040503050406030204" pitchFamily="18" charset="0"/>
-                                  </a:rPr>
-                                </m:ctrlPr>
-                              </m:fPr>
-                              <m:num>
-                                <m:r>
-                                  <a:rPr lang="en-GB" b="0" i="1" smtClean="0">
-                                    <a:latin typeface="Cambria Math" panose="02040503050406030204" pitchFamily="18" charset="0"/>
-                                  </a:rPr>
-                                  <m:t>𝜕</m:t>
-                                </m:r>
-                                <m:r>
-                                  <a:rPr lang="en-GB" b="0" i="1" smtClean="0">
-                                    <a:latin typeface="Cambria Math" panose="02040503050406030204" pitchFamily="18" charset="0"/>
-                                  </a:rPr>
-                                  <m:t>𝑝</m:t>
-                                </m:r>
-                                <m:d>
-                                  <m:dPr>
-                                    <m:ctrlPr>
-                                      <a:rPr lang="en-GB" b="0" i="1" smtClean="0">
-                                        <a:latin typeface="Cambria Math" panose="02040503050406030204" pitchFamily="18" charset="0"/>
-                                      </a:rPr>
-                                    </m:ctrlPr>
-                                  </m:dPr>
-                                  <m:e>
-                                    <m:r>
-                                      <a:rPr lang="en-GB" b="0" i="1" smtClean="0">
-                                        <a:latin typeface="Cambria Math" panose="02040503050406030204" pitchFamily="18" charset="0"/>
-                                      </a:rPr>
-                                      <m:t>𝑣</m:t>
-                                    </m:r>
-                                    <m:r>
-                                      <a:rPr lang="en-GB" b="0" i="1" smtClean="0">
-                                        <a:latin typeface="Cambria Math" panose="02040503050406030204" pitchFamily="18" charset="0"/>
-                                      </a:rPr>
-                                      <m:t>, </m:t>
-                                    </m:r>
-                                    <m:r>
-                                      <a:rPr lang="en-GB" b="0" i="1" smtClean="0">
-                                        <a:latin typeface="Cambria Math" panose="02040503050406030204" pitchFamily="18" charset="0"/>
-                                      </a:rPr>
-                                      <m:t>𝑇</m:t>
-                                    </m:r>
-                                  </m:e>
-                                </m:d>
-                              </m:num>
-                              <m:den>
-                                <m:r>
-                                  <a:rPr lang="en-GB" b="0" i="1" smtClean="0">
-                                    <a:latin typeface="Cambria Math" panose="02040503050406030204" pitchFamily="18" charset="0"/>
-                                  </a:rPr>
-                                  <m:t>𝜕</m:t>
-                                </m:r>
-                                <m:r>
-                                  <a:rPr lang="en-GB" b="0" i="1" smtClean="0">
-                                    <a:latin typeface="Cambria Math" panose="02040503050406030204" pitchFamily="18" charset="0"/>
-                                  </a:rPr>
-                                  <m:t>𝑣</m:t>
-                                </m:r>
-                              </m:den>
-                            </m:f>
-                          </m:e>
-                        </m:d>
-                      </m:e>
-                      <m:sub>
-                        <m:r>
-                          <a:rPr lang="en-GB" b="0" i="1" smtClean="0">
-                            <a:latin typeface="Cambria Math" panose="02040503050406030204" pitchFamily="18" charset="0"/>
-                          </a:rPr>
-                          <m:t>𝑇</m:t>
-                        </m:r>
-                      </m:sub>
-                    </m:sSub>
-                    <m:r>
-                      <a:rPr lang="en-GB" b="0" i="1" smtClean="0">
-                        <a:latin typeface="Cambria Math" panose="02040503050406030204" pitchFamily="18" charset="0"/>
-                      </a:rPr>
-                      <m:t>=0</m:t>
-                    </m:r>
-                  </m:oMath>
-                </a14:m>
-                <a:br>
-                  <a:rPr lang="en-GB" b="0" dirty="0"/>
-                </a:br>
-                <a14:m>
-                  <m:oMath xmlns:m="http://schemas.openxmlformats.org/officeDocument/2006/math">
-                    <m:sSub>
-                      <m:sSubPr>
-                        <m:ctrlPr>
-                          <a:rPr lang="en-GB" b="0" i="1" smtClean="0">
-                            <a:latin typeface="Cambria Math" panose="02040503050406030204" pitchFamily="18" charset="0"/>
-                          </a:rPr>
-                        </m:ctrlPr>
-                      </m:sSubPr>
-                      <m:e>
-                        <m:sSub>
-                          <m:sSubPr>
-                            <m:ctrlPr>
-                              <a:rPr lang="en-GB" b="0" i="1" smtClean="0">
-                                <a:latin typeface="Cambria Math" panose="02040503050406030204" pitchFamily="18" charset="0"/>
-                              </a:rPr>
-                            </m:ctrlPr>
-                          </m:sSubPr>
-                          <m:e>
-                            <m:r>
-                              <a:rPr lang="en-GB" b="0" i="1" smtClean="0">
-                                <a:latin typeface="Cambria Math" panose="02040503050406030204" pitchFamily="18" charset="0"/>
-                              </a:rPr>
-                              <m:t>𝐹</m:t>
-                            </m:r>
-                          </m:e>
-                          <m:sub>
-                            <m:r>
-                              <a:rPr lang="en-GB" b="0" i="1" smtClean="0">
-                                <a:latin typeface="Cambria Math" panose="02040503050406030204" pitchFamily="18" charset="0"/>
-                              </a:rPr>
-                              <m:t>2</m:t>
-                            </m:r>
-                          </m:sub>
-                        </m:sSub>
-                        <m:d>
-                          <m:dPr>
-                            <m:ctrlPr>
-                              <a:rPr lang="en-GB" b="0" i="1" smtClean="0">
-                                <a:latin typeface="Cambria Math" panose="02040503050406030204" pitchFamily="18" charset="0"/>
-                              </a:rPr>
-                            </m:ctrlPr>
-                          </m:dPr>
-                          <m:e>
-                            <m:r>
-                              <a:rPr lang="en-GB" b="0" i="1" smtClean="0">
-                                <a:latin typeface="Cambria Math" panose="02040503050406030204" pitchFamily="18" charset="0"/>
-                              </a:rPr>
-                              <m:t>𝑣</m:t>
-                            </m:r>
-                            <m:r>
-                              <a:rPr lang="en-GB" b="0" i="1" smtClean="0">
-                                <a:latin typeface="Cambria Math" panose="02040503050406030204" pitchFamily="18" charset="0"/>
-                              </a:rPr>
-                              <m:t>, </m:t>
-                            </m:r>
-                            <m:r>
-                              <a:rPr lang="en-GB" b="0" i="1" smtClean="0">
-                                <a:latin typeface="Cambria Math" panose="02040503050406030204" pitchFamily="18" charset="0"/>
-                              </a:rPr>
-                              <m:t>𝑇</m:t>
-                            </m:r>
-                          </m:e>
-                        </m:d>
-                        <m:r>
-                          <a:rPr lang="en-GB" b="0" i="1" smtClean="0">
-                            <a:latin typeface="Cambria Math" panose="02040503050406030204" pitchFamily="18" charset="0"/>
-                          </a:rPr>
-                          <m:t>=</m:t>
-                        </m:r>
-                        <m:d>
-                          <m:dPr>
-                            <m:ctrlPr>
-                              <a:rPr lang="en-GB" b="0" i="1" smtClean="0">
-                                <a:latin typeface="Cambria Math" panose="02040503050406030204" pitchFamily="18" charset="0"/>
-                              </a:rPr>
-                            </m:ctrlPr>
-                          </m:dPr>
-                          <m:e>
-                            <m:f>
-                              <m:fPr>
-                                <m:ctrlPr>
-                                  <a:rPr lang="en-GB" b="0" i="1" smtClean="0">
-                                    <a:latin typeface="Cambria Math" panose="02040503050406030204" pitchFamily="18" charset="0"/>
-                                  </a:rPr>
-                                </m:ctrlPr>
-                              </m:fPr>
-                              <m:num>
-                                <m:sSup>
-                                  <m:sSupPr>
-                                    <m:ctrlPr>
-                                      <a:rPr lang="en-GB" b="0" i="1" smtClean="0">
-                                        <a:latin typeface="Cambria Math" panose="02040503050406030204" pitchFamily="18" charset="0"/>
-                                      </a:rPr>
-                                    </m:ctrlPr>
-                                  </m:sSupPr>
-                                  <m:e>
-                                    <m:r>
-                                      <a:rPr lang="en-GB" b="0" i="1" smtClean="0">
-                                        <a:latin typeface="Cambria Math" panose="02040503050406030204" pitchFamily="18" charset="0"/>
-                                      </a:rPr>
-                                      <m:t>𝜕</m:t>
-                                    </m:r>
-                                  </m:e>
-                                  <m:sup>
-                                    <m:r>
-                                      <a:rPr lang="en-GB" b="0" i="1" smtClean="0">
-                                        <a:latin typeface="Cambria Math" panose="02040503050406030204" pitchFamily="18" charset="0"/>
-                                      </a:rPr>
-                                      <m:t>2</m:t>
-                                    </m:r>
-                                  </m:sup>
-                                </m:sSup>
-                                <m:r>
-                                  <a:rPr lang="en-GB" b="0" i="1" smtClean="0">
-                                    <a:latin typeface="Cambria Math" panose="02040503050406030204" pitchFamily="18" charset="0"/>
-                                  </a:rPr>
-                                  <m:t>𝑝</m:t>
-                                </m:r>
-                                <m:d>
-                                  <m:dPr>
-                                    <m:ctrlPr>
-                                      <a:rPr lang="en-GB" b="0" i="1" smtClean="0">
-                                        <a:latin typeface="Cambria Math" panose="02040503050406030204" pitchFamily="18" charset="0"/>
-                                      </a:rPr>
-                                    </m:ctrlPr>
-                                  </m:dPr>
-                                  <m:e>
-                                    <m:r>
-                                      <a:rPr lang="en-GB" b="0" i="1" smtClean="0">
-                                        <a:latin typeface="Cambria Math" panose="02040503050406030204" pitchFamily="18" charset="0"/>
-                                      </a:rPr>
-                                      <m:t>𝑣</m:t>
-                                    </m:r>
-                                    <m:r>
-                                      <a:rPr lang="en-GB" b="0" i="1" smtClean="0">
-                                        <a:latin typeface="Cambria Math" panose="02040503050406030204" pitchFamily="18" charset="0"/>
-                                      </a:rPr>
-                                      <m:t>, </m:t>
-                                    </m:r>
-                                    <m:r>
-                                      <a:rPr lang="en-GB" b="0" i="1" smtClean="0">
-                                        <a:latin typeface="Cambria Math" panose="02040503050406030204" pitchFamily="18" charset="0"/>
-                                      </a:rPr>
-                                      <m:t>𝑇</m:t>
-                                    </m:r>
-                                  </m:e>
-                                </m:d>
-                              </m:num>
-                              <m:den>
-                                <m:r>
-                                  <a:rPr lang="en-GB" b="0" i="1" smtClean="0">
-                                    <a:latin typeface="Cambria Math" panose="02040503050406030204" pitchFamily="18" charset="0"/>
-                                  </a:rPr>
-                                  <m:t>𝜕</m:t>
-                                </m:r>
-                                <m:sSup>
-                                  <m:sSupPr>
-                                    <m:ctrlPr>
-                                      <a:rPr lang="en-GB" b="0" i="1" smtClean="0">
-                                        <a:latin typeface="Cambria Math" panose="02040503050406030204" pitchFamily="18" charset="0"/>
-                                      </a:rPr>
-                                    </m:ctrlPr>
-                                  </m:sSupPr>
-                                  <m:e>
-                                    <m:r>
-                                      <a:rPr lang="en-GB" b="0" i="1" smtClean="0">
-                                        <a:latin typeface="Cambria Math" panose="02040503050406030204" pitchFamily="18" charset="0"/>
-                                      </a:rPr>
-                                      <m:t>𝑣</m:t>
-                                    </m:r>
-                                  </m:e>
-                                  <m:sup>
-                                    <m:r>
-                                      <a:rPr lang="en-GB" b="0" i="1" smtClean="0">
-                                        <a:latin typeface="Cambria Math" panose="02040503050406030204" pitchFamily="18" charset="0"/>
-                                      </a:rPr>
-                                      <m:t>2</m:t>
-                                    </m:r>
-                                  </m:sup>
-                                </m:sSup>
-                              </m:den>
-                            </m:f>
-                          </m:e>
-                        </m:d>
-                      </m:e>
-                      <m:sub>
-                        <m:r>
-                          <a:rPr lang="en-GB" b="0" i="1" smtClean="0">
-                            <a:latin typeface="Cambria Math" panose="02040503050406030204" pitchFamily="18" charset="0"/>
-                          </a:rPr>
-                          <m:t>𝑇</m:t>
-                        </m:r>
-                      </m:sub>
-                    </m:sSub>
-                    <m:r>
-                      <a:rPr lang="en-GB" b="0" i="1" smtClean="0">
-                        <a:latin typeface="Cambria Math" panose="02040503050406030204" pitchFamily="18" charset="0"/>
-                      </a:rPr>
-                      <m:t>=0</m:t>
-                    </m:r>
-                  </m:oMath>
-                </a14:m>
-                <a:endParaRPr lang="en-GB" b="0" dirty="0"/>
-              </a:p>
-              <a:p>
-                <a:r>
-                  <a:rPr lang="en-GB" b="0" dirty="0"/>
-                  <a:t>This is a non-linear root-finding problem in </a:t>
-                </a:r>
-                <a14:m>
-                  <m:oMath xmlns:m="http://schemas.openxmlformats.org/officeDocument/2006/math">
-                    <m:sSup>
-                      <m:sSupPr>
-                        <m:ctrlPr>
-                          <a:rPr lang="en-GB" b="0" i="1" smtClean="0">
-                            <a:latin typeface="Cambria Math" panose="02040503050406030204" pitchFamily="18" charset="0"/>
-                            <a:ea typeface="Cambria Math" panose="02040503050406030204" pitchFamily="18" charset="0"/>
-                          </a:rPr>
-                        </m:ctrlPr>
-                      </m:sSupPr>
-                      <m:e>
-                        <m:r>
-                          <a:rPr lang="en-GB" b="0" i="1" smtClean="0">
-                            <a:latin typeface="Cambria Math" panose="02040503050406030204" pitchFamily="18" charset="0"/>
-                            <a:ea typeface="Cambria Math" panose="02040503050406030204" pitchFamily="18" charset="0"/>
-                          </a:rPr>
-                          <m:t>ℝ</m:t>
-                        </m:r>
-                      </m:e>
-                      <m:sup>
-                        <m:r>
-                          <a:rPr lang="en-GB" b="0" i="1" smtClean="0">
-                            <a:latin typeface="Cambria Math" panose="02040503050406030204" pitchFamily="18" charset="0"/>
-                            <a:ea typeface="Cambria Math" panose="02040503050406030204" pitchFamily="18" charset="0"/>
-                          </a:rPr>
-                          <m:t>2</m:t>
-                        </m:r>
-                      </m:sup>
-                    </m:sSup>
-                  </m:oMath>
-                </a14:m>
-                <a:endParaRPr lang="en-GB" b="0" dirty="0">
-                  <a:ea typeface="Cambria Math" panose="02040503050406030204" pitchFamily="18" charset="0"/>
-                </a:endParaRPr>
-              </a:p>
-            </p:txBody>
-          </p:sp>
-        </mc:Choice>
-        <mc:Fallback xmlns="">
-          <p:sp>
-            <p:nvSpPr>
-              <p:cNvPr id="3" name="Content Placeholder 2">
-                <a:extLst>
-                  <a:ext uri="{FF2B5EF4-FFF2-40B4-BE49-F238E27FC236}">
-                    <a16:creationId xmlns:a16="http://schemas.microsoft.com/office/drawing/2014/main" id="{3AFDDCBE-FD6B-2C4D-6D14-D3889DA57A35}"/>
-                  </a:ext>
-                </a:extLst>
-              </p:cNvPr>
-              <p:cNvSpPr>
-                <a:spLocks noGrp="1" noRot="1" noChangeAspect="1" noMove="1" noResize="1" noEditPoints="1" noAdjustHandles="1" noChangeArrowheads="1" noChangeShapeType="1" noTextEdit="1"/>
-              </p:cNvSpPr>
-              <p:nvPr>
-                <p:ph idx="1"/>
-              </p:nvPr>
-            </p:nvSpPr>
-            <p:spPr>
-              <a:blipFill>
-                <a:blip r:embed="rId2"/>
-                <a:stretch>
-                  <a:fillRect l="-1303" t="-1392"/>
-                </a:stretch>
-              </a:blipFill>
-            </p:spPr>
-            <p:txBody>
-              <a:bodyPr/>
-              <a:lstStyle/>
-              <a:p>
-                <a:r>
-                  <a:rPr lang="en-GB">
-                    <a:noFill/>
-                  </a:rPr>
-                  <a:t> </a:t>
-                </a:r>
-              </a:p>
-            </p:txBody>
-          </p:sp>
-        </mc:Fallback>
-      </mc:AlternateContent>
+              <a:t>Building phase diagrams</a:t>
+            </a:r>
+          </a:p>
+        </p:txBody>
+      </p:sp>
+      <p:sp>
+        <p:nvSpPr>
+          <p:cNvPr id="3" name="Content Placeholder 2">
+            <a:extLst>
+              <a:ext uri="{FF2B5EF4-FFF2-40B4-BE49-F238E27FC236}">
+                <a16:creationId xmlns:a16="http://schemas.microsoft.com/office/drawing/2014/main" id="{0710499C-5B19-8269-3875-C2B3B9D8FB0B}"/>
+              </a:ext>
+            </a:extLst>
+          </p:cNvPr>
+          <p:cNvSpPr>
+            <a:spLocks noGrp="1"/>
+          </p:cNvSpPr>
+          <p:nvPr>
+            <p:ph idx="1"/>
+          </p:nvPr>
+        </p:nvSpPr>
+        <p:spPr/>
+        <p:txBody>
+          <a:bodyPr/>
+          <a:lstStyle/>
+          <a:p>
+            <a:r>
+              <a:rPr lang="en-GB" dirty="0"/>
+              <a:t>This is much the same as the saturation pressure solver, however:</a:t>
+            </a:r>
+          </a:p>
+          <a:p>
+            <a:r>
+              <a:rPr lang="en-GB" b="0" dirty="0"/>
+              <a:t>Initial guesses become very challenging as we approach the critical point</a:t>
+            </a:r>
+          </a:p>
+          <a:p>
+            <a:r>
+              <a:rPr lang="en-GB" b="0" dirty="0"/>
+              <a:t>To avoid this, we </a:t>
+            </a:r>
+            <a:r>
+              <a:rPr lang="en-GB" dirty="0"/>
+              <a:t>reuse previous solutions</a:t>
+            </a:r>
+            <a:r>
+              <a:rPr lang="en-GB" b="0" dirty="0"/>
+              <a:t> as initial guesses for the next point</a:t>
+            </a:r>
+          </a:p>
+          <a:p>
+            <a:r>
+              <a:rPr lang="en-GB" b="0" dirty="0"/>
+              <a:t>This approach is relevant beyond this application – many times we will have a previous iteration or solution that can act as a starting point for our algorithms</a:t>
+            </a:r>
+          </a:p>
+        </p:txBody>
+      </p:sp>
       <p:sp>
         <p:nvSpPr>
           <p:cNvPr id="4" name="Footer Placeholder 3">
             <a:extLst>
               <a:ext uri="{FF2B5EF4-FFF2-40B4-BE49-F238E27FC236}">
-                <a16:creationId xmlns:a16="http://schemas.microsoft.com/office/drawing/2014/main" id="{F4A777C7-1941-150D-83A2-38D9036CDB6C}"/>
+                <a16:creationId xmlns:a16="http://schemas.microsoft.com/office/drawing/2014/main" id="{6CE72830-C61E-CB22-884D-26B3C10B90DF}"/>
               </a:ext>
             </a:extLst>
           </p:cNvPr>
@@ -6961,7 +7511,7 @@
           <p:cNvPr id="5" name="Slide Number Placeholder 4">
             <a:extLst>
               <a:ext uri="{FF2B5EF4-FFF2-40B4-BE49-F238E27FC236}">
-                <a16:creationId xmlns:a16="http://schemas.microsoft.com/office/drawing/2014/main" id="{B0662415-1704-3E98-C5E2-E5C58C121A47}"/>
+                <a16:creationId xmlns:a16="http://schemas.microsoft.com/office/drawing/2014/main" id="{9523151C-DC60-C7F9-14E9-3BE9E459C21C}"/>
               </a:ext>
             </a:extLst>
           </p:cNvPr>
@@ -6994,7 +7544,7 @@
     </p:spTree>
     <p:extLst>
       <p:ext uri="{BB962C8B-B14F-4D97-AF65-F5344CB8AC3E}">
-        <p14:creationId xmlns:p14="http://schemas.microsoft.com/office/powerpoint/2010/main" val="2498101713"/>
+        <p14:creationId xmlns:p14="http://schemas.microsoft.com/office/powerpoint/2010/main" val="2342060066"/>
       </p:ext>
     </p:extLst>
   </p:cSld>
@@ -7026,7 +7576,7 @@
           <p:cNvPr id="2" name="Title 1">
             <a:extLst>
               <a:ext uri="{FF2B5EF4-FFF2-40B4-BE49-F238E27FC236}">
-                <a16:creationId xmlns:a16="http://schemas.microsoft.com/office/drawing/2014/main" id="{A41B125C-63F8-0D64-3684-CA08CA0DD8EB}"/>
+                <a16:creationId xmlns:a16="http://schemas.microsoft.com/office/drawing/2014/main" id="{9D00F6A5-F80F-A63A-77AF-6522ACCF1DCD}"/>
               </a:ext>
             </a:extLst>
           </p:cNvPr>
@@ -7054,7 +7604,7 @@
           <p:cNvPr id="3" name="Content Placeholder 2">
             <a:extLst>
               <a:ext uri="{FF2B5EF4-FFF2-40B4-BE49-F238E27FC236}">
-                <a16:creationId xmlns:a16="http://schemas.microsoft.com/office/drawing/2014/main" id="{197FE185-55B8-8C39-0964-688CF4BB23A9}"/>
+                <a16:creationId xmlns:a16="http://schemas.microsoft.com/office/drawing/2014/main" id="{BB8437F6-48BE-89D1-7FA2-8ADFA1FFE4E6}"/>
               </a:ext>
             </a:extLst>
           </p:cNvPr>
@@ -7071,9 +7621,18 @@
           <a:lstStyle/>
           <a:p>
             <a:r>
-              <a:rPr lang="en-GB" dirty="0"/>
-              <a:t>Switch to notebook and show implementation</a:t>
-            </a:r>
+              <a:rPr lang="en-GB" b="0" dirty="0"/>
+              <a:t>For cubic </a:t>
+            </a:r>
+            <a:r>
+              <a:rPr lang="en-GB" b="0" dirty="0" err="1"/>
+              <a:t>EoS</a:t>
+            </a:r>
+            <a:r>
+              <a:rPr lang="en-GB" b="0" dirty="0"/>
+              <a:t>, the critical point is an input, so we always know this</a:t>
+            </a:r>
+            <a:endParaRPr lang="en-GB" dirty="0"/>
           </a:p>
         </p:txBody>
       </p:sp>
@@ -7082,7 +7641,7 @@
           <p:cNvPr id="4" name="Footer Placeholder 3">
             <a:extLst>
               <a:ext uri="{FF2B5EF4-FFF2-40B4-BE49-F238E27FC236}">
-                <a16:creationId xmlns:a16="http://schemas.microsoft.com/office/drawing/2014/main" id="{C6ED70EB-F937-34E2-5DC9-3414783D6FCB}"/>
+                <a16:creationId xmlns:a16="http://schemas.microsoft.com/office/drawing/2014/main" id="{9EA6BB26-3ECC-7DE2-9A53-A035F36BA5DE}"/>
               </a:ext>
             </a:extLst>
           </p:cNvPr>
@@ -7111,7 +7670,7 @@
           <p:cNvPr id="5" name="Slide Number Placeholder 4">
             <a:extLst>
               <a:ext uri="{FF2B5EF4-FFF2-40B4-BE49-F238E27FC236}">
-                <a16:creationId xmlns:a16="http://schemas.microsoft.com/office/drawing/2014/main" id="{82BF5AAB-A01C-F9FD-843F-79FDBD565BEE}"/>
+                <a16:creationId xmlns:a16="http://schemas.microsoft.com/office/drawing/2014/main" id="{08A74582-4D1D-FA2D-9403-55A915D47AB5}"/>
               </a:ext>
             </a:extLst>
           </p:cNvPr>
@@ -7144,7 +7703,7 @@
     </p:spTree>
     <p:extLst>
       <p:ext uri="{BB962C8B-B14F-4D97-AF65-F5344CB8AC3E}">
-        <p14:creationId xmlns:p14="http://schemas.microsoft.com/office/powerpoint/2010/main" val="2166540629"/>
+        <p14:creationId xmlns:p14="http://schemas.microsoft.com/office/powerpoint/2010/main" val="3987220405"/>
       </p:ext>
     </p:extLst>
   </p:cSld>
@@ -7176,7 +7735,7 @@
           <p:cNvPr id="2" name="Title 1">
             <a:extLst>
               <a:ext uri="{FF2B5EF4-FFF2-40B4-BE49-F238E27FC236}">
-                <a16:creationId xmlns:a16="http://schemas.microsoft.com/office/drawing/2014/main" id="{D13A0B31-E1D9-1280-CC28-6C0616E34450}"/>
+                <a16:creationId xmlns:a16="http://schemas.microsoft.com/office/drawing/2014/main" id="{9D00F6A5-F80F-A63A-77AF-6522ACCF1DCD}"/>
               </a:ext>
             </a:extLst>
           </p:cNvPr>
@@ -7194,7 +7753,7 @@
           <a:p>
             <a:r>
               <a:rPr lang="en-GB" dirty="0"/>
-              <a:t>Key messages</a:t>
+              <a:t>Critical point solver</a:t>
             </a:r>
           </a:p>
         </p:txBody>
@@ -7204,7 +7763,7 @@
           <p:cNvPr id="3" name="Content Placeholder 2">
             <a:extLst>
               <a:ext uri="{FF2B5EF4-FFF2-40B4-BE49-F238E27FC236}">
-                <a16:creationId xmlns:a16="http://schemas.microsoft.com/office/drawing/2014/main" id="{16496A15-4443-D22F-5422-754A37A353D6}"/>
+                <a16:creationId xmlns:a16="http://schemas.microsoft.com/office/drawing/2014/main" id="{BB8437F6-48BE-89D1-7FA2-8ADFA1FFE4E6}"/>
               </a:ext>
             </a:extLst>
           </p:cNvPr>
@@ -7222,20 +7781,41 @@
           <a:p>
             <a:r>
               <a:rPr lang="en-GB" b="0" dirty="0"/>
-              <a:t>Understand why specifying temperature is preferable in saturation calculations</a:t>
-            </a:r>
-          </a:p>
-          <a:p>
+              <a:t>For cubic </a:t>
+            </a:r>
+            <a:r>
+              <a:rPr lang="en-GB" b="0" dirty="0" err="1"/>
+              <a:t>EoS</a:t>
+            </a:r>
             <a:r>
               <a:rPr lang="en-GB" b="0" dirty="0"/>
-              <a:t>Know that building phase diagrams, it is crucial to reuse previous solutions as initial guesses for the next iteration</a:t>
+              <a:t>, the critical point is an input, so we always know this</a:t>
             </a:r>
           </a:p>
           <a:p>
             <a:r>
               <a:rPr lang="en-GB" b="0" dirty="0"/>
-              <a:t>Know that critical points can be directly obtained using automatic differentiation</a:t>
-            </a:r>
+              <a:t>How do we know the critical point for SAFT / other </a:t>
+            </a:r>
+            <a:r>
+              <a:rPr lang="en-GB" b="0" dirty="0" err="1"/>
+              <a:t>EoS</a:t>
+            </a:r>
+            <a:r>
+              <a:rPr lang="en-GB" b="0" dirty="0"/>
+              <a:t>? </a:t>
+            </a:r>
+            <a:r>
+              <a:rPr lang="en-GB" dirty="0"/>
+              <a:t>We need to solve for it!</a:t>
+            </a:r>
+          </a:p>
+          <a:p>
+            <a:r>
+              <a:rPr lang="en-GB" b="0" dirty="0"/>
+              <a:t>A “standard” way of doing this would be to march our saturation solver upwards until it fails, then interpolate between the vapour and liquid saturation curves</a:t>
+            </a:r>
+            <a:endParaRPr lang="en-GB" dirty="0"/>
           </a:p>
         </p:txBody>
       </p:sp>
@@ -7244,7 +7824,7 @@
           <p:cNvPr id="4" name="Footer Placeholder 3">
             <a:extLst>
               <a:ext uri="{FF2B5EF4-FFF2-40B4-BE49-F238E27FC236}">
-                <a16:creationId xmlns:a16="http://schemas.microsoft.com/office/drawing/2014/main" id="{B0276A6B-E62D-97A8-A82D-7317A315E7F1}"/>
+                <a16:creationId xmlns:a16="http://schemas.microsoft.com/office/drawing/2014/main" id="{9EA6BB26-3ECC-7DE2-9A53-A035F36BA5DE}"/>
               </a:ext>
             </a:extLst>
           </p:cNvPr>
@@ -7273,7 +7853,7 @@
           <p:cNvPr id="5" name="Slide Number Placeholder 4">
             <a:extLst>
               <a:ext uri="{FF2B5EF4-FFF2-40B4-BE49-F238E27FC236}">
-                <a16:creationId xmlns:a16="http://schemas.microsoft.com/office/drawing/2014/main" id="{709FC203-55D4-B66C-E751-9AA2422A8018}"/>
+                <a16:creationId xmlns:a16="http://schemas.microsoft.com/office/drawing/2014/main" id="{08A74582-4D1D-FA2D-9403-55A915D47AB5}"/>
               </a:ext>
             </a:extLst>
           </p:cNvPr>
@@ -7306,7 +7886,1476 @@
     </p:spTree>
     <p:extLst>
       <p:ext uri="{BB962C8B-B14F-4D97-AF65-F5344CB8AC3E}">
-        <p14:creationId xmlns:p14="http://schemas.microsoft.com/office/powerpoint/2010/main" val="354491302"/>
+        <p14:creationId xmlns:p14="http://schemas.microsoft.com/office/powerpoint/2010/main" val="355214491"/>
+      </p:ext>
+    </p:extLst>
+  </p:cSld>
+  <p:clrMapOvr>
+    <a:masterClrMapping/>
+  </p:clrMapOvr>
+</p:sld>
+</file>
+
+<file path=ppt/slides/slide16.xml><?xml version="1.0" encoding="utf-8"?>
+<p:sld xmlns:a="http://schemas.openxmlformats.org/drawingml/2006/main" xmlns:r="http://schemas.openxmlformats.org/officeDocument/2006/relationships" xmlns:p="http://schemas.openxmlformats.org/presentationml/2006/main">
+  <p:cSld>
+    <p:spTree>
+      <p:nvGrpSpPr>
+        <p:cNvPr id="1" name=""/>
+        <p:cNvGrpSpPr/>
+        <p:nvPr/>
+      </p:nvGrpSpPr>
+      <p:grpSpPr>
+        <a:xfrm>
+          <a:off x="0" y="0"/>
+          <a:ext cx="0" cy="0"/>
+          <a:chOff x="0" y="0"/>
+          <a:chExt cx="0" cy="0"/>
+        </a:xfrm>
+      </p:grpSpPr>
+      <p:sp>
+        <p:nvSpPr>
+          <p:cNvPr id="2" name="Title 1">
+            <a:extLst>
+              <a:ext uri="{FF2B5EF4-FFF2-40B4-BE49-F238E27FC236}">
+                <a16:creationId xmlns:a16="http://schemas.microsoft.com/office/drawing/2014/main" id="{9D00F6A5-F80F-A63A-77AF-6522ACCF1DCD}"/>
+              </a:ext>
+            </a:extLst>
+          </p:cNvPr>
+          <p:cNvSpPr>
+            <a:spLocks noGrp="1"/>
+          </p:cNvSpPr>
+          <p:nvPr>
+            <p:ph type="title"/>
+          </p:nvPr>
+        </p:nvSpPr>
+        <p:spPr/>
+        <p:txBody>
+          <a:bodyPr/>
+          <a:lstStyle/>
+          <a:p>
+            <a:r>
+              <a:rPr lang="en-GB" dirty="0"/>
+              <a:t>Critical point solver</a:t>
+            </a:r>
+          </a:p>
+        </p:txBody>
+      </p:sp>
+      <p:sp>
+        <p:nvSpPr>
+          <p:cNvPr id="3" name="Content Placeholder 2">
+            <a:extLst>
+              <a:ext uri="{FF2B5EF4-FFF2-40B4-BE49-F238E27FC236}">
+                <a16:creationId xmlns:a16="http://schemas.microsoft.com/office/drawing/2014/main" id="{BB8437F6-48BE-89D1-7FA2-8ADFA1FFE4E6}"/>
+              </a:ext>
+            </a:extLst>
+          </p:cNvPr>
+          <p:cNvSpPr>
+            <a:spLocks noGrp="1"/>
+          </p:cNvSpPr>
+          <p:nvPr>
+            <p:ph idx="1"/>
+          </p:nvPr>
+        </p:nvSpPr>
+        <p:spPr/>
+        <p:txBody>
+          <a:bodyPr/>
+          <a:lstStyle/>
+          <a:p>
+            <a:r>
+              <a:rPr lang="en-GB" b="0" dirty="0"/>
+              <a:t>For cubic </a:t>
+            </a:r>
+            <a:r>
+              <a:rPr lang="en-GB" b="0" dirty="0" err="1"/>
+              <a:t>EoS</a:t>
+            </a:r>
+            <a:r>
+              <a:rPr lang="en-GB" b="0" dirty="0"/>
+              <a:t>, the critical point is an input, so we always know this</a:t>
+            </a:r>
+          </a:p>
+          <a:p>
+            <a:r>
+              <a:rPr lang="en-GB" b="0" dirty="0"/>
+              <a:t>How do we know the critical point for SAFT / other </a:t>
+            </a:r>
+            <a:r>
+              <a:rPr lang="en-GB" b="0" dirty="0" err="1"/>
+              <a:t>EoS</a:t>
+            </a:r>
+            <a:r>
+              <a:rPr lang="en-GB" b="0" dirty="0"/>
+              <a:t>? </a:t>
+            </a:r>
+            <a:r>
+              <a:rPr lang="en-GB" dirty="0"/>
+              <a:t>We need to solve for it!</a:t>
+            </a:r>
+          </a:p>
+        </p:txBody>
+      </p:sp>
+      <p:sp>
+        <p:nvSpPr>
+          <p:cNvPr id="4" name="Footer Placeholder 3">
+            <a:extLst>
+              <a:ext uri="{FF2B5EF4-FFF2-40B4-BE49-F238E27FC236}">
+                <a16:creationId xmlns:a16="http://schemas.microsoft.com/office/drawing/2014/main" id="{9EA6BB26-3ECC-7DE2-9A53-A035F36BA5DE}"/>
+              </a:ext>
+            </a:extLst>
+          </p:cNvPr>
+          <p:cNvSpPr>
+            <a:spLocks noGrp="1"/>
+          </p:cNvSpPr>
+          <p:nvPr>
+            <p:ph type="ftr" sz="quarter" idx="3"/>
+          </p:nvPr>
+        </p:nvSpPr>
+        <p:spPr/>
+        <p:txBody>
+          <a:bodyPr/>
+          <a:lstStyle/>
+          <a:p>
+            <a:r>
+              <a:rPr lang="en-GB"/>
+              <a:t>© Imperial College London</a:t>
+            </a:r>
+            <a:endParaRPr lang="en-US" dirty="0"/>
+          </a:p>
+        </p:txBody>
+      </p:sp>
+      <p:sp>
+        <p:nvSpPr>
+          <p:cNvPr id="5" name="Slide Number Placeholder 4">
+            <a:extLst>
+              <a:ext uri="{FF2B5EF4-FFF2-40B4-BE49-F238E27FC236}">
+                <a16:creationId xmlns:a16="http://schemas.microsoft.com/office/drawing/2014/main" id="{08A74582-4D1D-FA2D-9403-55A915D47AB5}"/>
+              </a:ext>
+            </a:extLst>
+          </p:cNvPr>
+          <p:cNvSpPr>
+            <a:spLocks noGrp="1"/>
+          </p:cNvSpPr>
+          <p:nvPr>
+            <p:ph type="sldNum" sz="quarter" idx="4"/>
+          </p:nvPr>
+        </p:nvSpPr>
+        <p:spPr/>
+        <p:txBody>
+          <a:bodyPr/>
+          <a:lstStyle/>
+          <a:p>
+            <a:pPr algn="ctr"/>
+            <a:r>
+              <a:rPr lang="en-US"/>
+              <a:t>Slide </a:t>
+            </a:r>
+            <a:fld id="{3C70A08B-371D-5A4D-978C-9F5470823ED6}" type="slidenum">
+              <a:rPr lang="en-US" smtClean="0"/>
+              <a:pPr algn="ctr"/>
+              <a:t>16</a:t>
+            </a:fld>
+            <a:endParaRPr lang="en-US" dirty="0"/>
+          </a:p>
+        </p:txBody>
+      </p:sp>
+    </p:spTree>
+    <p:extLst>
+      <p:ext uri="{BB962C8B-B14F-4D97-AF65-F5344CB8AC3E}">
+        <p14:creationId xmlns:p14="http://schemas.microsoft.com/office/powerpoint/2010/main" val="876386361"/>
+      </p:ext>
+    </p:extLst>
+  </p:cSld>
+  <p:clrMapOvr>
+    <a:masterClrMapping/>
+  </p:clrMapOvr>
+</p:sld>
+</file>
+
+<file path=ppt/slides/slide17.xml><?xml version="1.0" encoding="utf-8"?>
+<p:sld xmlns:a="http://schemas.openxmlformats.org/drawingml/2006/main" xmlns:r="http://schemas.openxmlformats.org/officeDocument/2006/relationships" xmlns:p="http://schemas.openxmlformats.org/presentationml/2006/main">
+  <p:cSld>
+    <p:spTree>
+      <p:nvGrpSpPr>
+        <p:cNvPr id="1" name=""/>
+        <p:cNvGrpSpPr/>
+        <p:nvPr/>
+      </p:nvGrpSpPr>
+      <p:grpSpPr>
+        <a:xfrm>
+          <a:off x="0" y="0"/>
+          <a:ext cx="0" cy="0"/>
+          <a:chOff x="0" y="0"/>
+          <a:chExt cx="0" cy="0"/>
+        </a:xfrm>
+      </p:grpSpPr>
+      <p:sp>
+        <p:nvSpPr>
+          <p:cNvPr id="2" name="Title 1">
+            <a:extLst>
+              <a:ext uri="{FF2B5EF4-FFF2-40B4-BE49-F238E27FC236}">
+                <a16:creationId xmlns:a16="http://schemas.microsoft.com/office/drawing/2014/main" id="{9D00F6A5-F80F-A63A-77AF-6522ACCF1DCD}"/>
+              </a:ext>
+            </a:extLst>
+          </p:cNvPr>
+          <p:cNvSpPr>
+            <a:spLocks noGrp="1"/>
+          </p:cNvSpPr>
+          <p:nvPr>
+            <p:ph type="title"/>
+          </p:nvPr>
+        </p:nvSpPr>
+        <p:spPr/>
+        <p:txBody>
+          <a:bodyPr/>
+          <a:lstStyle/>
+          <a:p>
+            <a:r>
+              <a:rPr lang="en-GB" dirty="0"/>
+              <a:t>Critical point solver</a:t>
+            </a:r>
+          </a:p>
+        </p:txBody>
+      </p:sp>
+      <p:sp>
+        <p:nvSpPr>
+          <p:cNvPr id="3" name="Content Placeholder 2">
+            <a:extLst>
+              <a:ext uri="{FF2B5EF4-FFF2-40B4-BE49-F238E27FC236}">
+                <a16:creationId xmlns:a16="http://schemas.microsoft.com/office/drawing/2014/main" id="{BB8437F6-48BE-89D1-7FA2-8ADFA1FFE4E6}"/>
+              </a:ext>
+            </a:extLst>
+          </p:cNvPr>
+          <p:cNvSpPr>
+            <a:spLocks noGrp="1"/>
+          </p:cNvSpPr>
+          <p:nvPr>
+            <p:ph idx="1"/>
+          </p:nvPr>
+        </p:nvSpPr>
+        <p:spPr/>
+        <p:txBody>
+          <a:bodyPr/>
+          <a:lstStyle/>
+          <a:p>
+            <a:r>
+              <a:rPr lang="en-GB" b="0" dirty="0"/>
+              <a:t>For cubic </a:t>
+            </a:r>
+            <a:r>
+              <a:rPr lang="en-GB" b="0" dirty="0" err="1"/>
+              <a:t>EoS</a:t>
+            </a:r>
+            <a:r>
+              <a:rPr lang="en-GB" b="0" dirty="0"/>
+              <a:t>, the critical point is an input, so we always know this</a:t>
+            </a:r>
+          </a:p>
+          <a:p>
+            <a:r>
+              <a:rPr lang="en-GB" b="0" dirty="0"/>
+              <a:t>How do we know the critical point for SAFT / other </a:t>
+            </a:r>
+            <a:r>
+              <a:rPr lang="en-GB" b="0" dirty="0" err="1"/>
+              <a:t>EoS</a:t>
+            </a:r>
+            <a:r>
+              <a:rPr lang="en-GB" b="0" dirty="0"/>
+              <a:t>? </a:t>
+            </a:r>
+            <a:r>
+              <a:rPr lang="en-GB" dirty="0"/>
+              <a:t>We need to solve for it!</a:t>
+            </a:r>
+          </a:p>
+          <a:p>
+            <a:r>
+              <a:rPr lang="en-GB" b="0" dirty="0"/>
+              <a:t>A “standard” way of doing this would be to march our saturation solver upwards until it fails, then interpolate between the vapour and liquid saturation curves</a:t>
+            </a:r>
+          </a:p>
+          <a:p>
+            <a:r>
+              <a:rPr lang="en-GB" b="0" dirty="0"/>
+              <a:t>However, thanks to </a:t>
+            </a:r>
+            <a:r>
+              <a:rPr lang="en-GB" b="0" dirty="0" err="1"/>
+              <a:t>autodiff</a:t>
+            </a:r>
+            <a:r>
+              <a:rPr lang="en-GB" b="0" dirty="0"/>
+              <a:t>, </a:t>
+            </a:r>
+            <a:r>
+              <a:rPr lang="en-GB" dirty="0"/>
+              <a:t>we can solve for this directly!</a:t>
+            </a:r>
+          </a:p>
+        </p:txBody>
+      </p:sp>
+      <p:sp>
+        <p:nvSpPr>
+          <p:cNvPr id="4" name="Footer Placeholder 3">
+            <a:extLst>
+              <a:ext uri="{FF2B5EF4-FFF2-40B4-BE49-F238E27FC236}">
+                <a16:creationId xmlns:a16="http://schemas.microsoft.com/office/drawing/2014/main" id="{9EA6BB26-3ECC-7DE2-9A53-A035F36BA5DE}"/>
+              </a:ext>
+            </a:extLst>
+          </p:cNvPr>
+          <p:cNvSpPr>
+            <a:spLocks noGrp="1"/>
+          </p:cNvSpPr>
+          <p:nvPr>
+            <p:ph type="ftr" sz="quarter" idx="3"/>
+          </p:nvPr>
+        </p:nvSpPr>
+        <p:spPr/>
+        <p:txBody>
+          <a:bodyPr/>
+          <a:lstStyle/>
+          <a:p>
+            <a:r>
+              <a:rPr lang="en-GB"/>
+              <a:t>© Imperial College London</a:t>
+            </a:r>
+            <a:endParaRPr lang="en-US" dirty="0"/>
+          </a:p>
+        </p:txBody>
+      </p:sp>
+      <p:sp>
+        <p:nvSpPr>
+          <p:cNvPr id="5" name="Slide Number Placeholder 4">
+            <a:extLst>
+              <a:ext uri="{FF2B5EF4-FFF2-40B4-BE49-F238E27FC236}">
+                <a16:creationId xmlns:a16="http://schemas.microsoft.com/office/drawing/2014/main" id="{08A74582-4D1D-FA2D-9403-55A915D47AB5}"/>
+              </a:ext>
+            </a:extLst>
+          </p:cNvPr>
+          <p:cNvSpPr>
+            <a:spLocks noGrp="1"/>
+          </p:cNvSpPr>
+          <p:nvPr>
+            <p:ph type="sldNum" sz="quarter" idx="4"/>
+          </p:nvPr>
+        </p:nvSpPr>
+        <p:spPr/>
+        <p:txBody>
+          <a:bodyPr/>
+          <a:lstStyle/>
+          <a:p>
+            <a:pPr algn="ctr"/>
+            <a:r>
+              <a:rPr lang="en-US"/>
+              <a:t>Slide </a:t>
+            </a:r>
+            <a:fld id="{3C70A08B-371D-5A4D-978C-9F5470823ED6}" type="slidenum">
+              <a:rPr lang="en-US" smtClean="0"/>
+              <a:pPr algn="ctr"/>
+              <a:t>17</a:t>
+            </a:fld>
+            <a:endParaRPr lang="en-US" dirty="0"/>
+          </a:p>
+        </p:txBody>
+      </p:sp>
+    </p:spTree>
+    <p:extLst>
+      <p:ext uri="{BB962C8B-B14F-4D97-AF65-F5344CB8AC3E}">
+        <p14:creationId xmlns:p14="http://schemas.microsoft.com/office/powerpoint/2010/main" val="1242818904"/>
+      </p:ext>
+    </p:extLst>
+  </p:cSld>
+  <p:clrMapOvr>
+    <a:masterClrMapping/>
+  </p:clrMapOvr>
+</p:sld>
+</file>
+
+<file path=ppt/slides/slide18.xml><?xml version="1.0" encoding="utf-8"?>
+<p:sld xmlns:a="http://schemas.openxmlformats.org/drawingml/2006/main" xmlns:r="http://schemas.openxmlformats.org/officeDocument/2006/relationships" xmlns:p="http://schemas.openxmlformats.org/presentationml/2006/main">
+  <p:cSld>
+    <p:spTree>
+      <p:nvGrpSpPr>
+        <p:cNvPr id="1" name=""/>
+        <p:cNvGrpSpPr/>
+        <p:nvPr/>
+      </p:nvGrpSpPr>
+      <p:grpSpPr>
+        <a:xfrm>
+          <a:off x="0" y="0"/>
+          <a:ext cx="0" cy="0"/>
+          <a:chOff x="0" y="0"/>
+          <a:chExt cx="0" cy="0"/>
+        </a:xfrm>
+      </p:grpSpPr>
+      <p:sp>
+        <p:nvSpPr>
+          <p:cNvPr id="2" name="Title 1">
+            <a:extLst>
+              <a:ext uri="{FF2B5EF4-FFF2-40B4-BE49-F238E27FC236}">
+                <a16:creationId xmlns:a16="http://schemas.microsoft.com/office/drawing/2014/main" id="{8A4CB961-F91F-1033-0AE0-BF33EFD71AF6}"/>
+              </a:ext>
+            </a:extLst>
+          </p:cNvPr>
+          <p:cNvSpPr>
+            <a:spLocks noGrp="1"/>
+          </p:cNvSpPr>
+          <p:nvPr>
+            <p:ph type="title"/>
+          </p:nvPr>
+        </p:nvSpPr>
+        <p:spPr/>
+        <p:txBody>
+          <a:bodyPr/>
+          <a:lstStyle/>
+          <a:p>
+            <a:r>
+              <a:rPr lang="en-GB" dirty="0"/>
+              <a:t>Critical point solver</a:t>
+            </a:r>
+          </a:p>
+        </p:txBody>
+      </p:sp>
+      <mc:AlternateContent xmlns:mc="http://schemas.openxmlformats.org/markup-compatibility/2006">
+        <mc:Choice xmlns:a14="http://schemas.microsoft.com/office/drawing/2010/main" Requires="a14">
+          <p:sp>
+            <p:nvSpPr>
+              <p:cNvPr id="3" name="Content Placeholder 2">
+                <a:extLst>
+                  <a:ext uri="{FF2B5EF4-FFF2-40B4-BE49-F238E27FC236}">
+                    <a16:creationId xmlns:a16="http://schemas.microsoft.com/office/drawing/2014/main" id="{3AFDDCBE-FD6B-2C4D-6D14-D3889DA57A35}"/>
+                  </a:ext>
+                </a:extLst>
+              </p:cNvPr>
+              <p:cNvSpPr>
+                <a:spLocks noGrp="1"/>
+              </p:cNvSpPr>
+              <p:nvPr>
+                <p:ph idx="1"/>
+              </p:nvPr>
+            </p:nvSpPr>
+            <p:spPr/>
+            <p:txBody>
+              <a:bodyPr>
+                <a:normAutofit/>
+              </a:bodyPr>
+              <a:lstStyle/>
+              <a:p>
+                <a:r>
+                  <a:rPr lang="en-GB" b="0" dirty="0"/>
+                  <a:t>When considering the projection into </a:t>
+                </a:r>
+                <a14:m>
+                  <m:oMath xmlns:m="http://schemas.openxmlformats.org/officeDocument/2006/math">
+                    <m:r>
+                      <a:rPr lang="en-GB" b="0" i="1" smtClean="0">
+                        <a:latin typeface="Cambria Math" panose="02040503050406030204" pitchFamily="18" charset="0"/>
+                      </a:rPr>
+                      <m:t>𝑝</m:t>
+                    </m:r>
+                    <m:r>
+                      <a:rPr lang="en-GB" b="0" i="1" smtClean="0">
+                        <a:latin typeface="Cambria Math" panose="02040503050406030204" pitchFamily="18" charset="0"/>
+                      </a:rPr>
+                      <m:t>, </m:t>
+                    </m:r>
+                    <m:r>
+                      <a:rPr lang="en-GB" b="0" i="1" smtClean="0">
+                        <a:latin typeface="Cambria Math" panose="02040503050406030204" pitchFamily="18" charset="0"/>
+                      </a:rPr>
+                      <m:t>𝑣</m:t>
+                    </m:r>
+                  </m:oMath>
+                </a14:m>
+                <a:r>
+                  <a:rPr lang="en-GB" b="0" dirty="0"/>
+                  <a:t> space, the critical point of a pure fluid can be defined as the point of inflection along a unique isotherm</a:t>
+                </a:r>
+              </a:p>
+              <a:p>
+                <a:r>
+                  <a:rPr lang="en-GB" b="0" dirty="0"/>
+                  <a:t>We can write three equations describing this point exactly</a:t>
+                </a:r>
+                <a:endParaRPr lang="en-GB" b="0" dirty="0">
+                  <a:ea typeface="Cambria Math" panose="02040503050406030204" pitchFamily="18" charset="0"/>
+                </a:endParaRPr>
+              </a:p>
+            </p:txBody>
+          </p:sp>
+        </mc:Choice>
+        <mc:Fallback>
+          <p:sp>
+            <p:nvSpPr>
+              <p:cNvPr id="3" name="Content Placeholder 2">
+                <a:extLst>
+                  <a:ext uri="{FF2B5EF4-FFF2-40B4-BE49-F238E27FC236}">
+                    <a16:creationId xmlns:a16="http://schemas.microsoft.com/office/drawing/2014/main" id="{3AFDDCBE-FD6B-2C4D-6D14-D3889DA57A35}"/>
+                  </a:ext>
+                </a:extLst>
+              </p:cNvPr>
+              <p:cNvSpPr>
+                <a:spLocks noGrp="1" noRot="1" noChangeAspect="1" noMove="1" noResize="1" noEditPoints="1" noAdjustHandles="1" noChangeArrowheads="1" noChangeShapeType="1" noTextEdit="1"/>
+              </p:cNvSpPr>
+              <p:nvPr>
+                <p:ph idx="1"/>
+              </p:nvPr>
+            </p:nvSpPr>
+            <p:spPr>
+              <a:blipFill>
+                <a:blip r:embed="rId2"/>
+                <a:stretch>
+                  <a:fillRect l="-1303" t="-1392" r="-2172"/>
+                </a:stretch>
+              </a:blipFill>
+            </p:spPr>
+            <p:txBody>
+              <a:bodyPr/>
+              <a:lstStyle/>
+              <a:p>
+                <a:r>
+                  <a:rPr lang="en-GB">
+                    <a:noFill/>
+                  </a:rPr>
+                  <a:t> </a:t>
+                </a:r>
+              </a:p>
+            </p:txBody>
+          </p:sp>
+        </mc:Fallback>
+      </mc:AlternateContent>
+      <p:sp>
+        <p:nvSpPr>
+          <p:cNvPr id="4" name="Footer Placeholder 3">
+            <a:extLst>
+              <a:ext uri="{FF2B5EF4-FFF2-40B4-BE49-F238E27FC236}">
+                <a16:creationId xmlns:a16="http://schemas.microsoft.com/office/drawing/2014/main" id="{F4A777C7-1941-150D-83A2-38D9036CDB6C}"/>
+              </a:ext>
+            </a:extLst>
+          </p:cNvPr>
+          <p:cNvSpPr>
+            <a:spLocks noGrp="1"/>
+          </p:cNvSpPr>
+          <p:nvPr>
+            <p:ph type="ftr" sz="quarter" idx="3"/>
+          </p:nvPr>
+        </p:nvSpPr>
+        <p:spPr/>
+        <p:txBody>
+          <a:bodyPr/>
+          <a:lstStyle/>
+          <a:p>
+            <a:r>
+              <a:rPr lang="en-GB"/>
+              <a:t>© Imperial College London</a:t>
+            </a:r>
+            <a:endParaRPr lang="en-US" dirty="0"/>
+          </a:p>
+        </p:txBody>
+      </p:sp>
+      <p:sp>
+        <p:nvSpPr>
+          <p:cNvPr id="5" name="Slide Number Placeholder 4">
+            <a:extLst>
+              <a:ext uri="{FF2B5EF4-FFF2-40B4-BE49-F238E27FC236}">
+                <a16:creationId xmlns:a16="http://schemas.microsoft.com/office/drawing/2014/main" id="{B0662415-1704-3E98-C5E2-E5C58C121A47}"/>
+              </a:ext>
+            </a:extLst>
+          </p:cNvPr>
+          <p:cNvSpPr>
+            <a:spLocks noGrp="1"/>
+          </p:cNvSpPr>
+          <p:nvPr>
+            <p:ph type="sldNum" sz="quarter" idx="4"/>
+          </p:nvPr>
+        </p:nvSpPr>
+        <p:spPr/>
+        <p:txBody>
+          <a:bodyPr/>
+          <a:lstStyle/>
+          <a:p>
+            <a:pPr algn="ctr"/>
+            <a:r>
+              <a:rPr lang="en-US"/>
+              <a:t>Slide </a:t>
+            </a:r>
+            <a:fld id="{3C70A08B-371D-5A4D-978C-9F5470823ED6}" type="slidenum">
+              <a:rPr lang="en-US" smtClean="0"/>
+              <a:pPr algn="ctr"/>
+              <a:t>18</a:t>
+            </a:fld>
+            <a:endParaRPr lang="en-US" dirty="0"/>
+          </a:p>
+        </p:txBody>
+      </p:sp>
+    </p:spTree>
+    <p:extLst>
+      <p:ext uri="{BB962C8B-B14F-4D97-AF65-F5344CB8AC3E}">
+        <p14:creationId xmlns:p14="http://schemas.microsoft.com/office/powerpoint/2010/main" val="1196781641"/>
+      </p:ext>
+    </p:extLst>
+  </p:cSld>
+  <p:clrMapOvr>
+    <a:masterClrMapping/>
+  </p:clrMapOvr>
+</p:sld>
+</file>
+
+<file path=ppt/slides/slide19.xml><?xml version="1.0" encoding="utf-8"?>
+<p:sld xmlns:a="http://schemas.openxmlformats.org/drawingml/2006/main" xmlns:r="http://schemas.openxmlformats.org/officeDocument/2006/relationships" xmlns:p="http://schemas.openxmlformats.org/presentationml/2006/main">
+  <p:cSld>
+    <p:spTree>
+      <p:nvGrpSpPr>
+        <p:cNvPr id="1" name=""/>
+        <p:cNvGrpSpPr/>
+        <p:nvPr/>
+      </p:nvGrpSpPr>
+      <p:grpSpPr>
+        <a:xfrm>
+          <a:off x="0" y="0"/>
+          <a:ext cx="0" cy="0"/>
+          <a:chOff x="0" y="0"/>
+          <a:chExt cx="0" cy="0"/>
+        </a:xfrm>
+      </p:grpSpPr>
+      <p:sp>
+        <p:nvSpPr>
+          <p:cNvPr id="2" name="Title 1">
+            <a:extLst>
+              <a:ext uri="{FF2B5EF4-FFF2-40B4-BE49-F238E27FC236}">
+                <a16:creationId xmlns:a16="http://schemas.microsoft.com/office/drawing/2014/main" id="{8A4CB961-F91F-1033-0AE0-BF33EFD71AF6}"/>
+              </a:ext>
+            </a:extLst>
+          </p:cNvPr>
+          <p:cNvSpPr>
+            <a:spLocks noGrp="1"/>
+          </p:cNvSpPr>
+          <p:nvPr>
+            <p:ph type="title"/>
+          </p:nvPr>
+        </p:nvSpPr>
+        <p:spPr/>
+        <p:txBody>
+          <a:bodyPr/>
+          <a:lstStyle/>
+          <a:p>
+            <a:r>
+              <a:rPr lang="en-GB" dirty="0"/>
+              <a:t>Critical point solver</a:t>
+            </a:r>
+          </a:p>
+        </p:txBody>
+      </p:sp>
+      <mc:AlternateContent xmlns:mc="http://schemas.openxmlformats.org/markup-compatibility/2006">
+        <mc:Choice xmlns:a14="http://schemas.microsoft.com/office/drawing/2010/main" Requires="a14">
+          <p:sp>
+            <p:nvSpPr>
+              <p:cNvPr id="3" name="Content Placeholder 2">
+                <a:extLst>
+                  <a:ext uri="{FF2B5EF4-FFF2-40B4-BE49-F238E27FC236}">
+                    <a16:creationId xmlns:a16="http://schemas.microsoft.com/office/drawing/2014/main" id="{3AFDDCBE-FD6B-2C4D-6D14-D3889DA57A35}"/>
+                  </a:ext>
+                </a:extLst>
+              </p:cNvPr>
+              <p:cNvSpPr>
+                <a:spLocks noGrp="1"/>
+              </p:cNvSpPr>
+              <p:nvPr>
+                <p:ph idx="1"/>
+              </p:nvPr>
+            </p:nvSpPr>
+            <p:spPr/>
+            <p:txBody>
+              <a:bodyPr>
+                <a:normAutofit fontScale="92500"/>
+              </a:bodyPr>
+              <a:lstStyle/>
+              <a:p>
+                <a:pPr marL="0" indent="0">
+                  <a:buNone/>
+                </a:pPr>
+                <a14:m>
+                  <m:oMathPara xmlns:m="http://schemas.openxmlformats.org/officeDocument/2006/math">
+                    <m:oMathParaPr>
+                      <m:jc m:val="centerGroup"/>
+                    </m:oMathParaPr>
+                    <m:oMath xmlns:m="http://schemas.openxmlformats.org/officeDocument/2006/math">
+                      <m:sSub>
+                        <m:sSubPr>
+                          <m:ctrlPr>
+                            <a:rPr lang="en-GB" b="0" i="1" smtClean="0">
+                              <a:latin typeface="Cambria Math" panose="02040503050406030204" pitchFamily="18" charset="0"/>
+                            </a:rPr>
+                          </m:ctrlPr>
+                        </m:sSubPr>
+                        <m:e>
+                          <m:r>
+                            <a:rPr lang="en-GB" b="0" i="1">
+                              <a:latin typeface="Cambria Math" panose="02040503050406030204" pitchFamily="18" charset="0"/>
+                            </a:rPr>
+                            <m:t>𝐹</m:t>
+                          </m:r>
+                        </m:e>
+                        <m:sub>
+                          <m:r>
+                            <a:rPr lang="en-GB" b="0" i="1" smtClean="0">
+                              <a:latin typeface="Cambria Math" panose="02040503050406030204" pitchFamily="18" charset="0"/>
+                            </a:rPr>
+                            <m:t>1</m:t>
+                          </m:r>
+                        </m:sub>
+                      </m:sSub>
+                      <m:d>
+                        <m:dPr>
+                          <m:ctrlPr>
+                            <a:rPr lang="en-GB" b="0" i="1" smtClean="0">
+                              <a:latin typeface="Cambria Math" panose="02040503050406030204" pitchFamily="18" charset="0"/>
+                            </a:rPr>
+                          </m:ctrlPr>
+                        </m:dPr>
+                        <m:e>
+                          <m:r>
+                            <a:rPr lang="en-GB" b="0" i="1" smtClean="0">
+                              <a:latin typeface="Cambria Math" panose="02040503050406030204" pitchFamily="18" charset="0"/>
+                            </a:rPr>
+                            <m:t>𝑣</m:t>
+                          </m:r>
+                          <m:r>
+                            <a:rPr lang="en-GB" b="0" i="1" smtClean="0">
+                              <a:latin typeface="Cambria Math" panose="02040503050406030204" pitchFamily="18" charset="0"/>
+                            </a:rPr>
+                            <m:t>, </m:t>
+                          </m:r>
+                          <m:r>
+                            <a:rPr lang="en-GB" b="0" i="1" smtClean="0">
+                              <a:latin typeface="Cambria Math" panose="02040503050406030204" pitchFamily="18" charset="0"/>
+                            </a:rPr>
+                            <m:t>𝑇</m:t>
+                          </m:r>
+                        </m:e>
+                      </m:d>
+                      <m:r>
+                        <a:rPr lang="en-GB" b="0" i="0" smtClean="0">
+                          <a:latin typeface="Cambria Math" panose="02040503050406030204" pitchFamily="18" charset="0"/>
+                        </a:rPr>
+                        <m:t>=</m:t>
+                      </m:r>
+                      <m:sSub>
+                        <m:sSubPr>
+                          <m:ctrlPr>
+                            <a:rPr lang="en-GB" b="0" i="1" smtClean="0">
+                              <a:latin typeface="Cambria Math" panose="02040503050406030204" pitchFamily="18" charset="0"/>
+                            </a:rPr>
+                          </m:ctrlPr>
+                        </m:sSubPr>
+                        <m:e>
+                          <m:d>
+                            <m:dPr>
+                              <m:ctrlPr>
+                                <a:rPr lang="en-GB" b="0" i="1" smtClean="0">
+                                  <a:latin typeface="Cambria Math" panose="02040503050406030204" pitchFamily="18" charset="0"/>
+                                </a:rPr>
+                              </m:ctrlPr>
+                            </m:dPr>
+                            <m:e>
+                              <m:f>
+                                <m:fPr>
+                                  <m:ctrlPr>
+                                    <a:rPr lang="en-GB" b="0" i="1" smtClean="0">
+                                      <a:latin typeface="Cambria Math" panose="02040503050406030204" pitchFamily="18" charset="0"/>
+                                    </a:rPr>
+                                  </m:ctrlPr>
+                                </m:fPr>
+                                <m:num>
+                                  <m:r>
+                                    <a:rPr lang="en-GB" b="0" i="1" smtClean="0">
+                                      <a:latin typeface="Cambria Math" panose="02040503050406030204" pitchFamily="18" charset="0"/>
+                                    </a:rPr>
+                                    <m:t>𝜕</m:t>
+                                  </m:r>
+                                  <m:r>
+                                    <a:rPr lang="en-GB" b="0" i="1" smtClean="0">
+                                      <a:latin typeface="Cambria Math" panose="02040503050406030204" pitchFamily="18" charset="0"/>
+                                    </a:rPr>
+                                    <m:t>𝑝</m:t>
+                                  </m:r>
+                                  <m:d>
+                                    <m:dPr>
+                                      <m:ctrlPr>
+                                        <a:rPr lang="en-GB" b="0" i="1" smtClean="0">
+                                          <a:latin typeface="Cambria Math" panose="02040503050406030204" pitchFamily="18" charset="0"/>
+                                        </a:rPr>
+                                      </m:ctrlPr>
+                                    </m:dPr>
+                                    <m:e>
+                                      <m:r>
+                                        <a:rPr lang="en-GB" b="0" i="1" smtClean="0">
+                                          <a:latin typeface="Cambria Math" panose="02040503050406030204" pitchFamily="18" charset="0"/>
+                                        </a:rPr>
+                                        <m:t>𝑣</m:t>
+                                      </m:r>
+                                      <m:r>
+                                        <a:rPr lang="en-GB" b="0" i="1" smtClean="0">
+                                          <a:latin typeface="Cambria Math" panose="02040503050406030204" pitchFamily="18" charset="0"/>
+                                        </a:rPr>
+                                        <m:t>, </m:t>
+                                      </m:r>
+                                      <m:r>
+                                        <a:rPr lang="en-GB" b="0" i="1" smtClean="0">
+                                          <a:latin typeface="Cambria Math" panose="02040503050406030204" pitchFamily="18" charset="0"/>
+                                        </a:rPr>
+                                        <m:t>𝑇</m:t>
+                                      </m:r>
+                                    </m:e>
+                                  </m:d>
+                                </m:num>
+                                <m:den>
+                                  <m:r>
+                                    <a:rPr lang="en-GB" b="0" i="1" smtClean="0">
+                                      <a:latin typeface="Cambria Math" panose="02040503050406030204" pitchFamily="18" charset="0"/>
+                                    </a:rPr>
+                                    <m:t>𝜕</m:t>
+                                  </m:r>
+                                  <m:r>
+                                    <a:rPr lang="en-GB" b="0" i="1" smtClean="0">
+                                      <a:latin typeface="Cambria Math" panose="02040503050406030204" pitchFamily="18" charset="0"/>
+                                    </a:rPr>
+                                    <m:t>𝑣</m:t>
+                                  </m:r>
+                                </m:den>
+                              </m:f>
+                            </m:e>
+                          </m:d>
+                        </m:e>
+                        <m:sub>
+                          <m:r>
+                            <a:rPr lang="en-GB" b="0" i="1" smtClean="0">
+                              <a:latin typeface="Cambria Math" panose="02040503050406030204" pitchFamily="18" charset="0"/>
+                            </a:rPr>
+                            <m:t>𝑇</m:t>
+                          </m:r>
+                        </m:sub>
+                      </m:sSub>
+                      <m:r>
+                        <a:rPr lang="en-GB" b="0" i="1" smtClean="0">
+                          <a:latin typeface="Cambria Math" panose="02040503050406030204" pitchFamily="18" charset="0"/>
+                        </a:rPr>
+                        <m:t>=0</m:t>
+                      </m:r>
+                    </m:oMath>
+                    <m:oMath xmlns:m="http://schemas.openxmlformats.org/officeDocument/2006/math">
+                      <m:sSub>
+                        <m:sSubPr>
+                          <m:ctrlPr>
+                            <a:rPr lang="en-GB" b="0" i="1" smtClean="0">
+                              <a:latin typeface="Cambria Math" panose="02040503050406030204" pitchFamily="18" charset="0"/>
+                            </a:rPr>
+                          </m:ctrlPr>
+                        </m:sSubPr>
+                        <m:e>
+                          <m:sSub>
+                            <m:sSubPr>
+                              <m:ctrlPr>
+                                <a:rPr lang="en-GB" b="0" i="1" smtClean="0">
+                                  <a:latin typeface="Cambria Math" panose="02040503050406030204" pitchFamily="18" charset="0"/>
+                                </a:rPr>
+                              </m:ctrlPr>
+                            </m:sSubPr>
+                            <m:e>
+                              <m:r>
+                                <a:rPr lang="en-GB" b="0" i="1" smtClean="0">
+                                  <a:latin typeface="Cambria Math" panose="02040503050406030204" pitchFamily="18" charset="0"/>
+                                </a:rPr>
+                                <m:t>𝐹</m:t>
+                              </m:r>
+                            </m:e>
+                            <m:sub>
+                              <m:r>
+                                <a:rPr lang="en-GB" b="0" i="1" smtClean="0">
+                                  <a:latin typeface="Cambria Math" panose="02040503050406030204" pitchFamily="18" charset="0"/>
+                                </a:rPr>
+                                <m:t>2</m:t>
+                              </m:r>
+                            </m:sub>
+                          </m:sSub>
+                          <m:d>
+                            <m:dPr>
+                              <m:ctrlPr>
+                                <a:rPr lang="en-GB" b="0" i="1" smtClean="0">
+                                  <a:latin typeface="Cambria Math" panose="02040503050406030204" pitchFamily="18" charset="0"/>
+                                </a:rPr>
+                              </m:ctrlPr>
+                            </m:dPr>
+                            <m:e>
+                              <m:r>
+                                <a:rPr lang="en-GB" b="0" i="1" smtClean="0">
+                                  <a:latin typeface="Cambria Math" panose="02040503050406030204" pitchFamily="18" charset="0"/>
+                                </a:rPr>
+                                <m:t>𝑣</m:t>
+                              </m:r>
+                              <m:r>
+                                <a:rPr lang="en-GB" b="0" i="1" smtClean="0">
+                                  <a:latin typeface="Cambria Math" panose="02040503050406030204" pitchFamily="18" charset="0"/>
+                                </a:rPr>
+                                <m:t>, </m:t>
+                              </m:r>
+                              <m:r>
+                                <a:rPr lang="en-GB" b="0" i="1" smtClean="0">
+                                  <a:latin typeface="Cambria Math" panose="02040503050406030204" pitchFamily="18" charset="0"/>
+                                </a:rPr>
+                                <m:t>𝑇</m:t>
+                              </m:r>
+                            </m:e>
+                          </m:d>
+                          <m:r>
+                            <a:rPr lang="en-GB" b="0" i="1" smtClean="0">
+                              <a:latin typeface="Cambria Math" panose="02040503050406030204" pitchFamily="18" charset="0"/>
+                            </a:rPr>
+                            <m:t>=</m:t>
+                          </m:r>
+                          <m:d>
+                            <m:dPr>
+                              <m:ctrlPr>
+                                <a:rPr lang="en-GB" b="0" i="1" smtClean="0">
+                                  <a:latin typeface="Cambria Math" panose="02040503050406030204" pitchFamily="18" charset="0"/>
+                                </a:rPr>
+                              </m:ctrlPr>
+                            </m:dPr>
+                            <m:e>
+                              <m:f>
+                                <m:fPr>
+                                  <m:ctrlPr>
+                                    <a:rPr lang="en-GB" b="0" i="1" smtClean="0">
+                                      <a:latin typeface="Cambria Math" panose="02040503050406030204" pitchFamily="18" charset="0"/>
+                                    </a:rPr>
+                                  </m:ctrlPr>
+                                </m:fPr>
+                                <m:num>
+                                  <m:sSup>
+                                    <m:sSupPr>
+                                      <m:ctrlPr>
+                                        <a:rPr lang="en-GB" b="0" i="1" smtClean="0">
+                                          <a:latin typeface="Cambria Math" panose="02040503050406030204" pitchFamily="18" charset="0"/>
+                                        </a:rPr>
+                                      </m:ctrlPr>
+                                    </m:sSupPr>
+                                    <m:e>
+                                      <m:r>
+                                        <a:rPr lang="en-GB" b="0" i="1" smtClean="0">
+                                          <a:latin typeface="Cambria Math" panose="02040503050406030204" pitchFamily="18" charset="0"/>
+                                        </a:rPr>
+                                        <m:t>𝜕</m:t>
+                                      </m:r>
+                                    </m:e>
+                                    <m:sup>
+                                      <m:r>
+                                        <a:rPr lang="en-GB" b="0" i="1" smtClean="0">
+                                          <a:latin typeface="Cambria Math" panose="02040503050406030204" pitchFamily="18" charset="0"/>
+                                        </a:rPr>
+                                        <m:t>2</m:t>
+                                      </m:r>
+                                    </m:sup>
+                                  </m:sSup>
+                                  <m:r>
+                                    <a:rPr lang="en-GB" b="0" i="1" smtClean="0">
+                                      <a:latin typeface="Cambria Math" panose="02040503050406030204" pitchFamily="18" charset="0"/>
+                                    </a:rPr>
+                                    <m:t>𝑝</m:t>
+                                  </m:r>
+                                  <m:d>
+                                    <m:dPr>
+                                      <m:ctrlPr>
+                                        <a:rPr lang="en-GB" b="0" i="1" smtClean="0">
+                                          <a:latin typeface="Cambria Math" panose="02040503050406030204" pitchFamily="18" charset="0"/>
+                                        </a:rPr>
+                                      </m:ctrlPr>
+                                    </m:dPr>
+                                    <m:e>
+                                      <m:r>
+                                        <a:rPr lang="en-GB" b="0" i="1" smtClean="0">
+                                          <a:latin typeface="Cambria Math" panose="02040503050406030204" pitchFamily="18" charset="0"/>
+                                        </a:rPr>
+                                        <m:t>𝑣</m:t>
+                                      </m:r>
+                                      <m:r>
+                                        <a:rPr lang="en-GB" b="0" i="1" smtClean="0">
+                                          <a:latin typeface="Cambria Math" panose="02040503050406030204" pitchFamily="18" charset="0"/>
+                                        </a:rPr>
+                                        <m:t>, </m:t>
+                                      </m:r>
+                                      <m:r>
+                                        <a:rPr lang="en-GB" b="0" i="1" smtClean="0">
+                                          <a:latin typeface="Cambria Math" panose="02040503050406030204" pitchFamily="18" charset="0"/>
+                                        </a:rPr>
+                                        <m:t>𝑇</m:t>
+                                      </m:r>
+                                    </m:e>
+                                  </m:d>
+                                </m:num>
+                                <m:den>
+                                  <m:r>
+                                    <a:rPr lang="en-GB" b="0" i="1" smtClean="0">
+                                      <a:latin typeface="Cambria Math" panose="02040503050406030204" pitchFamily="18" charset="0"/>
+                                    </a:rPr>
+                                    <m:t>𝜕</m:t>
+                                  </m:r>
+                                  <m:sSup>
+                                    <m:sSupPr>
+                                      <m:ctrlPr>
+                                        <a:rPr lang="en-GB" b="0" i="1" smtClean="0">
+                                          <a:latin typeface="Cambria Math" panose="02040503050406030204" pitchFamily="18" charset="0"/>
+                                        </a:rPr>
+                                      </m:ctrlPr>
+                                    </m:sSupPr>
+                                    <m:e>
+                                      <m:r>
+                                        <a:rPr lang="en-GB" b="0" i="1" smtClean="0">
+                                          <a:latin typeface="Cambria Math" panose="02040503050406030204" pitchFamily="18" charset="0"/>
+                                        </a:rPr>
+                                        <m:t>𝑣</m:t>
+                                      </m:r>
+                                    </m:e>
+                                    <m:sup>
+                                      <m:r>
+                                        <a:rPr lang="en-GB" b="0" i="1" smtClean="0">
+                                          <a:latin typeface="Cambria Math" panose="02040503050406030204" pitchFamily="18" charset="0"/>
+                                        </a:rPr>
+                                        <m:t>2</m:t>
+                                      </m:r>
+                                    </m:sup>
+                                  </m:sSup>
+                                </m:den>
+                              </m:f>
+                            </m:e>
+                          </m:d>
+                        </m:e>
+                        <m:sub>
+                          <m:r>
+                            <a:rPr lang="en-GB" b="0" i="1" smtClean="0">
+                              <a:latin typeface="Cambria Math" panose="02040503050406030204" pitchFamily="18" charset="0"/>
+                            </a:rPr>
+                            <m:t>𝑇</m:t>
+                          </m:r>
+                        </m:sub>
+                      </m:sSub>
+                      <m:r>
+                        <a:rPr lang="en-GB" b="0" i="1" smtClean="0">
+                          <a:latin typeface="Cambria Math" panose="02040503050406030204" pitchFamily="18" charset="0"/>
+                        </a:rPr>
+                        <m:t>=0</m:t>
+                      </m:r>
+                    </m:oMath>
+                    <m:oMath xmlns:m="http://schemas.openxmlformats.org/officeDocument/2006/math">
+                      <m:sSub>
+                        <m:sSubPr>
+                          <m:ctrlPr>
+                            <a:rPr lang="en-GB" b="0" i="1">
+                              <a:latin typeface="Cambria Math" panose="02040503050406030204" pitchFamily="18" charset="0"/>
+                            </a:rPr>
+                          </m:ctrlPr>
+                        </m:sSubPr>
+                        <m:e>
+                          <m:sSub>
+                            <m:sSubPr>
+                              <m:ctrlPr>
+                                <a:rPr lang="en-GB" b="0" i="1">
+                                  <a:latin typeface="Cambria Math" panose="02040503050406030204" pitchFamily="18" charset="0"/>
+                                </a:rPr>
+                              </m:ctrlPr>
+                            </m:sSubPr>
+                            <m:e>
+                              <m:r>
+                                <a:rPr lang="en-GB" b="0" i="1">
+                                  <a:latin typeface="Cambria Math" panose="02040503050406030204" pitchFamily="18" charset="0"/>
+                                </a:rPr>
+                                <m:t>𝐹</m:t>
+                              </m:r>
+                            </m:e>
+                            <m:sub>
+                              <m:r>
+                                <a:rPr lang="en-GB" b="0" i="1" smtClean="0">
+                                  <a:latin typeface="Cambria Math" panose="02040503050406030204" pitchFamily="18" charset="0"/>
+                                </a:rPr>
+                                <m:t>3</m:t>
+                              </m:r>
+                            </m:sub>
+                          </m:sSub>
+                          <m:d>
+                            <m:dPr>
+                              <m:ctrlPr>
+                                <a:rPr lang="en-GB" b="0" i="1">
+                                  <a:latin typeface="Cambria Math" panose="02040503050406030204" pitchFamily="18" charset="0"/>
+                                </a:rPr>
+                              </m:ctrlPr>
+                            </m:dPr>
+                            <m:e>
+                              <m:r>
+                                <a:rPr lang="en-GB" b="0" i="1">
+                                  <a:latin typeface="Cambria Math" panose="02040503050406030204" pitchFamily="18" charset="0"/>
+                                </a:rPr>
+                                <m:t>𝑣</m:t>
+                              </m:r>
+                              <m:r>
+                                <a:rPr lang="en-GB" b="0" i="1">
+                                  <a:latin typeface="Cambria Math" panose="02040503050406030204" pitchFamily="18" charset="0"/>
+                                </a:rPr>
+                                <m:t>, </m:t>
+                              </m:r>
+                              <m:r>
+                                <a:rPr lang="en-GB" b="0" i="1">
+                                  <a:latin typeface="Cambria Math" panose="02040503050406030204" pitchFamily="18" charset="0"/>
+                                </a:rPr>
+                                <m:t>𝑇</m:t>
+                              </m:r>
+                            </m:e>
+                          </m:d>
+                          <m:r>
+                            <a:rPr lang="en-GB" b="0" i="1">
+                              <a:latin typeface="Cambria Math" panose="02040503050406030204" pitchFamily="18" charset="0"/>
+                            </a:rPr>
+                            <m:t>=</m:t>
+                          </m:r>
+                          <m:d>
+                            <m:dPr>
+                              <m:ctrlPr>
+                                <a:rPr lang="en-GB" b="0" i="1">
+                                  <a:latin typeface="Cambria Math" panose="02040503050406030204" pitchFamily="18" charset="0"/>
+                                </a:rPr>
+                              </m:ctrlPr>
+                            </m:dPr>
+                            <m:e>
+                              <m:f>
+                                <m:fPr>
+                                  <m:ctrlPr>
+                                    <a:rPr lang="en-GB" b="0" i="1">
+                                      <a:latin typeface="Cambria Math" panose="02040503050406030204" pitchFamily="18" charset="0"/>
+                                    </a:rPr>
+                                  </m:ctrlPr>
+                                </m:fPr>
+                                <m:num>
+                                  <m:sSup>
+                                    <m:sSupPr>
+                                      <m:ctrlPr>
+                                        <a:rPr lang="en-GB" b="0" i="1">
+                                          <a:latin typeface="Cambria Math" panose="02040503050406030204" pitchFamily="18" charset="0"/>
+                                        </a:rPr>
+                                      </m:ctrlPr>
+                                    </m:sSupPr>
+                                    <m:e>
+                                      <m:r>
+                                        <a:rPr lang="en-GB" b="0" i="1">
+                                          <a:latin typeface="Cambria Math" panose="02040503050406030204" pitchFamily="18" charset="0"/>
+                                        </a:rPr>
+                                        <m:t>𝜕</m:t>
+                                      </m:r>
+                                    </m:e>
+                                    <m:sup>
+                                      <m:r>
+                                        <a:rPr lang="en-GB" b="0" i="1" smtClean="0">
+                                          <a:latin typeface="Cambria Math" panose="02040503050406030204" pitchFamily="18" charset="0"/>
+                                        </a:rPr>
+                                        <m:t>3</m:t>
+                                      </m:r>
+                                    </m:sup>
+                                  </m:sSup>
+                                  <m:r>
+                                    <a:rPr lang="en-GB" b="0" i="1">
+                                      <a:latin typeface="Cambria Math" panose="02040503050406030204" pitchFamily="18" charset="0"/>
+                                    </a:rPr>
+                                    <m:t>𝑝</m:t>
+                                  </m:r>
+                                  <m:d>
+                                    <m:dPr>
+                                      <m:ctrlPr>
+                                        <a:rPr lang="en-GB" b="0" i="1">
+                                          <a:latin typeface="Cambria Math" panose="02040503050406030204" pitchFamily="18" charset="0"/>
+                                        </a:rPr>
+                                      </m:ctrlPr>
+                                    </m:dPr>
+                                    <m:e>
+                                      <m:r>
+                                        <a:rPr lang="en-GB" b="0" i="1">
+                                          <a:latin typeface="Cambria Math" panose="02040503050406030204" pitchFamily="18" charset="0"/>
+                                        </a:rPr>
+                                        <m:t>𝑣</m:t>
+                                      </m:r>
+                                      <m:r>
+                                        <a:rPr lang="en-GB" b="0" i="1">
+                                          <a:latin typeface="Cambria Math" panose="02040503050406030204" pitchFamily="18" charset="0"/>
+                                        </a:rPr>
+                                        <m:t>, </m:t>
+                                      </m:r>
+                                      <m:r>
+                                        <a:rPr lang="en-GB" b="0" i="1">
+                                          <a:latin typeface="Cambria Math" panose="02040503050406030204" pitchFamily="18" charset="0"/>
+                                        </a:rPr>
+                                        <m:t>𝑇</m:t>
+                                      </m:r>
+                                    </m:e>
+                                  </m:d>
+                                </m:num>
+                                <m:den>
+                                  <m:r>
+                                    <a:rPr lang="en-GB" b="0" i="1">
+                                      <a:latin typeface="Cambria Math" panose="02040503050406030204" pitchFamily="18" charset="0"/>
+                                    </a:rPr>
+                                    <m:t>𝜕</m:t>
+                                  </m:r>
+                                  <m:sSup>
+                                    <m:sSupPr>
+                                      <m:ctrlPr>
+                                        <a:rPr lang="en-GB" b="0" i="1">
+                                          <a:latin typeface="Cambria Math" panose="02040503050406030204" pitchFamily="18" charset="0"/>
+                                        </a:rPr>
+                                      </m:ctrlPr>
+                                    </m:sSupPr>
+                                    <m:e>
+                                      <m:r>
+                                        <a:rPr lang="en-GB" b="0" i="1">
+                                          <a:latin typeface="Cambria Math" panose="02040503050406030204" pitchFamily="18" charset="0"/>
+                                        </a:rPr>
+                                        <m:t>𝑣</m:t>
+                                      </m:r>
+                                    </m:e>
+                                    <m:sup>
+                                      <m:r>
+                                        <a:rPr lang="en-GB" b="0" i="1" smtClean="0">
+                                          <a:latin typeface="Cambria Math" panose="02040503050406030204" pitchFamily="18" charset="0"/>
+                                        </a:rPr>
+                                        <m:t>3</m:t>
+                                      </m:r>
+                                    </m:sup>
+                                  </m:sSup>
+                                </m:den>
+                              </m:f>
+                            </m:e>
+                          </m:d>
+                        </m:e>
+                        <m:sub>
+                          <m:r>
+                            <a:rPr lang="en-GB" b="0" i="1">
+                              <a:latin typeface="Cambria Math" panose="02040503050406030204" pitchFamily="18" charset="0"/>
+                            </a:rPr>
+                            <m:t>𝑇</m:t>
+                          </m:r>
+                        </m:sub>
+                      </m:sSub>
+                      <m:r>
+                        <a:rPr lang="en-GB" b="0" i="1" smtClean="0">
+                          <a:latin typeface="Cambria Math" panose="02040503050406030204" pitchFamily="18" charset="0"/>
+                        </a:rPr>
+                        <m:t>&lt;</m:t>
+                      </m:r>
+                      <m:r>
+                        <a:rPr lang="en-GB" b="0" i="1">
+                          <a:latin typeface="Cambria Math" panose="02040503050406030204" pitchFamily="18" charset="0"/>
+                        </a:rPr>
+                        <m:t>0</m:t>
+                      </m:r>
+                    </m:oMath>
+                  </m:oMathPara>
+                </a14:m>
+                <a:endParaRPr lang="en-GB" b="0" dirty="0"/>
+              </a:p>
+              <a:p>
+                <a:pPr marL="0" indent="0">
+                  <a:buNone/>
+                </a:pPr>
+                <a:endParaRPr lang="en-GB" b="0" dirty="0"/>
+              </a:p>
+              <a:p>
+                <a:r>
+                  <a:rPr lang="en-GB" b="0" dirty="0">
+                    <a:ea typeface="Cambria Math" panose="02040503050406030204" pitchFamily="18" charset="0"/>
+                  </a:rPr>
+                  <a:t>We iterate using two variables (the specific volumes of each phase), so “complete” our root-finding problem with </a:t>
+                </a:r>
+                <a14:m>
+                  <m:oMath xmlns:m="http://schemas.openxmlformats.org/officeDocument/2006/math">
+                    <m:sSub>
+                      <m:sSubPr>
+                        <m:ctrlPr>
+                          <a:rPr lang="en-GB" b="0" i="1" smtClean="0">
+                            <a:latin typeface="Cambria Math" panose="02040503050406030204" pitchFamily="18" charset="0"/>
+                            <a:ea typeface="Cambria Math" panose="02040503050406030204" pitchFamily="18" charset="0"/>
+                          </a:rPr>
+                        </m:ctrlPr>
+                      </m:sSubPr>
+                      <m:e>
+                        <m:r>
+                          <a:rPr lang="en-GB" b="0" i="1" smtClean="0">
+                            <a:latin typeface="Cambria Math" panose="02040503050406030204" pitchFamily="18" charset="0"/>
+                            <a:ea typeface="Cambria Math" panose="02040503050406030204" pitchFamily="18" charset="0"/>
+                          </a:rPr>
+                          <m:t>𝐹</m:t>
+                        </m:r>
+                      </m:e>
+                      <m:sub>
+                        <m:r>
+                          <a:rPr lang="en-GB" b="0" i="1" smtClean="0">
+                            <a:latin typeface="Cambria Math" panose="02040503050406030204" pitchFamily="18" charset="0"/>
+                            <a:ea typeface="Cambria Math" panose="02040503050406030204" pitchFamily="18" charset="0"/>
+                          </a:rPr>
+                          <m:t>1</m:t>
+                        </m:r>
+                      </m:sub>
+                    </m:sSub>
+                  </m:oMath>
+                </a14:m>
+                <a:r>
+                  <a:rPr lang="en-GB" b="0" dirty="0">
+                    <a:ea typeface="Cambria Math" panose="02040503050406030204" pitchFamily="18" charset="0"/>
+                  </a:rPr>
+                  <a:t> and </a:t>
+                </a:r>
+                <a14:m>
+                  <m:oMath xmlns:m="http://schemas.openxmlformats.org/officeDocument/2006/math">
+                    <m:sSub>
+                      <m:sSubPr>
+                        <m:ctrlPr>
+                          <a:rPr lang="en-GB" b="0" i="1" smtClean="0">
+                            <a:latin typeface="Cambria Math" panose="02040503050406030204" pitchFamily="18" charset="0"/>
+                            <a:ea typeface="Cambria Math" panose="02040503050406030204" pitchFamily="18" charset="0"/>
+                          </a:rPr>
+                        </m:ctrlPr>
+                      </m:sSubPr>
+                      <m:e>
+                        <m:r>
+                          <a:rPr lang="en-GB" b="0" i="1" smtClean="0">
+                            <a:latin typeface="Cambria Math" panose="02040503050406030204" pitchFamily="18" charset="0"/>
+                            <a:ea typeface="Cambria Math" panose="02040503050406030204" pitchFamily="18" charset="0"/>
+                          </a:rPr>
+                          <m:t>𝐹</m:t>
+                        </m:r>
+                      </m:e>
+                      <m:sub>
+                        <m:r>
+                          <a:rPr lang="en-GB" b="0" i="1" smtClean="0">
+                            <a:latin typeface="Cambria Math" panose="02040503050406030204" pitchFamily="18" charset="0"/>
+                            <a:ea typeface="Cambria Math" panose="02040503050406030204" pitchFamily="18" charset="0"/>
+                          </a:rPr>
+                          <m:t>2</m:t>
+                        </m:r>
+                      </m:sub>
+                    </m:sSub>
+                  </m:oMath>
+                </a14:m>
+                <a:endParaRPr lang="en-GB" b="0" dirty="0">
+                  <a:ea typeface="Cambria Math" panose="02040503050406030204" pitchFamily="18" charset="0"/>
+                </a:endParaRPr>
+              </a:p>
+            </p:txBody>
+          </p:sp>
+        </mc:Choice>
+        <mc:Fallback>
+          <p:sp>
+            <p:nvSpPr>
+              <p:cNvPr id="3" name="Content Placeholder 2">
+                <a:extLst>
+                  <a:ext uri="{FF2B5EF4-FFF2-40B4-BE49-F238E27FC236}">
+                    <a16:creationId xmlns:a16="http://schemas.microsoft.com/office/drawing/2014/main" id="{3AFDDCBE-FD6B-2C4D-6D14-D3889DA57A35}"/>
+                  </a:ext>
+                </a:extLst>
+              </p:cNvPr>
+              <p:cNvSpPr>
+                <a:spLocks noGrp="1" noRot="1" noChangeAspect="1" noMove="1" noResize="1" noEditPoints="1" noAdjustHandles="1" noChangeArrowheads="1" noChangeShapeType="1" noTextEdit="1"/>
+              </p:cNvSpPr>
+              <p:nvPr>
+                <p:ph idx="1"/>
+              </p:nvPr>
+            </p:nvSpPr>
+            <p:spPr>
+              <a:blipFill>
+                <a:blip r:embed="rId2"/>
+                <a:stretch>
+                  <a:fillRect l="-1086" b="-253"/>
+                </a:stretch>
+              </a:blipFill>
+            </p:spPr>
+            <p:txBody>
+              <a:bodyPr/>
+              <a:lstStyle/>
+              <a:p>
+                <a:r>
+                  <a:rPr lang="en-GB">
+                    <a:noFill/>
+                  </a:rPr>
+                  <a:t> </a:t>
+                </a:r>
+              </a:p>
+            </p:txBody>
+          </p:sp>
+        </mc:Fallback>
+      </mc:AlternateContent>
+      <p:sp>
+        <p:nvSpPr>
+          <p:cNvPr id="4" name="Footer Placeholder 3">
+            <a:extLst>
+              <a:ext uri="{FF2B5EF4-FFF2-40B4-BE49-F238E27FC236}">
+                <a16:creationId xmlns:a16="http://schemas.microsoft.com/office/drawing/2014/main" id="{F4A777C7-1941-150D-83A2-38D9036CDB6C}"/>
+              </a:ext>
+            </a:extLst>
+          </p:cNvPr>
+          <p:cNvSpPr>
+            <a:spLocks noGrp="1"/>
+          </p:cNvSpPr>
+          <p:nvPr>
+            <p:ph type="ftr" sz="quarter" idx="3"/>
+          </p:nvPr>
+        </p:nvSpPr>
+        <p:spPr/>
+        <p:txBody>
+          <a:bodyPr/>
+          <a:lstStyle/>
+          <a:p>
+            <a:r>
+              <a:rPr lang="en-GB"/>
+              <a:t>© Imperial College London</a:t>
+            </a:r>
+            <a:endParaRPr lang="en-US" dirty="0"/>
+          </a:p>
+        </p:txBody>
+      </p:sp>
+      <p:sp>
+        <p:nvSpPr>
+          <p:cNvPr id="5" name="Slide Number Placeholder 4">
+            <a:extLst>
+              <a:ext uri="{FF2B5EF4-FFF2-40B4-BE49-F238E27FC236}">
+                <a16:creationId xmlns:a16="http://schemas.microsoft.com/office/drawing/2014/main" id="{B0662415-1704-3E98-C5E2-E5C58C121A47}"/>
+              </a:ext>
+            </a:extLst>
+          </p:cNvPr>
+          <p:cNvSpPr>
+            <a:spLocks noGrp="1"/>
+          </p:cNvSpPr>
+          <p:nvPr>
+            <p:ph type="sldNum" sz="quarter" idx="4"/>
+          </p:nvPr>
+        </p:nvSpPr>
+        <p:spPr/>
+        <p:txBody>
+          <a:bodyPr/>
+          <a:lstStyle/>
+          <a:p>
+            <a:pPr algn="ctr"/>
+            <a:r>
+              <a:rPr lang="en-US"/>
+              <a:t>Slide </a:t>
+            </a:r>
+            <a:fld id="{3C70A08B-371D-5A4D-978C-9F5470823ED6}" type="slidenum">
+              <a:rPr lang="en-US" smtClean="0"/>
+              <a:pPr algn="ctr"/>
+              <a:t>19</a:t>
+            </a:fld>
+            <a:endParaRPr lang="en-US" dirty="0"/>
+          </a:p>
+        </p:txBody>
+      </p:sp>
+    </p:spTree>
+    <p:extLst>
+      <p:ext uri="{BB962C8B-B14F-4D97-AF65-F5344CB8AC3E}">
+        <p14:creationId xmlns:p14="http://schemas.microsoft.com/office/powerpoint/2010/main" val="356637696"/>
       </p:ext>
     </p:extLst>
   </p:cSld>
@@ -7361,8 +9410,8 @@
           </a:p>
         </p:txBody>
       </p:sp>
-      <mc:AlternateContent xmlns:mc="http://schemas.openxmlformats.org/markup-compatibility/2006" xmlns:a14="http://schemas.microsoft.com/office/drawing/2010/main">
-        <mc:Choice Requires="a14">
+      <mc:AlternateContent xmlns:mc="http://schemas.openxmlformats.org/markup-compatibility/2006">
+        <mc:Choice xmlns:a14="http://schemas.microsoft.com/office/drawing/2010/main" Requires="a14">
           <p:sp>
             <p:nvSpPr>
               <p:cNvPr id="3" name="Content Placeholder 2">
@@ -7383,12 +9432,6 @@
             <p:txBody>
               <a:bodyPr/>
               <a:lstStyle/>
-              <a:p>
-                <a:r>
-                  <a:rPr lang="en-GB" b="0" dirty="0"/>
-                  <a:t>It is common to assume </a:t>
-                </a:r>
-              </a:p>
               <a:p>
                 <a:r>
                   <a:rPr lang="en-GB" b="0" dirty="0"/>
@@ -7444,7 +9487,7 @@
             </p:txBody>
           </p:sp>
         </mc:Choice>
-        <mc:Fallback xmlns="">
+        <mc:Fallback>
           <p:sp>
             <p:nvSpPr>
               <p:cNvPr id="3" name="Content Placeholder 2">
@@ -7561,6 +9604,935 @@
 </p:sld>
 </file>
 
+<file path=ppt/slides/slide20.xml><?xml version="1.0" encoding="utf-8"?>
+<p:sld xmlns:a="http://schemas.openxmlformats.org/drawingml/2006/main" xmlns:r="http://schemas.openxmlformats.org/officeDocument/2006/relationships" xmlns:p="http://schemas.openxmlformats.org/presentationml/2006/main">
+  <p:cSld>
+    <p:spTree>
+      <p:nvGrpSpPr>
+        <p:cNvPr id="1" name=""/>
+        <p:cNvGrpSpPr/>
+        <p:nvPr/>
+      </p:nvGrpSpPr>
+      <p:grpSpPr>
+        <a:xfrm>
+          <a:off x="0" y="0"/>
+          <a:ext cx="0" cy="0"/>
+          <a:chOff x="0" y="0"/>
+          <a:chExt cx="0" cy="0"/>
+        </a:xfrm>
+      </p:grpSpPr>
+      <p:sp>
+        <p:nvSpPr>
+          <p:cNvPr id="2" name="Title 1">
+            <a:extLst>
+              <a:ext uri="{FF2B5EF4-FFF2-40B4-BE49-F238E27FC236}">
+                <a16:creationId xmlns:a16="http://schemas.microsoft.com/office/drawing/2014/main" id="{8A4CB961-F91F-1033-0AE0-BF33EFD71AF6}"/>
+              </a:ext>
+            </a:extLst>
+          </p:cNvPr>
+          <p:cNvSpPr>
+            <a:spLocks noGrp="1"/>
+          </p:cNvSpPr>
+          <p:nvPr>
+            <p:ph type="title"/>
+          </p:nvPr>
+        </p:nvSpPr>
+        <p:spPr/>
+        <p:txBody>
+          <a:bodyPr/>
+          <a:lstStyle/>
+          <a:p>
+            <a:r>
+              <a:rPr lang="en-GB" dirty="0"/>
+              <a:t>Critical point solver</a:t>
+            </a:r>
+          </a:p>
+        </p:txBody>
+      </p:sp>
+      <mc:AlternateContent xmlns:mc="http://schemas.openxmlformats.org/markup-compatibility/2006">
+        <mc:Choice xmlns:a14="http://schemas.microsoft.com/office/drawing/2010/main" Requires="a14">
+          <p:sp>
+            <p:nvSpPr>
+              <p:cNvPr id="3" name="Content Placeholder 2">
+                <a:extLst>
+                  <a:ext uri="{FF2B5EF4-FFF2-40B4-BE49-F238E27FC236}">
+                    <a16:creationId xmlns:a16="http://schemas.microsoft.com/office/drawing/2014/main" id="{3AFDDCBE-FD6B-2C4D-6D14-D3889DA57A35}"/>
+                  </a:ext>
+                </a:extLst>
+              </p:cNvPr>
+              <p:cNvSpPr>
+                <a:spLocks noGrp="1"/>
+              </p:cNvSpPr>
+              <p:nvPr>
+                <p:ph idx="1"/>
+              </p:nvPr>
+            </p:nvSpPr>
+            <p:spPr/>
+            <p:txBody>
+              <a:bodyPr>
+                <a:normAutofit/>
+              </a:bodyPr>
+              <a:lstStyle/>
+              <a:p>
+                <a:pPr marL="0" indent="0">
+                  <a:buNone/>
+                </a:pPr>
+                <a14:m>
+                  <m:oMathPara xmlns:m="http://schemas.openxmlformats.org/officeDocument/2006/math">
+                    <m:oMathParaPr>
+                      <m:jc m:val="centerGroup"/>
+                    </m:oMathParaPr>
+                    <m:oMath xmlns:m="http://schemas.openxmlformats.org/officeDocument/2006/math">
+                      <m:sSub>
+                        <m:sSubPr>
+                          <m:ctrlPr>
+                            <a:rPr lang="en-GB" b="0" i="1" smtClean="0">
+                              <a:latin typeface="Cambria Math" panose="02040503050406030204" pitchFamily="18" charset="0"/>
+                            </a:rPr>
+                          </m:ctrlPr>
+                        </m:sSubPr>
+                        <m:e>
+                          <m:r>
+                            <a:rPr lang="en-GB" b="0" i="1">
+                              <a:latin typeface="Cambria Math" panose="02040503050406030204" pitchFamily="18" charset="0"/>
+                            </a:rPr>
+                            <m:t>𝐹</m:t>
+                          </m:r>
+                        </m:e>
+                        <m:sub>
+                          <m:r>
+                            <a:rPr lang="en-GB" b="0" i="1" smtClean="0">
+                              <a:latin typeface="Cambria Math" panose="02040503050406030204" pitchFamily="18" charset="0"/>
+                            </a:rPr>
+                            <m:t>1</m:t>
+                          </m:r>
+                        </m:sub>
+                      </m:sSub>
+                      <m:d>
+                        <m:dPr>
+                          <m:ctrlPr>
+                            <a:rPr lang="en-GB" b="0" i="1" smtClean="0">
+                              <a:latin typeface="Cambria Math" panose="02040503050406030204" pitchFamily="18" charset="0"/>
+                            </a:rPr>
+                          </m:ctrlPr>
+                        </m:dPr>
+                        <m:e>
+                          <m:r>
+                            <a:rPr lang="en-GB" b="0" i="1" smtClean="0">
+                              <a:latin typeface="Cambria Math" panose="02040503050406030204" pitchFamily="18" charset="0"/>
+                            </a:rPr>
+                            <m:t>𝑣</m:t>
+                          </m:r>
+                          <m:r>
+                            <a:rPr lang="en-GB" b="0" i="1" smtClean="0">
+                              <a:latin typeface="Cambria Math" panose="02040503050406030204" pitchFamily="18" charset="0"/>
+                            </a:rPr>
+                            <m:t>, </m:t>
+                          </m:r>
+                          <m:r>
+                            <a:rPr lang="en-GB" b="0" i="1" smtClean="0">
+                              <a:latin typeface="Cambria Math" panose="02040503050406030204" pitchFamily="18" charset="0"/>
+                            </a:rPr>
+                            <m:t>𝑇</m:t>
+                          </m:r>
+                        </m:e>
+                      </m:d>
+                      <m:r>
+                        <a:rPr lang="en-GB" b="0" i="0" smtClean="0">
+                          <a:latin typeface="Cambria Math" panose="02040503050406030204" pitchFamily="18" charset="0"/>
+                        </a:rPr>
+                        <m:t>=</m:t>
+                      </m:r>
+                      <m:sSub>
+                        <m:sSubPr>
+                          <m:ctrlPr>
+                            <a:rPr lang="en-GB" b="0" i="1" smtClean="0">
+                              <a:latin typeface="Cambria Math" panose="02040503050406030204" pitchFamily="18" charset="0"/>
+                            </a:rPr>
+                          </m:ctrlPr>
+                        </m:sSubPr>
+                        <m:e>
+                          <m:d>
+                            <m:dPr>
+                              <m:ctrlPr>
+                                <a:rPr lang="en-GB" b="0" i="1" smtClean="0">
+                                  <a:latin typeface="Cambria Math" panose="02040503050406030204" pitchFamily="18" charset="0"/>
+                                </a:rPr>
+                              </m:ctrlPr>
+                            </m:dPr>
+                            <m:e>
+                              <m:f>
+                                <m:fPr>
+                                  <m:ctrlPr>
+                                    <a:rPr lang="en-GB" b="0" i="1" smtClean="0">
+                                      <a:latin typeface="Cambria Math" panose="02040503050406030204" pitchFamily="18" charset="0"/>
+                                    </a:rPr>
+                                  </m:ctrlPr>
+                                </m:fPr>
+                                <m:num>
+                                  <m:r>
+                                    <a:rPr lang="en-GB" b="0" i="1" smtClean="0">
+                                      <a:latin typeface="Cambria Math" panose="02040503050406030204" pitchFamily="18" charset="0"/>
+                                    </a:rPr>
+                                    <m:t>𝜕</m:t>
+                                  </m:r>
+                                  <m:r>
+                                    <a:rPr lang="en-GB" b="0" i="1" smtClean="0">
+                                      <a:latin typeface="Cambria Math" panose="02040503050406030204" pitchFamily="18" charset="0"/>
+                                    </a:rPr>
+                                    <m:t>𝑝</m:t>
+                                  </m:r>
+                                  <m:d>
+                                    <m:dPr>
+                                      <m:ctrlPr>
+                                        <a:rPr lang="en-GB" b="0" i="1" smtClean="0">
+                                          <a:latin typeface="Cambria Math" panose="02040503050406030204" pitchFamily="18" charset="0"/>
+                                        </a:rPr>
+                                      </m:ctrlPr>
+                                    </m:dPr>
+                                    <m:e>
+                                      <m:r>
+                                        <a:rPr lang="en-GB" b="0" i="1" smtClean="0">
+                                          <a:latin typeface="Cambria Math" panose="02040503050406030204" pitchFamily="18" charset="0"/>
+                                        </a:rPr>
+                                        <m:t>𝑣</m:t>
+                                      </m:r>
+                                      <m:r>
+                                        <a:rPr lang="en-GB" b="0" i="1" smtClean="0">
+                                          <a:latin typeface="Cambria Math" panose="02040503050406030204" pitchFamily="18" charset="0"/>
+                                        </a:rPr>
+                                        <m:t>, </m:t>
+                                      </m:r>
+                                      <m:r>
+                                        <a:rPr lang="en-GB" b="0" i="1" smtClean="0">
+                                          <a:latin typeface="Cambria Math" panose="02040503050406030204" pitchFamily="18" charset="0"/>
+                                        </a:rPr>
+                                        <m:t>𝑇</m:t>
+                                      </m:r>
+                                    </m:e>
+                                  </m:d>
+                                </m:num>
+                                <m:den>
+                                  <m:r>
+                                    <a:rPr lang="en-GB" b="0" i="1" smtClean="0">
+                                      <a:latin typeface="Cambria Math" panose="02040503050406030204" pitchFamily="18" charset="0"/>
+                                    </a:rPr>
+                                    <m:t>𝜕</m:t>
+                                  </m:r>
+                                  <m:r>
+                                    <a:rPr lang="en-GB" b="0" i="1" smtClean="0">
+                                      <a:latin typeface="Cambria Math" panose="02040503050406030204" pitchFamily="18" charset="0"/>
+                                    </a:rPr>
+                                    <m:t>𝑣</m:t>
+                                  </m:r>
+                                </m:den>
+                              </m:f>
+                            </m:e>
+                          </m:d>
+                        </m:e>
+                        <m:sub>
+                          <m:r>
+                            <a:rPr lang="en-GB" b="0" i="1" smtClean="0">
+                              <a:latin typeface="Cambria Math" panose="02040503050406030204" pitchFamily="18" charset="0"/>
+                            </a:rPr>
+                            <m:t>𝑇</m:t>
+                          </m:r>
+                        </m:sub>
+                      </m:sSub>
+                      <m:r>
+                        <a:rPr lang="en-GB" b="0" i="1" smtClean="0">
+                          <a:latin typeface="Cambria Math" panose="02040503050406030204" pitchFamily="18" charset="0"/>
+                        </a:rPr>
+                        <m:t>=0</m:t>
+                      </m:r>
+                    </m:oMath>
+                    <m:oMath xmlns:m="http://schemas.openxmlformats.org/officeDocument/2006/math">
+                      <m:sSub>
+                        <m:sSubPr>
+                          <m:ctrlPr>
+                            <a:rPr lang="en-GB" b="0" i="1" smtClean="0">
+                              <a:latin typeface="Cambria Math" panose="02040503050406030204" pitchFamily="18" charset="0"/>
+                            </a:rPr>
+                          </m:ctrlPr>
+                        </m:sSubPr>
+                        <m:e>
+                          <m:sSub>
+                            <m:sSubPr>
+                              <m:ctrlPr>
+                                <a:rPr lang="en-GB" b="0" i="1" smtClean="0">
+                                  <a:latin typeface="Cambria Math" panose="02040503050406030204" pitchFamily="18" charset="0"/>
+                                </a:rPr>
+                              </m:ctrlPr>
+                            </m:sSubPr>
+                            <m:e>
+                              <m:r>
+                                <a:rPr lang="en-GB" b="0" i="1" smtClean="0">
+                                  <a:latin typeface="Cambria Math" panose="02040503050406030204" pitchFamily="18" charset="0"/>
+                                </a:rPr>
+                                <m:t>𝐹</m:t>
+                              </m:r>
+                            </m:e>
+                            <m:sub>
+                              <m:r>
+                                <a:rPr lang="en-GB" b="0" i="1" smtClean="0">
+                                  <a:latin typeface="Cambria Math" panose="02040503050406030204" pitchFamily="18" charset="0"/>
+                                </a:rPr>
+                                <m:t>2</m:t>
+                              </m:r>
+                            </m:sub>
+                          </m:sSub>
+                          <m:d>
+                            <m:dPr>
+                              <m:ctrlPr>
+                                <a:rPr lang="en-GB" b="0" i="1" smtClean="0">
+                                  <a:latin typeface="Cambria Math" panose="02040503050406030204" pitchFamily="18" charset="0"/>
+                                </a:rPr>
+                              </m:ctrlPr>
+                            </m:dPr>
+                            <m:e>
+                              <m:r>
+                                <a:rPr lang="en-GB" b="0" i="1" smtClean="0">
+                                  <a:latin typeface="Cambria Math" panose="02040503050406030204" pitchFamily="18" charset="0"/>
+                                </a:rPr>
+                                <m:t>𝑣</m:t>
+                              </m:r>
+                              <m:r>
+                                <a:rPr lang="en-GB" b="0" i="1" smtClean="0">
+                                  <a:latin typeface="Cambria Math" panose="02040503050406030204" pitchFamily="18" charset="0"/>
+                                </a:rPr>
+                                <m:t>, </m:t>
+                              </m:r>
+                              <m:r>
+                                <a:rPr lang="en-GB" b="0" i="1" smtClean="0">
+                                  <a:latin typeface="Cambria Math" panose="02040503050406030204" pitchFamily="18" charset="0"/>
+                                </a:rPr>
+                                <m:t>𝑇</m:t>
+                              </m:r>
+                            </m:e>
+                          </m:d>
+                          <m:r>
+                            <a:rPr lang="en-GB" b="0" i="1" smtClean="0">
+                              <a:latin typeface="Cambria Math" panose="02040503050406030204" pitchFamily="18" charset="0"/>
+                            </a:rPr>
+                            <m:t>=</m:t>
+                          </m:r>
+                          <m:d>
+                            <m:dPr>
+                              <m:ctrlPr>
+                                <a:rPr lang="en-GB" b="0" i="1" smtClean="0">
+                                  <a:latin typeface="Cambria Math" panose="02040503050406030204" pitchFamily="18" charset="0"/>
+                                </a:rPr>
+                              </m:ctrlPr>
+                            </m:dPr>
+                            <m:e>
+                              <m:f>
+                                <m:fPr>
+                                  <m:ctrlPr>
+                                    <a:rPr lang="en-GB" b="0" i="1" smtClean="0">
+                                      <a:latin typeface="Cambria Math" panose="02040503050406030204" pitchFamily="18" charset="0"/>
+                                    </a:rPr>
+                                  </m:ctrlPr>
+                                </m:fPr>
+                                <m:num>
+                                  <m:sSup>
+                                    <m:sSupPr>
+                                      <m:ctrlPr>
+                                        <a:rPr lang="en-GB" b="0" i="1" smtClean="0">
+                                          <a:latin typeface="Cambria Math" panose="02040503050406030204" pitchFamily="18" charset="0"/>
+                                        </a:rPr>
+                                      </m:ctrlPr>
+                                    </m:sSupPr>
+                                    <m:e>
+                                      <m:r>
+                                        <a:rPr lang="en-GB" b="0" i="1" smtClean="0">
+                                          <a:latin typeface="Cambria Math" panose="02040503050406030204" pitchFamily="18" charset="0"/>
+                                        </a:rPr>
+                                        <m:t>𝜕</m:t>
+                                      </m:r>
+                                    </m:e>
+                                    <m:sup>
+                                      <m:r>
+                                        <a:rPr lang="en-GB" b="0" i="1" smtClean="0">
+                                          <a:latin typeface="Cambria Math" panose="02040503050406030204" pitchFamily="18" charset="0"/>
+                                        </a:rPr>
+                                        <m:t>2</m:t>
+                                      </m:r>
+                                    </m:sup>
+                                  </m:sSup>
+                                  <m:r>
+                                    <a:rPr lang="en-GB" b="0" i="1" smtClean="0">
+                                      <a:latin typeface="Cambria Math" panose="02040503050406030204" pitchFamily="18" charset="0"/>
+                                    </a:rPr>
+                                    <m:t>𝑝</m:t>
+                                  </m:r>
+                                  <m:d>
+                                    <m:dPr>
+                                      <m:ctrlPr>
+                                        <a:rPr lang="en-GB" b="0" i="1" smtClean="0">
+                                          <a:latin typeface="Cambria Math" panose="02040503050406030204" pitchFamily="18" charset="0"/>
+                                        </a:rPr>
+                                      </m:ctrlPr>
+                                    </m:dPr>
+                                    <m:e>
+                                      <m:r>
+                                        <a:rPr lang="en-GB" b="0" i="1" smtClean="0">
+                                          <a:latin typeface="Cambria Math" panose="02040503050406030204" pitchFamily="18" charset="0"/>
+                                        </a:rPr>
+                                        <m:t>𝑣</m:t>
+                                      </m:r>
+                                      <m:r>
+                                        <a:rPr lang="en-GB" b="0" i="1" smtClean="0">
+                                          <a:latin typeface="Cambria Math" panose="02040503050406030204" pitchFamily="18" charset="0"/>
+                                        </a:rPr>
+                                        <m:t>, </m:t>
+                                      </m:r>
+                                      <m:r>
+                                        <a:rPr lang="en-GB" b="0" i="1" smtClean="0">
+                                          <a:latin typeface="Cambria Math" panose="02040503050406030204" pitchFamily="18" charset="0"/>
+                                        </a:rPr>
+                                        <m:t>𝑇</m:t>
+                                      </m:r>
+                                    </m:e>
+                                  </m:d>
+                                </m:num>
+                                <m:den>
+                                  <m:r>
+                                    <a:rPr lang="en-GB" b="0" i="1" smtClean="0">
+                                      <a:latin typeface="Cambria Math" panose="02040503050406030204" pitchFamily="18" charset="0"/>
+                                    </a:rPr>
+                                    <m:t>𝜕</m:t>
+                                  </m:r>
+                                  <m:sSup>
+                                    <m:sSupPr>
+                                      <m:ctrlPr>
+                                        <a:rPr lang="en-GB" b="0" i="1" smtClean="0">
+                                          <a:latin typeface="Cambria Math" panose="02040503050406030204" pitchFamily="18" charset="0"/>
+                                        </a:rPr>
+                                      </m:ctrlPr>
+                                    </m:sSupPr>
+                                    <m:e>
+                                      <m:r>
+                                        <a:rPr lang="en-GB" b="0" i="1" smtClean="0">
+                                          <a:latin typeface="Cambria Math" panose="02040503050406030204" pitchFamily="18" charset="0"/>
+                                        </a:rPr>
+                                        <m:t>𝑣</m:t>
+                                      </m:r>
+                                    </m:e>
+                                    <m:sup>
+                                      <m:r>
+                                        <a:rPr lang="en-GB" b="0" i="1" smtClean="0">
+                                          <a:latin typeface="Cambria Math" panose="02040503050406030204" pitchFamily="18" charset="0"/>
+                                        </a:rPr>
+                                        <m:t>2</m:t>
+                                      </m:r>
+                                    </m:sup>
+                                  </m:sSup>
+                                </m:den>
+                              </m:f>
+                            </m:e>
+                          </m:d>
+                        </m:e>
+                        <m:sub>
+                          <m:r>
+                            <a:rPr lang="en-GB" b="0" i="1" smtClean="0">
+                              <a:latin typeface="Cambria Math" panose="02040503050406030204" pitchFamily="18" charset="0"/>
+                            </a:rPr>
+                            <m:t>𝑇</m:t>
+                          </m:r>
+                        </m:sub>
+                      </m:sSub>
+                      <m:r>
+                        <a:rPr lang="en-GB" b="0" i="1" smtClean="0">
+                          <a:latin typeface="Cambria Math" panose="02040503050406030204" pitchFamily="18" charset="0"/>
+                        </a:rPr>
+                        <m:t>=0</m:t>
+                      </m:r>
+                    </m:oMath>
+                  </m:oMathPara>
+                </a14:m>
+                <a:endParaRPr lang="en-GB" b="0" dirty="0"/>
+              </a:p>
+              <a:p>
+                <a:r>
+                  <a:rPr lang="en-GB" b="0" dirty="0"/>
+                  <a:t>This is a non-linear root-finding problem in </a:t>
+                </a:r>
+                <a14:m>
+                  <m:oMath xmlns:m="http://schemas.openxmlformats.org/officeDocument/2006/math">
+                    <m:sSup>
+                      <m:sSupPr>
+                        <m:ctrlPr>
+                          <a:rPr lang="en-GB" b="0" i="1" smtClean="0">
+                            <a:latin typeface="Cambria Math" panose="02040503050406030204" pitchFamily="18" charset="0"/>
+                            <a:ea typeface="Cambria Math" panose="02040503050406030204" pitchFamily="18" charset="0"/>
+                          </a:rPr>
+                        </m:ctrlPr>
+                      </m:sSupPr>
+                      <m:e>
+                        <m:r>
+                          <a:rPr lang="en-GB" b="0" i="1" smtClean="0">
+                            <a:latin typeface="Cambria Math" panose="02040503050406030204" pitchFamily="18" charset="0"/>
+                            <a:ea typeface="Cambria Math" panose="02040503050406030204" pitchFamily="18" charset="0"/>
+                          </a:rPr>
+                          <m:t>ℝ</m:t>
+                        </m:r>
+                      </m:e>
+                      <m:sup>
+                        <m:r>
+                          <a:rPr lang="en-GB" b="0" i="1" smtClean="0">
+                            <a:latin typeface="Cambria Math" panose="02040503050406030204" pitchFamily="18" charset="0"/>
+                            <a:ea typeface="Cambria Math" panose="02040503050406030204" pitchFamily="18" charset="0"/>
+                          </a:rPr>
+                          <m:t>2</m:t>
+                        </m:r>
+                      </m:sup>
+                    </m:sSup>
+                  </m:oMath>
+                </a14:m>
+                <a:endParaRPr lang="en-GB" b="0" dirty="0">
+                  <a:ea typeface="Cambria Math" panose="02040503050406030204" pitchFamily="18" charset="0"/>
+                </a:endParaRPr>
+              </a:p>
+              <a:p>
+                <a:r>
+                  <a:rPr lang="en-GB" b="0" dirty="0">
+                    <a:ea typeface="Cambria Math" panose="02040503050406030204" pitchFamily="18" charset="0"/>
+                  </a:rPr>
+                  <a:t>We can apply Newton’s method directly to this!</a:t>
+                </a:r>
+              </a:p>
+            </p:txBody>
+          </p:sp>
+        </mc:Choice>
+        <mc:Fallback>
+          <p:sp>
+            <p:nvSpPr>
+              <p:cNvPr id="3" name="Content Placeholder 2">
+                <a:extLst>
+                  <a:ext uri="{FF2B5EF4-FFF2-40B4-BE49-F238E27FC236}">
+                    <a16:creationId xmlns:a16="http://schemas.microsoft.com/office/drawing/2014/main" id="{3AFDDCBE-FD6B-2C4D-6D14-D3889DA57A35}"/>
+                  </a:ext>
+                </a:extLst>
+              </p:cNvPr>
+              <p:cNvSpPr>
+                <a:spLocks noGrp="1" noRot="1" noChangeAspect="1" noMove="1" noResize="1" noEditPoints="1" noAdjustHandles="1" noChangeArrowheads="1" noChangeShapeType="1" noTextEdit="1"/>
+              </p:cNvSpPr>
+              <p:nvPr>
+                <p:ph idx="1"/>
+              </p:nvPr>
+            </p:nvSpPr>
+            <p:spPr>
+              <a:blipFill>
+                <a:blip r:embed="rId3"/>
+                <a:stretch>
+                  <a:fillRect l="-1303"/>
+                </a:stretch>
+              </a:blipFill>
+            </p:spPr>
+            <p:txBody>
+              <a:bodyPr/>
+              <a:lstStyle/>
+              <a:p>
+                <a:r>
+                  <a:rPr lang="en-GB">
+                    <a:noFill/>
+                  </a:rPr>
+                  <a:t> </a:t>
+                </a:r>
+              </a:p>
+            </p:txBody>
+          </p:sp>
+        </mc:Fallback>
+      </mc:AlternateContent>
+      <p:sp>
+        <p:nvSpPr>
+          <p:cNvPr id="4" name="Footer Placeholder 3">
+            <a:extLst>
+              <a:ext uri="{FF2B5EF4-FFF2-40B4-BE49-F238E27FC236}">
+                <a16:creationId xmlns:a16="http://schemas.microsoft.com/office/drawing/2014/main" id="{F4A777C7-1941-150D-83A2-38D9036CDB6C}"/>
+              </a:ext>
+            </a:extLst>
+          </p:cNvPr>
+          <p:cNvSpPr>
+            <a:spLocks noGrp="1"/>
+          </p:cNvSpPr>
+          <p:nvPr>
+            <p:ph type="ftr" sz="quarter" idx="3"/>
+          </p:nvPr>
+        </p:nvSpPr>
+        <p:spPr/>
+        <p:txBody>
+          <a:bodyPr/>
+          <a:lstStyle/>
+          <a:p>
+            <a:r>
+              <a:rPr lang="en-GB"/>
+              <a:t>© Imperial College London</a:t>
+            </a:r>
+            <a:endParaRPr lang="en-US" dirty="0"/>
+          </a:p>
+        </p:txBody>
+      </p:sp>
+      <p:sp>
+        <p:nvSpPr>
+          <p:cNvPr id="5" name="Slide Number Placeholder 4">
+            <a:extLst>
+              <a:ext uri="{FF2B5EF4-FFF2-40B4-BE49-F238E27FC236}">
+                <a16:creationId xmlns:a16="http://schemas.microsoft.com/office/drawing/2014/main" id="{B0662415-1704-3E98-C5E2-E5C58C121A47}"/>
+              </a:ext>
+            </a:extLst>
+          </p:cNvPr>
+          <p:cNvSpPr>
+            <a:spLocks noGrp="1"/>
+          </p:cNvSpPr>
+          <p:nvPr>
+            <p:ph type="sldNum" sz="quarter" idx="4"/>
+          </p:nvPr>
+        </p:nvSpPr>
+        <p:spPr/>
+        <p:txBody>
+          <a:bodyPr/>
+          <a:lstStyle/>
+          <a:p>
+            <a:pPr algn="ctr"/>
+            <a:r>
+              <a:rPr lang="en-US"/>
+              <a:t>Slide </a:t>
+            </a:r>
+            <a:fld id="{3C70A08B-371D-5A4D-978C-9F5470823ED6}" type="slidenum">
+              <a:rPr lang="en-US" smtClean="0"/>
+              <a:pPr algn="ctr"/>
+              <a:t>20</a:t>
+            </a:fld>
+            <a:endParaRPr lang="en-US" dirty="0"/>
+          </a:p>
+        </p:txBody>
+      </p:sp>
+    </p:spTree>
+    <p:extLst>
+      <p:ext uri="{BB962C8B-B14F-4D97-AF65-F5344CB8AC3E}">
+        <p14:creationId xmlns:p14="http://schemas.microsoft.com/office/powerpoint/2010/main" val="1027450089"/>
+      </p:ext>
+    </p:extLst>
+  </p:cSld>
+  <p:clrMapOvr>
+    <a:masterClrMapping/>
+  </p:clrMapOvr>
+</p:sld>
+</file>
+
+<file path=ppt/slides/slide21.xml><?xml version="1.0" encoding="utf-8"?>
+<p:sld xmlns:a="http://schemas.openxmlformats.org/drawingml/2006/main" xmlns:r="http://schemas.openxmlformats.org/officeDocument/2006/relationships" xmlns:p="http://schemas.openxmlformats.org/presentationml/2006/main">
+  <p:cSld>
+    <p:spTree>
+      <p:nvGrpSpPr>
+        <p:cNvPr id="1" name=""/>
+        <p:cNvGrpSpPr/>
+        <p:nvPr/>
+      </p:nvGrpSpPr>
+      <p:grpSpPr>
+        <a:xfrm>
+          <a:off x="0" y="0"/>
+          <a:ext cx="0" cy="0"/>
+          <a:chOff x="0" y="0"/>
+          <a:chExt cx="0" cy="0"/>
+        </a:xfrm>
+      </p:grpSpPr>
+      <p:sp>
+        <p:nvSpPr>
+          <p:cNvPr id="2" name="Title 1">
+            <a:extLst>
+              <a:ext uri="{FF2B5EF4-FFF2-40B4-BE49-F238E27FC236}">
+                <a16:creationId xmlns:a16="http://schemas.microsoft.com/office/drawing/2014/main" id="{A41B125C-63F8-0D64-3684-CA08CA0DD8EB}"/>
+              </a:ext>
+            </a:extLst>
+          </p:cNvPr>
+          <p:cNvSpPr>
+            <a:spLocks noGrp="1"/>
+          </p:cNvSpPr>
+          <p:nvPr>
+            <p:ph type="title"/>
+          </p:nvPr>
+        </p:nvSpPr>
+        <p:spPr/>
+        <p:txBody>
+          <a:bodyPr/>
+          <a:lstStyle/>
+          <a:p>
+            <a:r>
+              <a:rPr lang="en-GB" dirty="0"/>
+              <a:t>Critical point solver</a:t>
+            </a:r>
+          </a:p>
+        </p:txBody>
+      </p:sp>
+      <p:sp>
+        <p:nvSpPr>
+          <p:cNvPr id="3" name="Content Placeholder 2">
+            <a:extLst>
+              <a:ext uri="{FF2B5EF4-FFF2-40B4-BE49-F238E27FC236}">
+                <a16:creationId xmlns:a16="http://schemas.microsoft.com/office/drawing/2014/main" id="{197FE185-55B8-8C39-0964-688CF4BB23A9}"/>
+              </a:ext>
+            </a:extLst>
+          </p:cNvPr>
+          <p:cNvSpPr>
+            <a:spLocks noGrp="1"/>
+          </p:cNvSpPr>
+          <p:nvPr>
+            <p:ph idx="1"/>
+          </p:nvPr>
+        </p:nvSpPr>
+        <p:spPr/>
+        <p:txBody>
+          <a:bodyPr/>
+          <a:lstStyle/>
+          <a:p>
+            <a:r>
+              <a:rPr lang="en-GB" dirty="0"/>
+              <a:t>Switch to notebook and show implementation</a:t>
+            </a:r>
+          </a:p>
+        </p:txBody>
+      </p:sp>
+      <p:sp>
+        <p:nvSpPr>
+          <p:cNvPr id="4" name="Footer Placeholder 3">
+            <a:extLst>
+              <a:ext uri="{FF2B5EF4-FFF2-40B4-BE49-F238E27FC236}">
+                <a16:creationId xmlns:a16="http://schemas.microsoft.com/office/drawing/2014/main" id="{C6ED70EB-F937-34E2-5DC9-3414783D6FCB}"/>
+              </a:ext>
+            </a:extLst>
+          </p:cNvPr>
+          <p:cNvSpPr>
+            <a:spLocks noGrp="1"/>
+          </p:cNvSpPr>
+          <p:nvPr>
+            <p:ph type="ftr" sz="quarter" idx="3"/>
+          </p:nvPr>
+        </p:nvSpPr>
+        <p:spPr/>
+        <p:txBody>
+          <a:bodyPr/>
+          <a:lstStyle/>
+          <a:p>
+            <a:r>
+              <a:rPr lang="en-GB"/>
+              <a:t>© Imperial College London</a:t>
+            </a:r>
+            <a:endParaRPr lang="en-US" dirty="0"/>
+          </a:p>
+        </p:txBody>
+      </p:sp>
+      <p:sp>
+        <p:nvSpPr>
+          <p:cNvPr id="5" name="Slide Number Placeholder 4">
+            <a:extLst>
+              <a:ext uri="{FF2B5EF4-FFF2-40B4-BE49-F238E27FC236}">
+                <a16:creationId xmlns:a16="http://schemas.microsoft.com/office/drawing/2014/main" id="{82BF5AAB-A01C-F9FD-843F-79FDBD565BEE}"/>
+              </a:ext>
+            </a:extLst>
+          </p:cNvPr>
+          <p:cNvSpPr>
+            <a:spLocks noGrp="1"/>
+          </p:cNvSpPr>
+          <p:nvPr>
+            <p:ph type="sldNum" sz="quarter" idx="4"/>
+          </p:nvPr>
+        </p:nvSpPr>
+        <p:spPr/>
+        <p:txBody>
+          <a:bodyPr/>
+          <a:lstStyle/>
+          <a:p>
+            <a:pPr algn="ctr"/>
+            <a:r>
+              <a:rPr lang="en-US"/>
+              <a:t>Slide </a:t>
+            </a:r>
+            <a:fld id="{3C70A08B-371D-5A4D-978C-9F5470823ED6}" type="slidenum">
+              <a:rPr lang="en-US" smtClean="0"/>
+              <a:pPr algn="ctr"/>
+              <a:t>21</a:t>
+            </a:fld>
+            <a:endParaRPr lang="en-US" dirty="0"/>
+          </a:p>
+        </p:txBody>
+      </p:sp>
+    </p:spTree>
+    <p:extLst>
+      <p:ext uri="{BB962C8B-B14F-4D97-AF65-F5344CB8AC3E}">
+        <p14:creationId xmlns:p14="http://schemas.microsoft.com/office/powerpoint/2010/main" val="2166540629"/>
+      </p:ext>
+    </p:extLst>
+  </p:cSld>
+  <p:clrMapOvr>
+    <a:masterClrMapping/>
+  </p:clrMapOvr>
+</p:sld>
+</file>
+
+<file path=ppt/slides/slide22.xml><?xml version="1.0" encoding="utf-8"?>
+<p:sld xmlns:a="http://schemas.openxmlformats.org/drawingml/2006/main" xmlns:r="http://schemas.openxmlformats.org/officeDocument/2006/relationships" xmlns:p="http://schemas.openxmlformats.org/presentationml/2006/main">
+  <p:cSld>
+    <p:spTree>
+      <p:nvGrpSpPr>
+        <p:cNvPr id="1" name=""/>
+        <p:cNvGrpSpPr/>
+        <p:nvPr/>
+      </p:nvGrpSpPr>
+      <p:grpSpPr>
+        <a:xfrm>
+          <a:off x="0" y="0"/>
+          <a:ext cx="0" cy="0"/>
+          <a:chOff x="0" y="0"/>
+          <a:chExt cx="0" cy="0"/>
+        </a:xfrm>
+      </p:grpSpPr>
+      <p:sp>
+        <p:nvSpPr>
+          <p:cNvPr id="2" name="Title 1">
+            <a:extLst>
+              <a:ext uri="{FF2B5EF4-FFF2-40B4-BE49-F238E27FC236}">
+                <a16:creationId xmlns:a16="http://schemas.microsoft.com/office/drawing/2014/main" id="{D13A0B31-E1D9-1280-CC28-6C0616E34450}"/>
+              </a:ext>
+            </a:extLst>
+          </p:cNvPr>
+          <p:cNvSpPr>
+            <a:spLocks noGrp="1"/>
+          </p:cNvSpPr>
+          <p:nvPr>
+            <p:ph type="title"/>
+          </p:nvPr>
+        </p:nvSpPr>
+        <p:spPr/>
+        <p:txBody>
+          <a:bodyPr/>
+          <a:lstStyle/>
+          <a:p>
+            <a:r>
+              <a:rPr lang="en-GB" dirty="0"/>
+              <a:t>Key messages</a:t>
+            </a:r>
+          </a:p>
+        </p:txBody>
+      </p:sp>
+      <p:sp>
+        <p:nvSpPr>
+          <p:cNvPr id="3" name="Content Placeholder 2">
+            <a:extLst>
+              <a:ext uri="{FF2B5EF4-FFF2-40B4-BE49-F238E27FC236}">
+                <a16:creationId xmlns:a16="http://schemas.microsoft.com/office/drawing/2014/main" id="{16496A15-4443-D22F-5422-754A37A353D6}"/>
+              </a:ext>
+            </a:extLst>
+          </p:cNvPr>
+          <p:cNvSpPr>
+            <a:spLocks noGrp="1"/>
+          </p:cNvSpPr>
+          <p:nvPr>
+            <p:ph idx="1"/>
+          </p:nvPr>
+        </p:nvSpPr>
+        <p:spPr/>
+        <p:txBody>
+          <a:bodyPr/>
+          <a:lstStyle/>
+          <a:p>
+            <a:r>
+              <a:rPr lang="en-GB" b="0" dirty="0"/>
+              <a:t>Understand why specifying temperature is preferable in saturation calculations</a:t>
+            </a:r>
+          </a:p>
+          <a:p>
+            <a:r>
+              <a:rPr lang="en-GB" b="0" dirty="0"/>
+              <a:t>Know that when building phase diagrams, it is crucial to reuse previous solutions as initial guesses for the next iteration</a:t>
+            </a:r>
+          </a:p>
+          <a:p>
+            <a:r>
+              <a:rPr lang="en-GB" b="0" dirty="0"/>
+              <a:t>Know that critical points can be directly solved for using automatic differentiation</a:t>
+            </a:r>
+          </a:p>
+        </p:txBody>
+      </p:sp>
+      <p:sp>
+        <p:nvSpPr>
+          <p:cNvPr id="4" name="Footer Placeholder 3">
+            <a:extLst>
+              <a:ext uri="{FF2B5EF4-FFF2-40B4-BE49-F238E27FC236}">
+                <a16:creationId xmlns:a16="http://schemas.microsoft.com/office/drawing/2014/main" id="{B0276A6B-E62D-97A8-A82D-7317A315E7F1}"/>
+              </a:ext>
+            </a:extLst>
+          </p:cNvPr>
+          <p:cNvSpPr>
+            <a:spLocks noGrp="1"/>
+          </p:cNvSpPr>
+          <p:nvPr>
+            <p:ph type="ftr" sz="quarter" idx="3"/>
+          </p:nvPr>
+        </p:nvSpPr>
+        <p:spPr/>
+        <p:txBody>
+          <a:bodyPr/>
+          <a:lstStyle/>
+          <a:p>
+            <a:r>
+              <a:rPr lang="en-GB"/>
+              <a:t>© Imperial College London</a:t>
+            </a:r>
+            <a:endParaRPr lang="en-US" dirty="0"/>
+          </a:p>
+        </p:txBody>
+      </p:sp>
+      <p:sp>
+        <p:nvSpPr>
+          <p:cNvPr id="5" name="Slide Number Placeholder 4">
+            <a:extLst>
+              <a:ext uri="{FF2B5EF4-FFF2-40B4-BE49-F238E27FC236}">
+                <a16:creationId xmlns:a16="http://schemas.microsoft.com/office/drawing/2014/main" id="{709FC203-55D4-B66C-E751-9AA2422A8018}"/>
+              </a:ext>
+            </a:extLst>
+          </p:cNvPr>
+          <p:cNvSpPr>
+            <a:spLocks noGrp="1"/>
+          </p:cNvSpPr>
+          <p:nvPr>
+            <p:ph type="sldNum" sz="quarter" idx="4"/>
+          </p:nvPr>
+        </p:nvSpPr>
+        <p:spPr/>
+        <p:txBody>
+          <a:bodyPr/>
+          <a:lstStyle/>
+          <a:p>
+            <a:pPr algn="ctr"/>
+            <a:r>
+              <a:rPr lang="en-US"/>
+              <a:t>Slide </a:t>
+            </a:r>
+            <a:fld id="{3C70A08B-371D-5A4D-978C-9F5470823ED6}" type="slidenum">
+              <a:rPr lang="en-US" smtClean="0"/>
+              <a:pPr algn="ctr"/>
+              <a:t>22</a:t>
+            </a:fld>
+            <a:endParaRPr lang="en-US" dirty="0"/>
+          </a:p>
+        </p:txBody>
+      </p:sp>
+    </p:spTree>
+    <p:extLst>
+      <p:ext uri="{BB962C8B-B14F-4D97-AF65-F5344CB8AC3E}">
+        <p14:creationId xmlns:p14="http://schemas.microsoft.com/office/powerpoint/2010/main" val="354491302"/>
+      </p:ext>
+    </p:extLst>
+  </p:cSld>
+  <p:clrMapOvr>
+    <a:masterClrMapping/>
+  </p:clrMapOvr>
+</p:sld>
+</file>
+
 <file path=ppt/slides/slide3.xml><?xml version="1.0" encoding="utf-8"?>
 <p:sld xmlns:a="http://schemas.openxmlformats.org/drawingml/2006/main" xmlns:r="http://schemas.openxmlformats.org/officeDocument/2006/relationships" xmlns:p="http://schemas.openxmlformats.org/presentationml/2006/main">
   <p:cSld>
@@ -7606,8 +10578,8 @@
           </a:p>
         </p:txBody>
       </p:sp>
-      <mc:AlternateContent xmlns:mc="http://schemas.openxmlformats.org/markup-compatibility/2006" xmlns:a14="http://schemas.microsoft.com/office/drawing/2010/main">
-        <mc:Choice Requires="a14">
+      <mc:AlternateContent xmlns:mc="http://schemas.openxmlformats.org/markup-compatibility/2006">
+        <mc:Choice xmlns:a14="http://schemas.microsoft.com/office/drawing/2010/main" Requires="a14">
           <p:sp>
             <p:nvSpPr>
               <p:cNvPr id="3" name="Content Placeholder 2">
@@ -7631,7 +10603,7 @@
               <a:p>
                 <a:r>
                   <a:rPr lang="en-GB" b="0" dirty="0"/>
-                  <a:t>At a equilibrium there is the equivalence of </a:t>
+                  <a:t>Under vapour-liquid equilibrium (VLE), we have two phases with equal </a:t>
                 </a:r>
                 <a:r>
                   <a:rPr lang="en-GB" dirty="0"/>
@@ -7657,7 +10629,7 @@
               <a:p>
                 <a:r>
                   <a:rPr lang="en-GB" b="0" dirty="0"/>
-                  <a:t>For vapour liquid equilibrium (VLE), this could be written as</a:t>
+                  <a:t>For VLE, this could be written as</a:t>
                 </a:r>
                 <a:br>
                   <a:rPr lang="en-GB" b="0" dirty="0"/>
@@ -7877,7 +10849,7 @@
             </p:txBody>
           </p:sp>
         </mc:Choice>
-        <mc:Fallback xmlns="">
+        <mc:Fallback>
           <p:sp>
             <p:nvSpPr>
               <p:cNvPr id="3" name="Content Placeholder 2">
@@ -7898,7 +10870,7 @@
               <a:blipFill>
                 <a:blip r:embed="rId2"/>
                 <a:stretch>
-                  <a:fillRect l="-1303" t="-1392" r="-145"/>
+                  <a:fillRect l="-1303" t="-1392"/>
                 </a:stretch>
               </a:blipFill>
             </p:spPr>
@@ -8039,8 +11011,8 @@
           </a:p>
         </p:txBody>
       </p:sp>
-      <mc:AlternateContent xmlns:mc="http://schemas.openxmlformats.org/markup-compatibility/2006" xmlns:a14="http://schemas.microsoft.com/office/drawing/2010/main">
-        <mc:Choice Requires="a14">
+      <mc:AlternateContent xmlns:mc="http://schemas.openxmlformats.org/markup-compatibility/2006">
+        <mc:Choice xmlns:a14="http://schemas.microsoft.com/office/drawing/2010/main" Requires="a14">
           <p:sp>
             <p:nvSpPr>
               <p:cNvPr id="3" name="Content Placeholder 2">
@@ -8064,7 +11036,7 @@
               <a:p>
                 <a:r>
                   <a:rPr lang="en-GB" b="0" dirty="0"/>
-                  <a:t>To solve for each phase, we need a variable that is different. We choose to </a:t>
+                  <a:t>To solve for each phase, we need a variable that is different for vapour and liquid. We choose to </a:t>
                 </a:r>
                 <a:r>
                   <a:rPr lang="en-GB" dirty="0"/>
@@ -8143,7 +11115,7 @@
             </p:txBody>
           </p:sp>
         </mc:Choice>
-        <mc:Fallback xmlns="">
+        <mc:Fallback>
           <p:sp>
             <p:nvSpPr>
               <p:cNvPr id="3" name="Content Placeholder 2">
@@ -8162,7 +11134,7 @@
             </p:nvSpPr>
             <p:spPr>
               <a:blipFill>
-                <a:blip r:embed="rId2"/>
+                <a:blip r:embed="rId3"/>
                 <a:stretch>
                   <a:fillRect l="-1303" t="-1392"/>
                 </a:stretch>
@@ -9817,28 +12789,6 @@
               <a:t>We cannot use the same method as we did for our volume solver (ideal gas + packing fraction) – we have only specified one variable!</a:t>
             </a:r>
           </a:p>
-          <a:p>
-            <a:r>
-              <a:rPr lang="en-GB" b="0" dirty="0"/>
-              <a:t>The solution – the van der Waals (</a:t>
-            </a:r>
-            <a:r>
-              <a:rPr lang="en-GB" b="0" dirty="0" err="1"/>
-              <a:t>vdW</a:t>
-            </a:r>
-            <a:r>
-              <a:rPr lang="en-GB" b="0" dirty="0"/>
-              <a:t>) equation of state (</a:t>
-            </a:r>
-            <a:r>
-              <a:rPr lang="en-GB" b="0" dirty="0" err="1"/>
-              <a:t>EoS</a:t>
-            </a:r>
-            <a:r>
-              <a:rPr lang="en-GB" b="0" dirty="0"/>
-              <a:t>)!</a:t>
-            </a:r>
-          </a:p>
         </p:txBody>
       </p:sp>
       <p:sp>
@@ -9940,7 +12890,7 @@
           <p:cNvPr id="2" name="Title 1">
             <a:extLst>
               <a:ext uri="{FF2B5EF4-FFF2-40B4-BE49-F238E27FC236}">
-                <a16:creationId xmlns:a16="http://schemas.microsoft.com/office/drawing/2014/main" id="{2FF9772F-9BD3-2314-0A91-E51ED6D9AC91}"/>
+                <a16:creationId xmlns:a16="http://schemas.microsoft.com/office/drawing/2014/main" id="{721285AC-6787-EC78-C00B-11692FCBD7FD}"/>
               </a:ext>
             </a:extLst>
           </p:cNvPr>
@@ -9958,21 +12908,8 @@
           <a:p>
             <a:r>
               <a:rPr lang="en-GB" dirty="0"/>
-              <a:t>Solution to </a:t>
-            </a:r>
-            <a:r>
-              <a:rPr lang="en-GB" dirty="0" err="1"/>
-              <a:t>vdW</a:t>
-            </a:r>
-            <a:r>
-              <a:rPr lang="en-GB" dirty="0"/>
-              <a:t> </a:t>
-            </a:r>
-            <a:r>
-              <a:rPr lang="en-GB" dirty="0" err="1"/>
-              <a:t>EoS</a:t>
-            </a:r>
-            <a:endParaRPr lang="en-GB" dirty="0"/>
+              <a:t>Initial Guesses</a:t>
+            </a:r>
           </a:p>
         </p:txBody>
       </p:sp>
@@ -9981,7 +12918,7 @@
           <p:cNvPr id="3" name="Content Placeholder 2">
             <a:extLst>
               <a:ext uri="{FF2B5EF4-FFF2-40B4-BE49-F238E27FC236}">
-                <a16:creationId xmlns:a16="http://schemas.microsoft.com/office/drawing/2014/main" id="{E8BF9775-7587-F951-7A8A-5E1088CC0870}"/>
+                <a16:creationId xmlns:a16="http://schemas.microsoft.com/office/drawing/2014/main" id="{4334CBD5-99FD-1EF7-18B0-03CFE0E94E80}"/>
               </a:ext>
             </a:extLst>
           </p:cNvPr>
@@ -9999,43 +12936,35 @@
           <a:p>
             <a:r>
               <a:rPr lang="en-GB" b="0" dirty="0"/>
-              <a:t>From the van der Waals equation of state we can obtain an expression for the saturation curve in terms of the </a:t>
-            </a:r>
-            <a:r>
-              <a:rPr lang="en-GB" dirty="0"/>
-              <a:t>reduced temperature </a:t>
-            </a:r>
+              <a:t>As with volume solvers, initial guesses are very important for converging successfully</a:t>
+            </a:r>
+          </a:p>
+          <a:p>
             <a:r>
               <a:rPr lang="en-GB" b="0" dirty="0"/>
-              <a:t>and </a:t>
-            </a:r>
-            <a:r>
-              <a:rPr lang="en-GB" dirty="0"/>
-              <a:t>pressure</a:t>
-            </a:r>
-          </a:p>
-          <a:p>
-            <a:pPr lvl="1"/>
-            <a:r>
-              <a:rPr lang="en-GB" dirty="0"/>
-              <a:t>This relates to the </a:t>
-            </a:r>
-            <a:r>
-              <a:rPr lang="en-GB" b="1" dirty="0"/>
-              <a:t>theory of corresponding states</a:t>
-            </a:r>
-            <a:endParaRPr lang="en-GB" dirty="0"/>
+              <a:t>We cannot use the same method as we did for our volume solver (ideal gas + packing fraction) – we have only specified one variable!</a:t>
+            </a:r>
           </a:p>
           <a:p>
             <a:r>
               <a:rPr lang="en-GB" b="0" dirty="0"/>
-              <a:t>We can exploit this to use as our initial guess</a:t>
-            </a:r>
-          </a:p>
-          <a:p>
+              <a:t>The solution – the van der Waals (</a:t>
+            </a:r>
+            <a:r>
+              <a:rPr lang="en-GB" b="0" dirty="0" err="1"/>
+              <a:t>vdW</a:t>
+            </a:r>
             <a:r>
               <a:rPr lang="en-GB" b="0" dirty="0"/>
-              <a:t>We use a fitted approximation to the numerical solution</a:t>
+              <a:t>) equation of state (</a:t>
+            </a:r>
+            <a:r>
+              <a:rPr lang="en-GB" b="0" dirty="0" err="1"/>
+              <a:t>EoS</a:t>
+            </a:r>
+            <a:r>
+              <a:rPr lang="en-GB" b="0" dirty="0"/>
+              <a:t>)!</a:t>
             </a:r>
           </a:p>
         </p:txBody>
@@ -10045,7 +12974,7 @@
           <p:cNvPr id="4" name="Footer Placeholder 3">
             <a:extLst>
               <a:ext uri="{FF2B5EF4-FFF2-40B4-BE49-F238E27FC236}">
-                <a16:creationId xmlns:a16="http://schemas.microsoft.com/office/drawing/2014/main" id="{F6ED9B5F-EDF1-37C2-ED28-21810DCD4E8B}"/>
+                <a16:creationId xmlns:a16="http://schemas.microsoft.com/office/drawing/2014/main" id="{EC08E993-F3CB-ABB7-2886-5E0FE9826582}"/>
               </a:ext>
             </a:extLst>
           </p:cNvPr>
@@ -10074,7 +13003,7 @@
           <p:cNvPr id="5" name="Slide Number Placeholder 4">
             <a:extLst>
               <a:ext uri="{FF2B5EF4-FFF2-40B4-BE49-F238E27FC236}">
-                <a16:creationId xmlns:a16="http://schemas.microsoft.com/office/drawing/2014/main" id="{FFCFAC2B-1039-3E98-4AA9-663C9EB876E7}"/>
+                <a16:creationId xmlns:a16="http://schemas.microsoft.com/office/drawing/2014/main" id="{EC8F51B0-D114-F505-6038-4A55710C50A0}"/>
               </a:ext>
             </a:extLst>
           </p:cNvPr>
@@ -10107,7 +13036,7 @@
     </p:spTree>
     <p:extLst>
       <p:ext uri="{BB962C8B-B14F-4D97-AF65-F5344CB8AC3E}">
-        <p14:creationId xmlns:p14="http://schemas.microsoft.com/office/powerpoint/2010/main" val="1695441006"/>
+        <p14:creationId xmlns:p14="http://schemas.microsoft.com/office/powerpoint/2010/main" val="461386003"/>
       </p:ext>
     </p:extLst>
   </p:cSld>
@@ -10118,7 +13047,7 @@
 </file>
 
 <file path=ppt/slides/slide9.xml><?xml version="1.0" encoding="utf-8"?>
-<p:sld xmlns:a="http://schemas.openxmlformats.org/drawingml/2006/main" xmlns:r="http://schemas.openxmlformats.org/officeDocument/2006/relationships" xmlns:p="http://schemas.openxmlformats.org/presentationml/2006/main" show="0">
+<p:sld xmlns:a="http://schemas.openxmlformats.org/drawingml/2006/main" xmlns:r="http://schemas.openxmlformats.org/officeDocument/2006/relationships" xmlns:p="http://schemas.openxmlformats.org/presentationml/2006/main">
   <p:cSld>
     <p:spTree>
       <p:nvGrpSpPr>
@@ -10139,7 +13068,7 @@
           <p:cNvPr id="2" name="Title 1">
             <a:extLst>
               <a:ext uri="{FF2B5EF4-FFF2-40B4-BE49-F238E27FC236}">
-                <a16:creationId xmlns:a16="http://schemas.microsoft.com/office/drawing/2014/main" id="{D033DF0A-C1B5-E627-4E90-84B4BC037076}"/>
+                <a16:creationId xmlns:a16="http://schemas.microsoft.com/office/drawing/2014/main" id="{2FF9772F-9BD3-2314-0A91-E51ED6D9AC91}"/>
               </a:ext>
             </a:extLst>
           </p:cNvPr>
@@ -10177,10 +13106,68 @@
       </p:sp>
       <p:sp>
         <p:nvSpPr>
+          <p:cNvPr id="3" name="Content Placeholder 2">
+            <a:extLst>
+              <a:ext uri="{FF2B5EF4-FFF2-40B4-BE49-F238E27FC236}">
+                <a16:creationId xmlns:a16="http://schemas.microsoft.com/office/drawing/2014/main" id="{E8BF9775-7587-F951-7A8A-5E1088CC0870}"/>
+              </a:ext>
+            </a:extLst>
+          </p:cNvPr>
+          <p:cNvSpPr>
+            <a:spLocks noGrp="1"/>
+          </p:cNvSpPr>
+          <p:nvPr>
+            <p:ph idx="1"/>
+          </p:nvPr>
+        </p:nvSpPr>
+        <p:spPr/>
+        <p:txBody>
+          <a:bodyPr/>
+          <a:lstStyle/>
+          <a:p>
+            <a:r>
+              <a:rPr lang="en-GB" b="0" dirty="0"/>
+              <a:t>From the van der Waals equation of state we can obtain an expression for the saturation curve in terms of the </a:t>
+            </a:r>
+            <a:r>
+              <a:rPr lang="en-GB" dirty="0"/>
+              <a:t>reduced temperature </a:t>
+            </a:r>
+            <a:r>
+              <a:rPr lang="en-GB" b="0" dirty="0"/>
+              <a:t>and </a:t>
+            </a:r>
+            <a:r>
+              <a:rPr lang="en-GB" dirty="0"/>
+              <a:t>pressure</a:t>
+            </a:r>
+          </a:p>
+          <a:p>
+            <a:pPr lvl="1"/>
+            <a:r>
+              <a:rPr lang="en-GB" dirty="0"/>
+              <a:t>This relates to the </a:t>
+            </a:r>
+            <a:r>
+              <a:rPr lang="en-GB" b="1" dirty="0"/>
+              <a:t>theory of corresponding states</a:t>
+            </a:r>
+            <a:endParaRPr lang="en-GB" dirty="0"/>
+          </a:p>
+          <a:p>
+            <a:r>
+              <a:rPr lang="en-GB" b="0" dirty="0"/>
+              <a:t>We can exploit this to use as our initial guess</a:t>
+            </a:r>
+          </a:p>
+        </p:txBody>
+      </p:sp>
+      <p:sp>
+        <p:nvSpPr>
           <p:cNvPr id="4" name="Footer Placeholder 3">
             <a:extLst>
               <a:ext uri="{FF2B5EF4-FFF2-40B4-BE49-F238E27FC236}">
-                <a16:creationId xmlns:a16="http://schemas.microsoft.com/office/drawing/2014/main" id="{AD97FFF1-08E4-D135-4168-2A4C47861FBA}"/>
+                <a16:creationId xmlns:a16="http://schemas.microsoft.com/office/drawing/2014/main" id="{F6ED9B5F-EDF1-37C2-ED28-21810DCD4E8B}"/>
               </a:ext>
             </a:extLst>
           </p:cNvPr>
@@ -10209,7 +13196,7 @@
           <p:cNvPr id="5" name="Slide Number Placeholder 4">
             <a:extLst>
               <a:ext uri="{FF2B5EF4-FFF2-40B4-BE49-F238E27FC236}">
-                <a16:creationId xmlns:a16="http://schemas.microsoft.com/office/drawing/2014/main" id="{BA0B29D9-DB40-CB9A-FC7B-D401BB354378}"/>
+                <a16:creationId xmlns:a16="http://schemas.microsoft.com/office/drawing/2014/main" id="{FFCFAC2B-1039-3E98-4AA9-663C9EB876E7}"/>
               </a:ext>
             </a:extLst>
           </p:cNvPr>
@@ -10239,99 +13226,10 @@
           </a:p>
         </p:txBody>
       </p:sp>
-      <p:sp>
-        <p:nvSpPr>
-          <p:cNvPr id="6" name="TextBox 5">
-            <a:extLst>
-              <a:ext uri="{FF2B5EF4-FFF2-40B4-BE49-F238E27FC236}">
-                <a16:creationId xmlns:a16="http://schemas.microsoft.com/office/drawing/2014/main" id="{BC17E248-97E2-C46A-1240-1616B34D834E}"/>
-              </a:ext>
-            </a:extLst>
-          </p:cNvPr>
-          <p:cNvSpPr txBox="1"/>
-          <p:nvPr/>
-        </p:nvSpPr>
-        <p:spPr>
-          <a:xfrm>
-            <a:off x="2917065" y="3036194"/>
-            <a:ext cx="3309870" cy="1477328"/>
-          </a:xfrm>
-          <a:prstGeom prst="rect">
-            <a:avLst/>
-          </a:prstGeom>
-          <a:noFill/>
-          <a:ln>
-            <a:solidFill>
-              <a:srgbClr val="010000"/>
-            </a:solidFill>
-          </a:ln>
-        </p:spPr>
-        <p:txBody>
-          <a:bodyPr wrap="square" rtlCol="0">
-            <a:spAutoFit/>
-          </a:bodyPr>
-          <a:lstStyle/>
-          <a:p>
-            <a:pPr algn="ctr"/>
-            <a:r>
-              <a:rPr lang="en-GB" dirty="0">
-                <a:latin typeface="Arial"/>
-                <a:cs typeface="Arial"/>
-              </a:rPr>
-              <a:t>Saturation envelope for </a:t>
-            </a:r>
-            <a:r>
-              <a:rPr lang="en-GB" dirty="0" err="1">
-                <a:latin typeface="Arial"/>
-                <a:cs typeface="Arial"/>
-              </a:rPr>
-              <a:t>vdW</a:t>
-            </a:r>
-            <a:r>
-              <a:rPr lang="en-GB" dirty="0">
-                <a:latin typeface="Arial"/>
-                <a:cs typeface="Arial"/>
-              </a:rPr>
-              <a:t> in reduced variables</a:t>
-            </a:r>
-          </a:p>
-          <a:p>
-            <a:pPr algn="ctr"/>
-            <a:endParaRPr lang="en-GB" dirty="0">
-              <a:latin typeface="Arial"/>
-              <a:cs typeface="Arial"/>
-            </a:endParaRPr>
-          </a:p>
-          <a:p>
-            <a:pPr algn="ctr"/>
-            <a:r>
-              <a:rPr lang="en-GB" dirty="0">
-                <a:latin typeface="Arial"/>
-                <a:cs typeface="Arial"/>
-              </a:rPr>
-              <a:t>Compare to other </a:t>
-            </a:r>
-            <a:r>
-              <a:rPr lang="en-GB" dirty="0" err="1">
-                <a:latin typeface="Arial"/>
-                <a:cs typeface="Arial"/>
-              </a:rPr>
-              <a:t>EoS</a:t>
-            </a:r>
-            <a:r>
-              <a:rPr lang="en-GB" dirty="0">
-                <a:latin typeface="Arial"/>
-                <a:cs typeface="Arial"/>
-              </a:rPr>
-              <a:t> for specific compounds</a:t>
-            </a:r>
-          </a:p>
-        </p:txBody>
-      </p:sp>
     </p:spTree>
     <p:extLst>
       <p:ext uri="{BB962C8B-B14F-4D97-AF65-F5344CB8AC3E}">
-        <p14:creationId xmlns:p14="http://schemas.microsoft.com/office/powerpoint/2010/main" val="2249861449"/>
+        <p14:creationId xmlns:p14="http://schemas.microsoft.com/office/powerpoint/2010/main" val="1695441006"/>
       </p:ext>
     </p:extLst>
   </p:cSld>
